--- a/Instructor-Led/Module5/Lessons/Module5_Lesson2 Spark MLlib and Data Types.pptx
+++ b/Instructor-Led/Module5/Lessons/Module5_Lesson2 Spark MLlib and Data Types.pptx
@@ -1,11 +1,11 @@
 
 <file path=ppt/presentation.xml><?xml version="1.0" encoding="utf-8"?>
-<p:presentation xmlns:a="http://schemas.openxmlformats.org/drawingml/2006/main" xmlns:r="http://schemas.openxmlformats.org/officeDocument/2006/relationships" xmlns:p="http://schemas.openxmlformats.org/presentationml/2006/main" saveSubsetFonts="1">
+<p:presentation xmlns:a="http://schemas.openxmlformats.org/drawingml/2006/main" xmlns:r="http://schemas.openxmlformats.org/officeDocument/2006/relationships" xmlns:p="http://schemas.openxmlformats.org/presentationml/2006/main" removePersonalInfoOnSave="1" saveSubsetFonts="1">
   <p:sldMasterIdLst>
     <p:sldMasterId id="2147483648" r:id="rId1"/>
   </p:sldMasterIdLst>
   <p:notesMasterIdLst>
-    <p:notesMasterId r:id="rId35"/>
+    <p:notesMasterId r:id="rId33"/>
   </p:notesMasterIdLst>
   <p:sldIdLst>
     <p:sldId id="256" r:id="rId2"/>
@@ -17,30 +17,28 @@
     <p:sldId id="367" r:id="rId8"/>
     <p:sldId id="369" r:id="rId9"/>
     <p:sldId id="368" r:id="rId10"/>
-    <p:sldId id="394" r:id="rId11"/>
-    <p:sldId id="385" r:id="rId12"/>
-    <p:sldId id="386" r:id="rId13"/>
-    <p:sldId id="387" r:id="rId14"/>
-    <p:sldId id="388" r:id="rId15"/>
-    <p:sldId id="389" r:id="rId16"/>
-    <p:sldId id="390" r:id="rId17"/>
-    <p:sldId id="391" r:id="rId18"/>
-    <p:sldId id="392" r:id="rId19"/>
-    <p:sldId id="393" r:id="rId20"/>
-    <p:sldId id="395" r:id="rId21"/>
-    <p:sldId id="371" r:id="rId22"/>
-    <p:sldId id="372" r:id="rId23"/>
-    <p:sldId id="370" r:id="rId24"/>
-    <p:sldId id="373" r:id="rId25"/>
-    <p:sldId id="374" r:id="rId26"/>
-    <p:sldId id="377" r:id="rId27"/>
-    <p:sldId id="378" r:id="rId28"/>
-    <p:sldId id="380" r:id="rId29"/>
-    <p:sldId id="382" r:id="rId30"/>
-    <p:sldId id="383" r:id="rId31"/>
-    <p:sldId id="384" r:id="rId32"/>
-    <p:sldId id="396" r:id="rId33"/>
-    <p:sldId id="324" r:id="rId34"/>
+    <p:sldId id="385" r:id="rId11"/>
+    <p:sldId id="386" r:id="rId12"/>
+    <p:sldId id="387" r:id="rId13"/>
+    <p:sldId id="388" r:id="rId14"/>
+    <p:sldId id="389" r:id="rId15"/>
+    <p:sldId id="390" r:id="rId16"/>
+    <p:sldId id="391" r:id="rId17"/>
+    <p:sldId id="392" r:id="rId18"/>
+    <p:sldId id="393" r:id="rId19"/>
+    <p:sldId id="371" r:id="rId20"/>
+    <p:sldId id="372" r:id="rId21"/>
+    <p:sldId id="370" r:id="rId22"/>
+    <p:sldId id="373" r:id="rId23"/>
+    <p:sldId id="374" r:id="rId24"/>
+    <p:sldId id="397" r:id="rId25"/>
+    <p:sldId id="377" r:id="rId26"/>
+    <p:sldId id="378" r:id="rId27"/>
+    <p:sldId id="380" r:id="rId28"/>
+    <p:sldId id="382" r:id="rId29"/>
+    <p:sldId id="383" r:id="rId30"/>
+    <p:sldId id="384" r:id="rId31"/>
+    <p:sldId id="324" r:id="rId32"/>
   </p:sldIdLst>
   <p:sldSz cx="12192000" cy="6858000"/>
   <p:notesSz cx="6858000" cy="9144000"/>
@@ -141,7 +139,18 @@
   </p:defaultTextStyle>
   <p:extLst>
     <p:ext uri="{EFAFB233-063F-42B5-8137-9DF3F51BA10A}">
-      <p15:sldGuideLst xmlns:p15="http://schemas.microsoft.com/office/powerpoint/2012/main" xmlns=""/>
+      <p15:sldGuideLst xmlns="" xmlns:p15="http://schemas.microsoft.com/office/powerpoint/2012/main">
+        <p15:guide id="1" orient="horz" pos="2160">
+          <p15:clr>
+            <a:srgbClr val="A4A3A4"/>
+          </p15:clr>
+        </p15:guide>
+        <p15:guide id="2" pos="3840">
+          <p15:clr>
+            <a:srgbClr val="A4A3A4"/>
+          </p15:clr>
+        </p15:guide>
+      </p15:sldGuideLst>
     </p:ext>
   </p:extLst>
 </p:presentation>
@@ -149,41 +158,8 @@
 
 <file path=ppt/commentAuthors.xml><?xml version="1.0" encoding="utf-8"?>
 <p:cmAuthorLst xmlns:a="http://schemas.openxmlformats.org/drawingml/2006/main" xmlns:r="http://schemas.openxmlformats.org/officeDocument/2006/relationships" xmlns:p="http://schemas.openxmlformats.org/presentationml/2006/main">
-  <p:cmAuthor id="1" name="Gavin Gear" initials="GG" lastIdx="7" clrIdx="0">
-    <p:extLst/>
-  </p:cmAuthor>
-  <p:cmAuthor id="2" name="Mary Kate Reid" initials="" lastIdx="4" clrIdx="1"/>
+  <p:cmAuthor id="4" name="Author" initials="A" lastIdx="0" clrIdx="3"/>
 </p:cmAuthorLst>
-</file>
-
-<file path=ppt/comments/comment1.xml><?xml version="1.0" encoding="utf-8"?>
-<p:cmLst xmlns:a="http://schemas.openxmlformats.org/drawingml/2006/main" xmlns:r="http://schemas.openxmlformats.org/officeDocument/2006/relationships" xmlns:p="http://schemas.openxmlformats.org/presentationml/2006/main">
-  <p:cm authorId="2" dt="2016-06-08T15:42:57.819" idx="1">
-    <p:pos x="182" y="146"/>
-    <p:text>Add the why
-why is Spark important
-what problem does it solve.</p:text>
-  </p:cm>
-</p:cmLst>
-</file>
-
-<file path=ppt/comments/comment2.xml><?xml version="1.0" encoding="utf-8"?>
-<p:cmLst xmlns:a="http://schemas.openxmlformats.org/drawingml/2006/main" xmlns:r="http://schemas.openxmlformats.org/officeDocument/2006/relationships" xmlns:p="http://schemas.openxmlformats.org/presentationml/2006/main">
-  <p:cm authorId="2" dt="2016-06-08T15:57:25.772" idx="3">
-    <p:pos x="-2" y="10"/>
-    <p:text>Real-world example sets or an example app that puts the slides before this (python lambda functions and Transformations)in context would be great
-</p:text>
-  </p:cm>
-</p:cmLst>
-</file>
-
-<file path=ppt/comments/comment3.xml><?xml version="1.0" encoding="utf-8"?>
-<p:cmLst xmlns:a="http://schemas.openxmlformats.org/drawingml/2006/main" xmlns:r="http://schemas.openxmlformats.org/officeDocument/2006/relationships" xmlns:p="http://schemas.openxmlformats.org/presentationml/2006/main">
-  <p:cm authorId="2" dt="2016-06-08T15:58:28.096" idx="4">
-    <p:pos x="10" y="10"/>
-    <p:text>Add a practical example here. Perhaps draw from the labs?</p:text>
-  </p:cm>
-</p:cmLst>
 </file>
 
 <file path=ppt/notesMasters/notesMaster1.xml><?xml version="1.0" encoding="utf-8"?>
@@ -269,7 +245,7 @@
             <a:fld id="{49B60EF2-7028-489F-85D8-FE86CD7CF2A0}" type="datetimeFigureOut">
               <a:rPr lang="en-US" smtClean="0"/>
               <a:pPr/>
-              <a:t>6/8/16</a:t>
+              <a:t>6/29/16</a:t>
             </a:fld>
             <a:endParaRPr lang="en-US"/>
           </a:p>
@@ -688,7 +664,7 @@
             <a:fld id="{01283FAC-A721-45A3-BBDE-EAF2B09B7CD9}" type="slidenum">
               <a:rPr lang="en-US" smtClean="0"/>
               <a:pPr/>
-              <a:t>11</a:t>
+              <a:t>10</a:t>
             </a:fld>
             <a:endParaRPr lang="en-US"/>
           </a:p>
@@ -769,10 +745,10 @@
               <a:defRPr/>
             </a:pPr>
             <a:r>
-              <a:rPr lang="en-US" altLang="ko-KR" b="1" dirty="0" smtClean="0"/>
+              <a:rPr lang="en-US" altLang="ko-KR" b="1" dirty="0"/>
               <a:t>Notes:</a:t>
             </a:r>
-            <a:endParaRPr lang="en-US" altLang="ko-KR" b="0" dirty="0" smtClean="0"/>
+            <a:endParaRPr lang="en-US" altLang="ko-KR" b="0" dirty="0"/>
           </a:p>
           <a:p>
             <a:pPr marL="0" marR="0" lvl="0" indent="0" algn="l" defTabSz="914400" rtl="0" eaLnBrk="1" fontAlgn="auto" latinLnBrk="0" hangingPunct="1">
@@ -793,7 +769,7 @@
               <a:defRPr/>
             </a:pPr>
             <a:r>
-              <a:rPr lang="en-US" altLang="ko-KR" dirty="0" smtClean="0"/>
+              <a:rPr lang="en-US" altLang="ko-KR" dirty="0"/>
               <a:t> Spark programs are written as operations on distributed datasets.</a:t>
             </a:r>
           </a:p>
@@ -816,11 +792,11 @@
               <a:defRPr/>
             </a:pPr>
             <a:r>
-              <a:rPr lang="en-US" altLang="ko-KR" dirty="0" smtClean="0"/>
+              <a:rPr lang="en-US" altLang="ko-KR" dirty="0"/>
               <a:t> Datasets are stored either in memory or</a:t>
             </a:r>
             <a:r>
-              <a:rPr lang="en-US" altLang="ko-KR" baseline="0" dirty="0" smtClean="0"/>
+              <a:rPr lang="en-US" altLang="ko-KR" baseline="0" dirty="0"/>
               <a:t> on disk.</a:t>
             </a:r>
           </a:p>
@@ -843,7 +819,7 @@
               <a:defRPr/>
             </a:pPr>
             <a:r>
-              <a:rPr lang="en-US" altLang="ko-KR" baseline="0" dirty="0" smtClean="0"/>
+              <a:rPr lang="en-US" altLang="ko-KR" baseline="0" dirty="0"/>
               <a:t> Once datasets are created, they persist in either memory or on disk.</a:t>
             </a:r>
           </a:p>
@@ -866,10 +842,10 @@
               <a:defRPr/>
             </a:pPr>
             <a:r>
-              <a:rPr lang="en-US" altLang="ko-KR" baseline="0" dirty="0" smtClean="0"/>
+              <a:rPr lang="en-US" altLang="ko-KR" baseline="0" dirty="0"/>
               <a:t> RDDs are automatically recreated upon machine failure.</a:t>
             </a:r>
-            <a:endParaRPr lang="en-US" altLang="ko-KR" dirty="0" smtClean="0"/>
+            <a:endParaRPr lang="en-US" altLang="ko-KR" dirty="0"/>
           </a:p>
           <a:p>
             <a:pPr marL="0" marR="0" lvl="0" indent="0" algn="l" defTabSz="914400" rtl="0" eaLnBrk="1" fontAlgn="auto" latinLnBrk="0" hangingPunct="1">
@@ -889,7 +865,7 @@
               <a:tabLst/>
               <a:defRPr/>
             </a:pPr>
-            <a:endParaRPr lang="en-US" altLang="ko-KR" b="1" dirty="0" smtClean="0"/>
+            <a:endParaRPr lang="en-US" altLang="ko-KR" b="1" dirty="0"/>
           </a:p>
           <a:p>
             <a:pPr marL="0" marR="0" lvl="0" indent="0" algn="l" defTabSz="914400" rtl="0" eaLnBrk="1" fontAlgn="auto" latinLnBrk="0" hangingPunct="1">
@@ -909,7 +885,7 @@
               <a:tabLst/>
               <a:defRPr/>
             </a:pPr>
-            <a:endParaRPr lang="en-US" altLang="ko-KR" b="1" dirty="0" smtClean="0"/>
+            <a:endParaRPr lang="en-US" altLang="ko-KR" b="1" dirty="0"/>
           </a:p>
           <a:p>
             <a:pPr marL="0" marR="0" lvl="0" indent="0" algn="l" defTabSz="914400" rtl="0" eaLnBrk="1" fontAlgn="auto" latinLnBrk="0" hangingPunct="1">
@@ -930,7 +906,7 @@
               <a:defRPr/>
             </a:pPr>
             <a:r>
-              <a:rPr lang="en-US" altLang="ko-KR" b="1" dirty="0" smtClean="0"/>
+              <a:rPr lang="en-US" altLang="ko-KR" b="1" dirty="0"/>
               <a:t>References:  </a:t>
             </a:r>
           </a:p>
@@ -953,7 +929,7 @@
               <a:defRPr/>
             </a:pPr>
             <a:r>
-              <a:rPr lang="en-US" altLang="ko-KR" dirty="0" smtClean="0"/>
+              <a:rPr lang="en-US" altLang="ko-KR" dirty="0"/>
               <a:t>https://spark.apache.org/docs/latest/index.html</a:t>
             </a:r>
           </a:p>
@@ -976,12 +952,8 @@
               <a:defRPr/>
             </a:pPr>
             <a:r>
-              <a:rPr lang="en-US" altLang="ko-KR" dirty="0" smtClean="0"/>
-              <a:t>https</a:t>
-            </a:r>
-            <a:r>
               <a:rPr lang="en-US" altLang="ko-KR" dirty="0"/>
-              <a:t>://courses.edx.org/courses/BerkeleyX/CS190.1x</a:t>
+              <a:t>https://courses.edx.org/courses/BerkeleyX/CS190.1x</a:t>
             </a:r>
           </a:p>
         </p:txBody>
@@ -1004,7 +976,7 @@
             <a:fld id="{01283FAC-A721-45A3-BBDE-EAF2B09B7CD9}" type="slidenum">
               <a:rPr lang="en-US" smtClean="0"/>
               <a:pPr/>
-              <a:t>12</a:t>
+              <a:t>11</a:t>
             </a:fld>
             <a:endParaRPr lang="en-US"/>
           </a:p>
@@ -1085,10 +1057,10 @@
               <a:defRPr/>
             </a:pPr>
             <a:r>
-              <a:rPr lang="en-US" altLang="ko-KR" b="1" dirty="0" smtClean="0"/>
+              <a:rPr lang="en-US" altLang="ko-KR" b="1" dirty="0"/>
               <a:t>Notes:</a:t>
             </a:r>
-            <a:endParaRPr lang="en-US" altLang="ko-KR" b="0" dirty="0" smtClean="0"/>
+            <a:endParaRPr lang="en-US" altLang="ko-KR" b="0" dirty="0"/>
           </a:p>
           <a:p>
             <a:pPr marL="0" indent="0">
@@ -1096,7 +1068,7 @@
               <a:buChar char="•"/>
             </a:pPr>
             <a:r>
-              <a:rPr lang="en-US" sz="1200" dirty="0" smtClean="0"/>
+              <a:rPr lang="en-US" sz="1200" dirty="0"/>
               <a:t> The application is the driver program, which runs locally.</a:t>
             </a:r>
           </a:p>
@@ -1106,7 +1078,7 @@
               <a:buChar char="•"/>
             </a:pPr>
             <a:r>
-              <a:rPr lang="en-US" sz="1200" dirty="0" smtClean="0"/>
+              <a:rPr lang="en-US" sz="1200" dirty="0"/>
               <a:t> Worker programs run on the cluster nodes or in local threads.</a:t>
             </a:r>
           </a:p>
@@ -1116,7 +1088,7 @@
               <a:buChar char="•"/>
             </a:pPr>
             <a:r>
-              <a:rPr lang="en-US" sz="1200" dirty="0" smtClean="0"/>
+              <a:rPr lang="en-US" sz="1200" dirty="0"/>
               <a:t> RDDs are distributed across the workers.</a:t>
             </a:r>
           </a:p>
@@ -1126,7 +1098,7 @@
               <a:buChar char="•"/>
             </a:pPr>
             <a:r>
-              <a:rPr lang="en-US" sz="1200" dirty="0" smtClean="0"/>
+              <a:rPr lang="en-US" sz="1200" dirty="0"/>
               <a:t> RDDs sometimes swap to storage if necessary.</a:t>
             </a:r>
           </a:p>
@@ -1149,21 +1121,21 @@
               <a:defRPr/>
             </a:pPr>
             <a:r>
-              <a:rPr lang="en-US" sz="1200" dirty="0" smtClean="0"/>
+              <a:rPr lang="en-US" sz="1200" dirty="0"/>
               <a:t> Driver directly communicates </a:t>
             </a:r>
             <a:r>
-              <a:rPr lang="en-US" altLang="ko-KR" baseline="0" dirty="0" smtClean="0"/>
+              <a:rPr lang="en-US" altLang="ko-KR" baseline="0" dirty="0"/>
               <a:t>with workers once Spark executors are running.</a:t>
             </a:r>
-            <a:endParaRPr lang="en-US" altLang="ko-KR" dirty="0" smtClean="0"/>
+            <a:endParaRPr lang="en-US" altLang="ko-KR" dirty="0"/>
           </a:p>
           <a:p>
             <a:pPr marL="0" indent="0">
               <a:buFont typeface="Arial" pitchFamily="34" charset="0"/>
               <a:buChar char="•"/>
             </a:pPr>
-            <a:endParaRPr lang="en-US" sz="1200" dirty="0" smtClean="0"/>
+            <a:endParaRPr lang="en-US" sz="1200" dirty="0"/>
           </a:p>
           <a:p>
             <a:pPr marL="0" marR="0" lvl="0" indent="0" algn="l" defTabSz="914400" rtl="0" eaLnBrk="1" fontAlgn="auto" latinLnBrk="0" hangingPunct="1">
@@ -1184,7 +1156,7 @@
               <a:defRPr/>
             </a:pPr>
             <a:r>
-              <a:rPr lang="en-US" altLang="ko-KR" b="1" dirty="0" smtClean="0"/>
+              <a:rPr lang="en-US" altLang="ko-KR" b="1" dirty="0"/>
               <a:t>References:  </a:t>
             </a:r>
           </a:p>
@@ -1207,7 +1179,7 @@
               <a:defRPr/>
             </a:pPr>
             <a:r>
-              <a:rPr lang="en-US" altLang="ko-KR" dirty="0" smtClean="0"/>
+              <a:rPr lang="en-US" altLang="ko-KR" dirty="0"/>
               <a:t>https://spark.apache.org/docs/latest/index.html</a:t>
             </a:r>
           </a:p>
@@ -1230,16 +1202,8 @@
               <a:defRPr/>
             </a:pPr>
             <a:r>
-              <a:rPr lang="en-US" altLang="ko-KR" dirty="0" smtClean="0"/>
-              <a:t>https</a:t>
-            </a:r>
-            <a:r>
               <a:rPr lang="en-US" altLang="ko-KR" dirty="0"/>
-              <a:t>://</a:t>
-            </a:r>
-            <a:r>
-              <a:rPr lang="en-US" altLang="ko-KR" dirty="0" smtClean="0"/>
-              <a:t>courses.edx.org/courses/BerkeleyX/CS190.1x</a:t>
+              <a:t>https://courses.edx.org/courses/BerkeleyX/CS190.1x</a:t>
             </a:r>
           </a:p>
           <a:p>
@@ -1282,7 +1246,7 @@
             <a:fld id="{01283FAC-A721-45A3-BBDE-EAF2B09B7CD9}" type="slidenum">
               <a:rPr lang="en-US" smtClean="0"/>
               <a:pPr/>
-              <a:t>13</a:t>
+              <a:t>12</a:t>
             </a:fld>
             <a:endParaRPr lang="en-US"/>
           </a:p>
@@ -1363,10 +1327,10 @@
               <a:defRPr/>
             </a:pPr>
             <a:r>
-              <a:rPr lang="en-US" altLang="ko-KR" b="1" dirty="0" smtClean="0"/>
+              <a:rPr lang="en-US" altLang="ko-KR" b="1" dirty="0"/>
               <a:t>Notes:</a:t>
             </a:r>
-            <a:endParaRPr lang="en-US" altLang="ko-KR" b="0" dirty="0" smtClean="0"/>
+            <a:endParaRPr lang="en-US" altLang="ko-KR" b="0" dirty="0"/>
           </a:p>
           <a:p>
             <a:pPr marL="0" marR="0" lvl="0" indent="0" algn="l" defTabSz="914400" rtl="0" eaLnBrk="1" fontAlgn="auto" latinLnBrk="0" hangingPunct="1">
@@ -1387,10 +1351,10 @@
               <a:defRPr/>
             </a:pPr>
             <a:r>
-              <a:rPr lang="en-US" altLang="ko-KR" b="0" baseline="0" dirty="0" smtClean="0"/>
+              <a:rPr lang="en-US" altLang="ko-KR" b="0" baseline="0" dirty="0"/>
               <a:t> Spark Context (SC) can be used to create RDDs.</a:t>
             </a:r>
-            <a:endParaRPr lang="en-US" altLang="ko-KR" b="1" dirty="0" smtClean="0"/>
+            <a:endParaRPr lang="en-US" altLang="ko-KR" b="1" dirty="0"/>
           </a:p>
           <a:p>
             <a:pPr marL="0" marR="0" lvl="0" indent="0" algn="l" defTabSz="914400" rtl="0" eaLnBrk="1" fontAlgn="auto" latinLnBrk="0" hangingPunct="1">
@@ -1410,7 +1374,7 @@
               <a:tabLst/>
               <a:defRPr/>
             </a:pPr>
-            <a:endParaRPr lang="en-US" altLang="ko-KR" b="1" dirty="0" smtClean="0"/>
+            <a:endParaRPr lang="en-US" altLang="ko-KR" b="1" dirty="0"/>
           </a:p>
           <a:p>
             <a:pPr marL="0" marR="0" lvl="0" indent="0" algn="l" defTabSz="914400" rtl="0" eaLnBrk="1" fontAlgn="auto" latinLnBrk="0" hangingPunct="1">
@@ -1431,7 +1395,7 @@
               <a:defRPr/>
             </a:pPr>
             <a:r>
-              <a:rPr lang="en-US" altLang="ko-KR" b="1" dirty="0" smtClean="0"/>
+              <a:rPr lang="en-US" altLang="ko-KR" b="1" dirty="0"/>
               <a:t>References:  </a:t>
             </a:r>
           </a:p>
@@ -1454,7 +1418,7 @@
               <a:defRPr/>
             </a:pPr>
             <a:r>
-              <a:rPr lang="en-US" altLang="ko-KR" dirty="0" smtClean="0"/>
+              <a:rPr lang="en-US" altLang="ko-KR" dirty="0"/>
               <a:t>https://spark.apache.org/docs/latest/index.html</a:t>
             </a:r>
           </a:p>
@@ -1477,12 +1441,8 @@
               <a:defRPr/>
             </a:pPr>
             <a:r>
-              <a:rPr lang="en-US" altLang="ko-KR" dirty="0" smtClean="0"/>
-              <a:t>https</a:t>
-            </a:r>
-            <a:r>
               <a:rPr lang="en-US" altLang="ko-KR" dirty="0"/>
-              <a:t>://courses.edx.org/courses/BerkeleyX/CS190.1x</a:t>
+              <a:t>https://courses.edx.org/courses/BerkeleyX/CS190.1x</a:t>
             </a:r>
           </a:p>
           <a:p>
@@ -1525,7 +1485,7 @@
             <a:fld id="{01283FAC-A721-45A3-BBDE-EAF2B09B7CD9}" type="slidenum">
               <a:rPr lang="en-US" smtClean="0"/>
               <a:pPr/>
-              <a:t>14</a:t>
+              <a:t>13</a:t>
             </a:fld>
             <a:endParaRPr lang="en-US"/>
           </a:p>
@@ -1606,7 +1566,7 @@
               <a:defRPr/>
             </a:pPr>
             <a:r>
-              <a:rPr lang="en-US" altLang="ko-KR" b="1" dirty="0" smtClean="0"/>
+              <a:rPr lang="en-US" altLang="ko-KR" b="1" dirty="0"/>
               <a:t>Notes:</a:t>
             </a:r>
           </a:p>
@@ -1629,15 +1589,15 @@
               <a:defRPr/>
             </a:pPr>
             <a:r>
-              <a:rPr lang="en-US" altLang="ko-KR" b="1" dirty="0" smtClean="0"/>
+              <a:rPr lang="en-US" altLang="ko-KR" b="1" dirty="0"/>
               <a:t> </a:t>
             </a:r>
             <a:r>
-              <a:rPr lang="en-US" altLang="ko-KR" b="0" dirty="0" smtClean="0"/>
+              <a:rPr lang="en-US" altLang="ko-KR" b="0" dirty="0"/>
               <a:t>The</a:t>
             </a:r>
             <a:r>
-              <a:rPr lang="en-US" altLang="ko-KR" b="0" baseline="0" dirty="0" smtClean="0"/>
+              <a:rPr lang="en-US" altLang="ko-KR" b="0" baseline="0" dirty="0"/>
               <a:t> initial altering of the RDD is an iterative (lazy) process.</a:t>
             </a:r>
           </a:p>
@@ -1660,7 +1620,7 @@
               <a:defRPr/>
             </a:pPr>
             <a:r>
-              <a:rPr lang="en-US" altLang="ko-KR" b="0" baseline="0" dirty="0" smtClean="0"/>
+              <a:rPr lang="en-US" altLang="ko-KR" b="0" baseline="0" dirty="0"/>
               <a:t> The actual transformation occurs only after an action is called.</a:t>
             </a:r>
           </a:p>
@@ -1683,11 +1643,11 @@
               <a:defRPr/>
             </a:pPr>
             <a:r>
-              <a:rPr lang="en-US" b="0" baseline="0" dirty="0" smtClean="0"/>
+              <a:rPr lang="en-US" b="0" baseline="0" dirty="0"/>
               <a:t> </a:t>
             </a:r>
             <a:r>
-              <a:rPr lang="en-US" dirty="0" smtClean="0"/>
+              <a:rPr lang="en-US" dirty="0"/>
               <a:t>Spark actions trigger the actual computation and are a way for the user to get results out.</a:t>
             </a:r>
           </a:p>
@@ -1709,7 +1669,7 @@
               <a:tabLst/>
               <a:defRPr/>
             </a:pPr>
-            <a:endParaRPr lang="en-US" altLang="ko-KR" b="0" baseline="0" dirty="0" smtClean="0"/>
+            <a:endParaRPr lang="en-US" altLang="ko-KR" b="0" baseline="0" dirty="0"/>
           </a:p>
           <a:p>
             <a:pPr marL="0" marR="0" lvl="0" indent="0" algn="l" defTabSz="914400" rtl="0" eaLnBrk="1" fontAlgn="auto" latinLnBrk="0" hangingPunct="1">
@@ -1729,7 +1689,7 @@
               <a:tabLst/>
               <a:defRPr/>
             </a:pPr>
-            <a:endParaRPr lang="en-US" altLang="ko-KR" b="1" dirty="0" smtClean="0"/>
+            <a:endParaRPr lang="en-US" altLang="ko-KR" b="1" dirty="0"/>
           </a:p>
           <a:p>
             <a:pPr marL="0" marR="0" lvl="0" indent="0" algn="l" defTabSz="914400" rtl="0" eaLnBrk="1" fontAlgn="auto" latinLnBrk="0" hangingPunct="1">
@@ -1750,7 +1710,7 @@
               <a:defRPr/>
             </a:pPr>
             <a:r>
-              <a:rPr lang="en-US" altLang="ko-KR" b="1" dirty="0" smtClean="0"/>
+              <a:rPr lang="en-US" altLang="ko-KR" b="1" dirty="0"/>
               <a:t>References:  </a:t>
             </a:r>
           </a:p>
@@ -1773,7 +1733,7 @@
               <a:defRPr/>
             </a:pPr>
             <a:r>
-              <a:rPr lang="en-US" altLang="ko-KR" dirty="0" smtClean="0"/>
+              <a:rPr lang="en-US" altLang="ko-KR" dirty="0"/>
               <a:t>https://spark.apache.org/docs/latest/index.html</a:t>
             </a:r>
           </a:p>
@@ -1796,12 +1756,8 @@
               <a:defRPr/>
             </a:pPr>
             <a:r>
-              <a:rPr lang="en-US" altLang="ko-KR" dirty="0" smtClean="0"/>
-              <a:t>https</a:t>
-            </a:r>
-            <a:r>
               <a:rPr lang="en-US" altLang="ko-KR" dirty="0"/>
-              <a:t>://courses.edx.org/courses/BerkeleyX/CS190.1x</a:t>
+              <a:t>https://courses.edx.org/courses/BerkeleyX/CS190.1x</a:t>
             </a:r>
           </a:p>
           <a:p>
@@ -1844,7 +1800,7 @@
             <a:fld id="{01283FAC-A721-45A3-BBDE-EAF2B09B7CD9}" type="slidenum">
               <a:rPr lang="en-US" smtClean="0"/>
               <a:pPr/>
-              <a:t>15</a:t>
+              <a:t>14</a:t>
             </a:fld>
             <a:endParaRPr lang="en-US"/>
           </a:p>
@@ -1925,10 +1881,10 @@
               <a:defRPr/>
             </a:pPr>
             <a:r>
-              <a:rPr lang="en-US" altLang="ko-KR" b="1" dirty="0" smtClean="0"/>
+              <a:rPr lang="en-US" altLang="ko-KR" b="1" dirty="0"/>
               <a:t>Notes:</a:t>
             </a:r>
-            <a:endParaRPr lang="en-US" altLang="ko-KR" b="0" dirty="0" smtClean="0"/>
+            <a:endParaRPr lang="en-US" altLang="ko-KR" b="0" dirty="0"/>
           </a:p>
           <a:p>
             <a:pPr marL="0" marR="0" lvl="0" indent="0" algn="l" defTabSz="914400" rtl="0" eaLnBrk="1" fontAlgn="auto" latinLnBrk="0" hangingPunct="1">
@@ -1949,11 +1905,11 @@
               <a:defRPr/>
             </a:pPr>
             <a:r>
-              <a:rPr lang="en-US" altLang="ko-KR" b="0" dirty="0" smtClean="0"/>
+              <a:rPr lang="en-US" altLang="ko-KR" b="0" dirty="0"/>
               <a:t> Map(f(x)):</a:t>
             </a:r>
             <a:r>
-              <a:rPr lang="en-US" altLang="ko-KR" b="0" baseline="0" dirty="0" smtClean="0"/>
+              <a:rPr lang="en-US" altLang="ko-KR" b="0" baseline="0" dirty="0"/>
               <a:t> Returns a new RDD’ after applying r(x) to each element of RDD</a:t>
             </a:r>
           </a:p>
@@ -1976,7 +1932,7 @@
               <a:defRPr/>
             </a:pPr>
             <a:r>
-              <a:rPr lang="en-US" altLang="ko-KR" b="0" baseline="0" dirty="0" smtClean="0"/>
+              <a:rPr lang="en-US" altLang="ko-KR" b="0" baseline="0" dirty="0"/>
               <a:t> Filter(f(x) = true): Returns a new RDD’ after applying filter f(x) to each element</a:t>
             </a:r>
           </a:p>
@@ -1999,15 +1955,15 @@
               <a:defRPr/>
             </a:pPr>
             <a:r>
-              <a:rPr lang="en-US" altLang="ko-KR" b="0" baseline="0" dirty="0" smtClean="0"/>
+              <a:rPr lang="en-US" altLang="ko-KR" b="0" baseline="0" dirty="0"/>
               <a:t> </a:t>
             </a:r>
             <a:r>
-              <a:rPr lang="en-US" altLang="ko-KR" b="0" baseline="0" dirty="0" err="1" smtClean="0"/>
+              <a:rPr lang="en-US" altLang="ko-KR" b="0" baseline="0" dirty="0" err="1"/>
               <a:t>FlatMap</a:t>
             </a:r>
             <a:r>
-              <a:rPr lang="en-US" altLang="ko-KR" b="0" baseline="0" dirty="0" smtClean="0"/>
+              <a:rPr lang="en-US" altLang="ko-KR" b="0" baseline="0" dirty="0"/>
               <a:t>(f(x)): Similar to Map(f(x)), however, all hierarchical elements are flatted out as a sequence</a:t>
             </a:r>
           </a:p>
@@ -2030,10 +1986,10 @@
               <a:defRPr/>
             </a:pPr>
             <a:r>
-              <a:rPr lang="en-US" altLang="ko-KR" b="0" baseline="0" dirty="0" smtClean="0"/>
+              <a:rPr lang="en-US" altLang="ko-KR" b="0" baseline="0" dirty="0"/>
               <a:t> Distinct: Returns a new RDD’ containing distinct elements of RDD</a:t>
             </a:r>
-            <a:endParaRPr lang="en-US" altLang="ko-KR" b="1" dirty="0" smtClean="0"/>
+            <a:endParaRPr lang="en-US" altLang="ko-KR" b="1" dirty="0"/>
           </a:p>
           <a:p>
             <a:pPr marL="0" marR="0" lvl="0" indent="0" algn="l" defTabSz="914400" rtl="0" eaLnBrk="1" fontAlgn="auto" latinLnBrk="0" hangingPunct="1">
@@ -2053,7 +2009,7 @@
               <a:tabLst/>
               <a:defRPr/>
             </a:pPr>
-            <a:endParaRPr lang="en-US" altLang="ko-KR" b="1" dirty="0" smtClean="0"/>
+            <a:endParaRPr lang="en-US" altLang="ko-KR" b="1" dirty="0"/>
           </a:p>
           <a:p>
             <a:pPr marL="0" marR="0" lvl="0" indent="0" algn="l" defTabSz="914400" rtl="0" eaLnBrk="1" fontAlgn="auto" latinLnBrk="0" hangingPunct="1">
@@ -2074,7 +2030,7 @@
               <a:defRPr/>
             </a:pPr>
             <a:r>
-              <a:rPr lang="en-US" altLang="ko-KR" b="1" dirty="0" smtClean="0"/>
+              <a:rPr lang="en-US" altLang="ko-KR" b="1" dirty="0"/>
               <a:t>References:  </a:t>
             </a:r>
           </a:p>
@@ -2097,7 +2053,7 @@
               <a:defRPr/>
             </a:pPr>
             <a:r>
-              <a:rPr lang="en-US" altLang="ko-KR" dirty="0" smtClean="0"/>
+              <a:rPr lang="en-US" altLang="ko-KR" dirty="0"/>
               <a:t>https://spark.apache.org/docs/latest/index.html</a:t>
             </a:r>
           </a:p>
@@ -2120,12 +2076,8 @@
               <a:defRPr/>
             </a:pPr>
             <a:r>
-              <a:rPr lang="en-US" altLang="ko-KR" dirty="0" smtClean="0"/>
-              <a:t>https</a:t>
-            </a:r>
-            <a:r>
               <a:rPr lang="en-US" altLang="ko-KR" dirty="0"/>
-              <a:t>://courses.edx.org/courses/BerkeleyX/CS190.1x</a:t>
+              <a:t>https://courses.edx.org/courses/BerkeleyX/CS190.1x</a:t>
             </a:r>
           </a:p>
           <a:p>
@@ -2168,7 +2120,7 @@
             <a:fld id="{01283FAC-A721-45A3-BBDE-EAF2B09B7CD9}" type="slidenum">
               <a:rPr lang="en-US" smtClean="0"/>
               <a:pPr/>
-              <a:t>16</a:t>
+              <a:t>15</a:t>
             </a:fld>
             <a:endParaRPr lang="en-US"/>
           </a:p>
@@ -2249,10 +2201,10 @@
               <a:defRPr/>
             </a:pPr>
             <a:r>
-              <a:rPr lang="en-US" altLang="ko-KR" b="1" dirty="0" smtClean="0"/>
+              <a:rPr lang="en-US" altLang="ko-KR" b="1" dirty="0"/>
               <a:t>Notes:</a:t>
             </a:r>
-            <a:endParaRPr lang="en-US" altLang="ko-KR" b="0" dirty="0" smtClean="0"/>
+            <a:endParaRPr lang="en-US" altLang="ko-KR" b="0" dirty="0"/>
           </a:p>
           <a:p>
             <a:pPr marL="0" indent="0">
@@ -2260,23 +2212,23 @@
               <a:buChar char="•"/>
             </a:pPr>
             <a:r>
-              <a:rPr lang="en-US" dirty="0" smtClean="0"/>
+              <a:rPr lang="en-US" dirty="0"/>
               <a:t> Reduce(f(</a:t>
             </a:r>
             <a:r>
-              <a:rPr lang="en-US" dirty="0" err="1" smtClean="0"/>
+              <a:rPr lang="en-US" dirty="0" err="1"/>
               <a:t>x,y</a:t>
             </a:r>
             <a:r>
-              <a:rPr lang="en-US" dirty="0" smtClean="0"/>
+              <a:rPr lang="en-US" dirty="0"/>
               <a:t>)) : Aggregates RDD using f(</a:t>
             </a:r>
             <a:r>
-              <a:rPr lang="en-US" dirty="0" err="1" smtClean="0"/>
+              <a:rPr lang="en-US" dirty="0" err="1"/>
               <a:t>x,y</a:t>
             </a:r>
             <a:r>
-              <a:rPr lang="en-US" dirty="0" smtClean="0"/>
+              <a:rPr lang="en-US" dirty="0"/>
               <a:t>)</a:t>
             </a:r>
           </a:p>
@@ -2286,7 +2238,7 @@
               <a:buChar char="•"/>
             </a:pPr>
             <a:r>
-              <a:rPr lang="en-US" dirty="0" smtClean="0"/>
+              <a:rPr lang="en-US" dirty="0"/>
               <a:t> Take(n): Returns an array with the first n elements</a:t>
             </a:r>
           </a:p>
@@ -2296,7 +2248,7 @@
               <a:buChar char="•"/>
             </a:pPr>
             <a:r>
-              <a:rPr lang="en-US" dirty="0" smtClean="0"/>
+              <a:rPr lang="en-US" dirty="0"/>
               <a:t> Collect(): Returns all the elements as an array</a:t>
             </a:r>
           </a:p>
@@ -2306,23 +2258,23 @@
               <a:buChar char="•"/>
             </a:pPr>
             <a:r>
-              <a:rPr lang="en-US" dirty="0" smtClean="0"/>
+              <a:rPr lang="en-US" dirty="0"/>
               <a:t> </a:t>
             </a:r>
             <a:r>
-              <a:rPr lang="en-US" dirty="0" err="1" smtClean="0"/>
+              <a:rPr lang="en-US" dirty="0" err="1"/>
               <a:t>TakeOrdered</a:t>
             </a:r>
             <a:r>
-              <a:rPr lang="en-US" dirty="0" smtClean="0"/>
+              <a:rPr lang="en-US" dirty="0"/>
               <a:t>(n, key=</a:t>
             </a:r>
             <a:r>
-              <a:rPr lang="en-US" dirty="0" err="1" smtClean="0"/>
+              <a:rPr lang="en-US" dirty="0" err="1"/>
               <a:t>func</a:t>
             </a:r>
             <a:r>
-              <a:rPr lang="en-US" dirty="0" smtClean="0"/>
+              <a:rPr lang="en-US" dirty="0"/>
               <a:t>): Returns n elements ordered in ascending by default or by applying the specified key function</a:t>
             </a:r>
           </a:p>
@@ -2344,7 +2296,7 @@
               <a:tabLst/>
               <a:defRPr/>
             </a:pPr>
-            <a:endParaRPr lang="en-US" altLang="ko-KR" dirty="0" smtClean="0"/>
+            <a:endParaRPr lang="en-US" altLang="ko-KR" dirty="0"/>
           </a:p>
           <a:p>
             <a:pPr marL="0" marR="0" lvl="0" indent="0" algn="l" defTabSz="914400" rtl="0" eaLnBrk="1" fontAlgn="auto" latinLnBrk="0" hangingPunct="1">
@@ -2365,12 +2317,12 @@
               <a:defRPr/>
             </a:pPr>
             <a:r>
-              <a:rPr lang="en-US" altLang="ko-KR" b="1" dirty="0" smtClean="0"/>
+              <a:rPr lang="en-US" altLang="ko-KR" b="1" dirty="0"/>
               <a:t>References:  </a:t>
             </a:r>
           </a:p>
           <a:p>
-            <a:pPr marL="0" marR="0" lvl="0" indent="0" algn="l" defTabSz="914400" rtl="0" eaLnBrk="1" fontAlgn="auto" latinLnBrk="0" hangingPunct="1">
+            <a:pPr marL="171450" marR="0" lvl="0" indent="-171450" algn="l" defTabSz="914400" rtl="0" eaLnBrk="1" fontAlgn="auto" latinLnBrk="0" hangingPunct="1">
               <a:lnSpc>
                 <a:spcPct val="100000"/>
               </a:lnSpc>
@@ -2382,18 +2334,18 @@
               </a:spcAft>
               <a:buClrTx/>
               <a:buSzTx/>
-              <a:buFontTx/>
-              <a:buNone/>
+              <a:buFont typeface="Arial"/>
+              <a:buChar char="•"/>
               <a:tabLst/>
               <a:defRPr/>
             </a:pPr>
             <a:r>
-              <a:rPr lang="en-US" altLang="ko-KR" dirty="0" smtClean="0"/>
+              <a:rPr lang="en-US" altLang="ko-KR" dirty="0"/>
               <a:t>https://spark.apache.org/docs/latest/index.html</a:t>
             </a:r>
           </a:p>
           <a:p>
-            <a:pPr marL="0" marR="0" lvl="0" indent="0" algn="l" defTabSz="914400" rtl="0" eaLnBrk="1" fontAlgn="auto" latinLnBrk="0" hangingPunct="1">
+            <a:pPr marL="171450" marR="0" lvl="0" indent="-171450" algn="l" defTabSz="914400" rtl="0" eaLnBrk="1" fontAlgn="auto" latinLnBrk="0" hangingPunct="1">
               <a:lnSpc>
                 <a:spcPct val="100000"/>
               </a:lnSpc>
@@ -2405,18 +2357,14 @@
               </a:spcAft>
               <a:buClrTx/>
               <a:buSzTx/>
-              <a:buFontTx/>
-              <a:buNone/>
+              <a:buFont typeface="Arial"/>
+              <a:buChar char="•"/>
               <a:tabLst/>
               <a:defRPr/>
             </a:pPr>
             <a:r>
-              <a:rPr lang="en-US" altLang="ko-KR" dirty="0" smtClean="0"/>
-              <a:t>https</a:t>
-            </a:r>
-            <a:r>
               <a:rPr lang="en-US" altLang="ko-KR" dirty="0"/>
-              <a:t>://courses.edx.org/courses/BerkeleyX/CS190.1x</a:t>
+              <a:t>https://courses.edx.org/courses/BerkeleyX/CS190.1x</a:t>
             </a:r>
           </a:p>
           <a:p>
@@ -2459,7 +2407,7 @@
             <a:fld id="{01283FAC-A721-45A3-BBDE-EAF2B09B7CD9}" type="slidenum">
               <a:rPr lang="en-US" smtClean="0"/>
               <a:pPr/>
-              <a:t>17</a:t>
+              <a:t>16</a:t>
             </a:fld>
             <a:endParaRPr lang="en-US"/>
           </a:p>
@@ -2540,10 +2488,10 @@
               <a:defRPr/>
             </a:pPr>
             <a:r>
-              <a:rPr lang="en-US" altLang="ko-KR" b="1" dirty="0" smtClean="0"/>
+              <a:rPr lang="en-US" altLang="ko-KR" b="1" dirty="0"/>
               <a:t>Notes:</a:t>
             </a:r>
-            <a:endParaRPr lang="en-US" altLang="ko-KR" b="0" dirty="0" smtClean="0"/>
+            <a:endParaRPr lang="en-US" altLang="ko-KR" b="0" dirty="0"/>
           </a:p>
           <a:p>
             <a:pPr marL="0" marR="0" lvl="0" indent="0" algn="l" defTabSz="914400" rtl="0" eaLnBrk="1" fontAlgn="auto" latinLnBrk="0" hangingPunct="1">
@@ -2564,10 +2512,10 @@
               <a:defRPr/>
             </a:pPr>
             <a:r>
-              <a:rPr lang="en-US" dirty="0" smtClean="0"/>
+              <a:rPr lang="en-US" dirty="0"/>
               <a:t> Example syntax would declare a function that inverts the sign of the element.</a:t>
             </a:r>
-            <a:endParaRPr lang="en-US" altLang="ko-KR" b="1" dirty="0" smtClean="0"/>
+            <a:endParaRPr lang="en-US" altLang="ko-KR" b="1" dirty="0"/>
           </a:p>
           <a:p>
             <a:pPr marL="0" marR="0" lvl="0" indent="0" algn="l" defTabSz="914400" rtl="0" eaLnBrk="1" fontAlgn="auto" latinLnBrk="0" hangingPunct="1">
@@ -2587,7 +2535,7 @@
               <a:tabLst/>
               <a:defRPr/>
             </a:pPr>
-            <a:endParaRPr lang="en-US" altLang="ko-KR" dirty="0" smtClean="0"/>
+            <a:endParaRPr lang="en-US" altLang="ko-KR" dirty="0"/>
           </a:p>
           <a:p>
             <a:pPr marL="0" marR="0" lvl="0" indent="0" algn="l" defTabSz="914400" rtl="0" eaLnBrk="1" fontAlgn="auto" latinLnBrk="0" hangingPunct="1">
@@ -2608,12 +2556,12 @@
               <a:defRPr/>
             </a:pPr>
             <a:r>
-              <a:rPr lang="en-US" altLang="ko-KR" b="1" dirty="0" smtClean="0"/>
+              <a:rPr lang="en-US" altLang="ko-KR" b="1" dirty="0"/>
               <a:t>References:  </a:t>
             </a:r>
           </a:p>
           <a:p>
-            <a:pPr marL="0" marR="0" lvl="0" indent="0" algn="l" defTabSz="914400" rtl="0" eaLnBrk="1" fontAlgn="auto" latinLnBrk="0" hangingPunct="1">
+            <a:pPr marL="171450" marR="0" lvl="0" indent="-171450" algn="l" defTabSz="914400" rtl="0" eaLnBrk="1" fontAlgn="auto" latinLnBrk="0" hangingPunct="1">
               <a:lnSpc>
                 <a:spcPct val="100000"/>
               </a:lnSpc>
@@ -2625,18 +2573,18 @@
               </a:spcAft>
               <a:buClrTx/>
               <a:buSzTx/>
-              <a:buFontTx/>
-              <a:buNone/>
+              <a:buFont typeface="Arial"/>
+              <a:buChar char="•"/>
               <a:tabLst/>
               <a:defRPr/>
             </a:pPr>
             <a:r>
-              <a:rPr lang="en-US" altLang="ko-KR" dirty="0" smtClean="0"/>
+              <a:rPr lang="en-US" altLang="ko-KR" dirty="0"/>
               <a:t>https://spark.apache.org/docs/latest/index.html</a:t>
             </a:r>
           </a:p>
           <a:p>
-            <a:pPr marL="0" marR="0" lvl="0" indent="0" algn="l" defTabSz="914400" rtl="0" eaLnBrk="1" fontAlgn="auto" latinLnBrk="0" hangingPunct="1">
+            <a:pPr marL="171450" marR="0" lvl="0" indent="-171450" algn="l" defTabSz="914400" rtl="0" eaLnBrk="1" fontAlgn="auto" latinLnBrk="0" hangingPunct="1">
               <a:lnSpc>
                 <a:spcPct val="100000"/>
               </a:lnSpc>
@@ -2648,18 +2596,14 @@
               </a:spcAft>
               <a:buClrTx/>
               <a:buSzTx/>
-              <a:buFontTx/>
-              <a:buNone/>
+              <a:buFont typeface="Arial"/>
+              <a:buChar char="•"/>
               <a:tabLst/>
               <a:defRPr/>
             </a:pPr>
             <a:r>
-              <a:rPr lang="en-US" altLang="ko-KR" dirty="0" smtClean="0"/>
-              <a:t>https</a:t>
-            </a:r>
-            <a:r>
               <a:rPr lang="en-US" altLang="ko-KR" dirty="0"/>
-              <a:t>://courses.edx.org/courses/BerkeleyX/CS190.1x</a:t>
+              <a:t>https://courses.edx.org/courses/BerkeleyX/CS190.1x</a:t>
             </a:r>
           </a:p>
           <a:p>
@@ -2702,7 +2646,7 @@
             <a:fld id="{01283FAC-A721-45A3-BBDE-EAF2B09B7CD9}" type="slidenum">
               <a:rPr lang="en-US" smtClean="0"/>
               <a:pPr/>
-              <a:t>18</a:t>
+              <a:t>17</a:t>
             </a:fld>
             <a:endParaRPr lang="en-US"/>
           </a:p>
@@ -2768,14 +2712,18 @@
           <a:lstStyle/>
           <a:p>
             <a:r>
-              <a:rPr lang="en-US" b="1" dirty="0" smtClean="0"/>
+              <a:rPr lang="en-US" b="1" dirty="0"/>
               <a:t>Notes:</a:t>
             </a:r>
-            <a:endParaRPr lang="en-US" b="0" dirty="0" smtClean="0"/>
-          </a:p>
-          <a:p>
-            <a:r>
-              <a:rPr lang="en-US" dirty="0" smtClean="0"/>
+            <a:endParaRPr lang="en-US" b="0" dirty="0"/>
+          </a:p>
+          <a:p>
+            <a:pPr marL="171450" indent="-171450">
+              <a:buFont typeface="Arial"/>
+              <a:buChar char="•"/>
+            </a:pPr>
+            <a:r>
+              <a:rPr lang="en-US" dirty="0"/>
               <a:t>Spark simply creates a recipe to perform the transformation and passes any closures, such as lambda functions, to the workers.</a:t>
             </a:r>
             <a:endParaRPr lang="en-US" b="1" dirty="0"/>
@@ -2800,7 +2748,7 @@
             <a:fld id="{01283FAC-A721-45A3-BBDE-EAF2B09B7CD9}" type="slidenum">
               <a:rPr lang="en-US" smtClean="0"/>
               <a:pPr/>
-              <a:t>19</a:t>
+              <a:t>18</a:t>
             </a:fld>
             <a:endParaRPr lang="en-US"/>
           </a:p>
@@ -2876,10 +2824,10 @@
               <a:defRPr/>
             </a:pPr>
             <a:r>
-              <a:rPr lang="en-US" altLang="ko-KR" b="1" dirty="0" smtClean="0"/>
+              <a:rPr lang="en-US" altLang="ko-KR" b="1" dirty="0"/>
               <a:t>Notes:</a:t>
             </a:r>
-            <a:endParaRPr lang="en-US" altLang="ko-KR" b="0" dirty="0" smtClean="0"/>
+            <a:endParaRPr lang="en-US" altLang="ko-KR" b="0" dirty="0"/>
           </a:p>
           <a:p>
             <a:pPr marL="0" marR="0" lvl="0" indent="0" algn="l" defTabSz="914400" rtl="0" eaLnBrk="1" fontAlgn="auto" latinLnBrk="0" hangingPunct="1">
@@ -2900,7 +2848,7 @@
               <a:defRPr/>
             </a:pPr>
             <a:r>
-              <a:rPr lang="en-US" sz="1200" dirty="0" smtClean="0">
+              <a:rPr lang="en-US" sz="1200" dirty="0">
                 <a:solidFill>
                   <a:srgbClr val="000000"/>
                 </a:solidFill>
@@ -2908,7 +2856,7 @@
               <a:t> Algorithms</a:t>
             </a:r>
             <a:r>
-              <a:rPr lang="en-US" sz="1200" baseline="0" dirty="0" smtClean="0">
+              <a:rPr lang="en-US" sz="1200" baseline="0" dirty="0">
                 <a:solidFill>
                   <a:srgbClr val="000000"/>
                 </a:solidFill>
@@ -2935,7 +2883,7 @@
               <a:defRPr/>
             </a:pPr>
             <a:r>
-              <a:rPr lang="en-US" sz="1200" dirty="0" smtClean="0">
+              <a:rPr lang="en-US" sz="1200" dirty="0">
                 <a:solidFill>
                   <a:srgbClr val="000000"/>
                 </a:solidFill>
@@ -2962,7 +2910,7 @@
               <a:defRPr/>
             </a:pPr>
             <a:r>
-              <a:rPr lang="en-US" sz="1200" dirty="0" smtClean="0">
+              <a:rPr lang="en-US" sz="1200" dirty="0">
                 <a:solidFill>
                   <a:srgbClr val="000000"/>
                 </a:solidFill>
@@ -2989,7 +2937,7 @@
               <a:defRPr/>
             </a:pPr>
             <a:r>
-              <a:rPr lang="en-US" sz="2800" baseline="0" dirty="0" smtClean="0">
+              <a:rPr lang="en-US" sz="2800" baseline="0" dirty="0">
                 <a:solidFill>
                   <a:srgbClr val="000000"/>
                 </a:solidFill>
@@ -2997,11 +2945,11 @@
               <a:t> </a:t>
             </a:r>
             <a:r>
-              <a:rPr lang="en-US" sz="2800" dirty="0" err="1" smtClean="0"/>
+              <a:rPr lang="en-US" sz="2800" dirty="0" err="1"/>
               <a:t>Spark.mllib</a:t>
             </a:r>
             <a:r>
-              <a:rPr lang="en-US" sz="2800" dirty="0" smtClean="0"/>
+              <a:rPr lang="en-US" sz="2800" dirty="0"/>
               <a:t> – contains the original API built on top of RDDs</a:t>
             </a:r>
           </a:p>
@@ -3024,15 +2972,15 @@
               <a:defRPr/>
             </a:pPr>
             <a:r>
-              <a:rPr lang="en-US" sz="2800" dirty="0" smtClean="0"/>
+              <a:rPr lang="en-US" sz="2800" dirty="0"/>
               <a:t> Spark.ml – provides higher-level API built on top of </a:t>
             </a:r>
             <a:r>
-              <a:rPr lang="en-US" sz="2800" dirty="0" err="1" smtClean="0"/>
+              <a:rPr lang="en-US" sz="2800" dirty="0" err="1"/>
               <a:t>DataFrames</a:t>
             </a:r>
             <a:r>
-              <a:rPr lang="en-US" sz="2800" dirty="0" smtClean="0"/>
+              <a:rPr lang="en-US" sz="2800" dirty="0"/>
               <a:t> for ML pipelines</a:t>
             </a:r>
           </a:p>
@@ -3054,7 +3002,7 @@
               <a:tabLst/>
               <a:defRPr/>
             </a:pPr>
-            <a:endParaRPr lang="en-US" sz="1200" dirty="0" smtClean="0">
+            <a:endParaRPr lang="en-US" sz="1200" dirty="0">
               <a:solidFill>
                 <a:srgbClr val="000000"/>
               </a:solidFill>
@@ -3078,7 +3026,7 @@
               <a:tabLst/>
               <a:defRPr/>
             </a:pPr>
-            <a:endParaRPr lang="en-US" altLang="ko-KR" b="1" dirty="0" smtClean="0"/>
+            <a:endParaRPr lang="en-US" altLang="ko-KR" b="1" dirty="0"/>
           </a:p>
           <a:p>
             <a:pPr marL="0" marR="0" lvl="0" indent="0" algn="l" defTabSz="914400" rtl="0" eaLnBrk="1" fontAlgn="auto" latinLnBrk="0" hangingPunct="1">
@@ -3098,7 +3046,7 @@
               <a:tabLst/>
               <a:defRPr/>
             </a:pPr>
-            <a:endParaRPr lang="en-US" altLang="ko-KR" b="1" dirty="0" smtClean="0"/>
+            <a:endParaRPr lang="en-US" altLang="ko-KR" b="1" dirty="0"/>
           </a:p>
           <a:p>
             <a:pPr marL="0" marR="0" lvl="0" indent="0" algn="l" defTabSz="914400" rtl="0" eaLnBrk="1" fontAlgn="auto" latinLnBrk="0" hangingPunct="1">
@@ -3119,7 +3067,7 @@
               <a:defRPr/>
             </a:pPr>
             <a:r>
-              <a:rPr lang="en-US" altLang="ko-KR" b="1" dirty="0" smtClean="0"/>
+              <a:rPr lang="en-US" altLang="ko-KR" b="1" dirty="0"/>
               <a:t>References:</a:t>
             </a:r>
           </a:p>
@@ -3142,20 +3090,12 @@
               <a:defRPr/>
             </a:pPr>
             <a:r>
-              <a:rPr lang="en-US" altLang="ko-KR" dirty="0" smtClean="0"/>
-              <a:t>https</a:t>
-            </a:r>
-            <a:r>
               <a:rPr lang="en-US" altLang="ko-KR" dirty="0"/>
-              <a:t>://spark.apache.org/docs/latest/</a:t>
+              <a:t>https://spark.apache.org/docs/latest/</a:t>
             </a:r>
             <a:r>
               <a:rPr lang="en-US" altLang="ko-KR" dirty="0" err="1"/>
-              <a:t>mllib-</a:t>
-            </a:r>
-            <a:r>
-              <a:rPr lang="en-US" altLang="ko-KR" dirty="0" err="1" smtClean="0"/>
-              <a:t>guide.html</a:t>
+              <a:t>mllib-guide.html</a:t>
             </a:r>
             <a:endParaRPr lang="en-US" altLang="ko-KR" dirty="0"/>
           </a:p>
@@ -3179,7 +3119,7 @@
             <a:fld id="{01283FAC-A721-45A3-BBDE-EAF2B09B7CD9}" type="slidenum">
               <a:rPr lang="en-US" smtClean="0"/>
               <a:pPr/>
-              <a:t>22</a:t>
+              <a:t>20</a:t>
             </a:fld>
             <a:endParaRPr lang="en-US"/>
           </a:p>
@@ -3345,7 +3285,7 @@
               <a:defRPr/>
             </a:pPr>
             <a:r>
-              <a:rPr lang="en-US" altLang="ko-KR" b="1" dirty="0" smtClean="0"/>
+              <a:rPr lang="en-US" altLang="ko-KR" b="1" dirty="0"/>
               <a:t>Notes:</a:t>
             </a:r>
           </a:p>
@@ -3368,15 +3308,15 @@
               <a:defRPr/>
             </a:pPr>
             <a:r>
-              <a:rPr lang="en-US" altLang="ko-KR" b="0" baseline="0" dirty="0" smtClean="0"/>
+              <a:rPr lang="en-US" altLang="ko-KR" b="0" baseline="0" dirty="0"/>
               <a:t> Sources for </a:t>
             </a:r>
             <a:r>
-              <a:rPr lang="en-US" altLang="ko-KR" b="0" baseline="0" dirty="0" err="1" smtClean="0"/>
+              <a:rPr lang="en-US" altLang="ko-KR" b="0" baseline="0" dirty="0" err="1"/>
               <a:t>DataFrames</a:t>
             </a:r>
             <a:r>
-              <a:rPr lang="en-US" altLang="ko-KR" b="0" baseline="0" dirty="0" smtClean="0"/>
+              <a:rPr lang="en-US" altLang="ko-KR" b="0" baseline="0" dirty="0"/>
               <a:t> include:</a:t>
             </a:r>
           </a:p>
@@ -3386,7 +3326,7 @@
               <a:buChar char="§"/>
             </a:pPr>
             <a:r>
-              <a:rPr lang="en-US" sz="2800" dirty="0" smtClean="0"/>
+              <a:rPr lang="en-US" sz="2800" dirty="0"/>
               <a:t>Structured data files</a:t>
             </a:r>
           </a:p>
@@ -3396,7 +3336,7 @@
               <a:buChar char="§"/>
             </a:pPr>
             <a:r>
-              <a:rPr lang="en-US" sz="2800" dirty="0" smtClean="0"/>
+              <a:rPr lang="en-US" sz="2800" dirty="0"/>
               <a:t>Tables in Hive</a:t>
             </a:r>
           </a:p>
@@ -3406,7 +3346,7 @@
               <a:buChar char="§"/>
             </a:pPr>
             <a:r>
-              <a:rPr lang="en-US" sz="2800" dirty="0" smtClean="0"/>
+              <a:rPr lang="en-US" sz="2800" dirty="0"/>
               <a:t>External databases</a:t>
             </a:r>
           </a:p>
@@ -3416,10 +3356,10 @@
               <a:buChar char="§"/>
             </a:pPr>
             <a:r>
-              <a:rPr lang="en-US" sz="2800" dirty="0" smtClean="0"/>
+              <a:rPr lang="en-US" sz="2800" dirty="0"/>
               <a:t>Existing RDDs</a:t>
             </a:r>
-            <a:endParaRPr lang="en-US" dirty="0" smtClean="0"/>
+            <a:endParaRPr lang="en-US" dirty="0"/>
           </a:p>
           <a:p>
             <a:pPr marL="0" marR="0" lvl="0" indent="0" algn="l" defTabSz="914400" rtl="0" eaLnBrk="1" fontAlgn="auto" latinLnBrk="0" hangingPunct="1">
@@ -3439,7 +3379,7 @@
               <a:tabLst/>
               <a:defRPr/>
             </a:pPr>
-            <a:endParaRPr lang="en-US" altLang="ko-KR" b="0" dirty="0" smtClean="0"/>
+            <a:endParaRPr lang="en-US" altLang="ko-KR" b="0" dirty="0"/>
           </a:p>
           <a:p>
             <a:pPr marL="0" marR="0" lvl="0" indent="0" algn="l" defTabSz="914400" rtl="0" eaLnBrk="1" fontAlgn="auto" latinLnBrk="0" hangingPunct="1">
@@ -3460,11 +3400,11 @@
               <a:defRPr/>
             </a:pPr>
             <a:r>
-              <a:rPr lang="en-US" altLang="ko-KR" b="1" dirty="0" smtClean="0"/>
+              <a:rPr lang="en-US" altLang="ko-KR" b="1" dirty="0"/>
               <a:t>References</a:t>
             </a:r>
             <a:r>
-              <a:rPr lang="en-US" altLang="ko-KR" dirty="0" smtClean="0"/>
+              <a:rPr lang="en-US" altLang="ko-KR" dirty="0"/>
               <a:t>: </a:t>
             </a:r>
           </a:p>
@@ -3487,12 +3427,8 @@
               <a:defRPr/>
             </a:pPr>
             <a:r>
-              <a:rPr lang="en-US" altLang="ko-KR" dirty="0" smtClean="0"/>
-              <a:t>https</a:t>
-            </a:r>
-            <a:r>
               <a:rPr lang="en-US" altLang="ko-KR" dirty="0"/>
-              <a:t>://spark.apache.org/docs/latest/sql-programming-guide.html#overview</a:t>
+              <a:t>https://spark.apache.org/docs/latest/sql-programming-guide.html#overview</a:t>
             </a:r>
           </a:p>
           <a:p>
@@ -3538,7 +3474,7 @@
             <a:fld id="{01283FAC-A721-45A3-BBDE-EAF2B09B7CD9}" type="slidenum">
               <a:rPr lang="en-US" smtClean="0"/>
               <a:pPr/>
-              <a:t>23</a:t>
+              <a:t>21</a:t>
             </a:fld>
             <a:endParaRPr lang="en-US"/>
           </a:p>
@@ -3619,11 +3555,11 @@
               <a:defRPr/>
             </a:pPr>
             <a:r>
-              <a:rPr lang="en-US" altLang="ko-KR" b="1" dirty="0" smtClean="0"/>
+              <a:rPr lang="en-US" altLang="ko-KR" b="1" dirty="0"/>
               <a:t>References</a:t>
             </a:r>
             <a:r>
-              <a:rPr lang="en-US" altLang="ko-KR" dirty="0" smtClean="0"/>
+              <a:rPr lang="en-US" altLang="ko-KR" dirty="0"/>
               <a:t>: </a:t>
             </a:r>
           </a:p>
@@ -3646,12 +3582,8 @@
               <a:defRPr/>
             </a:pPr>
             <a:r>
-              <a:rPr lang="en-US" altLang="ko-KR" dirty="0" smtClean="0"/>
-              <a:t>https</a:t>
-            </a:r>
-            <a:r>
               <a:rPr lang="en-US" altLang="ko-KR" dirty="0"/>
-              <a:t>://spark.apache.org/docs/latest/sql-programming-guide.html#overview</a:t>
+              <a:t>https://spark.apache.org/docs/latest/sql-programming-guide.html#overview</a:t>
             </a:r>
           </a:p>
           <a:p>
@@ -3697,7 +3629,7 @@
             <a:fld id="{01283FAC-A721-45A3-BBDE-EAF2B09B7CD9}" type="slidenum">
               <a:rPr lang="en-US" smtClean="0"/>
               <a:pPr/>
-              <a:t>24</a:t>
+              <a:t>22</a:t>
             </a:fld>
             <a:endParaRPr lang="en-US"/>
           </a:p>
@@ -3778,10 +3710,10 @@
               <a:defRPr/>
             </a:pPr>
             <a:r>
-              <a:rPr lang="en-US" altLang="ko-KR" b="1" dirty="0" smtClean="0"/>
+              <a:rPr lang="en-US" altLang="ko-KR" b="1" dirty="0"/>
               <a:t>Notes:</a:t>
             </a:r>
-            <a:endParaRPr lang="en-US" altLang="ko-KR" b="0" dirty="0" smtClean="0"/>
+            <a:endParaRPr lang="en-US" altLang="ko-KR" b="0" dirty="0"/>
           </a:p>
           <a:p>
             <a:pPr marL="0" marR="0" lvl="0" indent="0" algn="l" defTabSz="914400" rtl="0" eaLnBrk="1" fontAlgn="auto" latinLnBrk="0" hangingPunct="1">
@@ -3802,11 +3734,11 @@
               <a:defRPr/>
             </a:pPr>
             <a:r>
-              <a:rPr lang="en-US" altLang="ko-KR" b="0" dirty="0" smtClean="0"/>
+              <a:rPr lang="en-US" altLang="ko-KR" b="0" dirty="0"/>
               <a:t> Dense</a:t>
             </a:r>
             <a:r>
-              <a:rPr lang="en-US" altLang="ko-KR" b="0" baseline="0" dirty="0" smtClean="0"/>
+              <a:rPr lang="en-US" altLang="ko-KR" b="0" baseline="0" dirty="0"/>
               <a:t> vectors are made up of an array of double-typed values.</a:t>
             </a:r>
           </a:p>
@@ -3829,7 +3761,7 @@
               <a:defRPr/>
             </a:pPr>
             <a:r>
-              <a:rPr lang="en-US" altLang="ko-KR" b="0" baseline="0" dirty="0" smtClean="0"/>
+              <a:rPr lang="en-US" altLang="ko-KR" b="0" baseline="0" dirty="0"/>
               <a:t> Sparse vectors have two parallel arrays, one for indices and one for values.</a:t>
             </a:r>
           </a:p>
@@ -3851,7 +3783,7 @@
               <a:tabLst/>
               <a:defRPr/>
             </a:pPr>
-            <a:endParaRPr lang="en-US" altLang="ko-KR" b="1" dirty="0" smtClean="0"/>
+            <a:endParaRPr lang="en-US" altLang="ko-KR" b="1" dirty="0"/>
           </a:p>
           <a:p>
             <a:pPr marL="0" marR="0" lvl="0" indent="0" algn="l" defTabSz="914400" rtl="0" eaLnBrk="1" fontAlgn="auto" latinLnBrk="0" hangingPunct="1">
@@ -3872,18 +3804,13 @@
               <a:defRPr/>
             </a:pPr>
             <a:r>
-              <a:rPr lang="en-US" altLang="ko-KR" b="1" dirty="0" smtClean="0"/>
+              <a:rPr lang="en-US" altLang="ko-KR" b="1" dirty="0"/>
               <a:t>References</a:t>
             </a:r>
             <a:r>
-              <a:rPr lang="en-US" altLang="ko-KR" dirty="0" smtClean="0"/>
-              <a:t>: </a:t>
-            </a:r>
-            <a:r>
               <a:rPr lang="en-US" altLang="ko-KR" dirty="0"/>
-              <a:t>	</a:t>
-            </a:r>
-            <a:endParaRPr lang="en-US" altLang="ko-KR" dirty="0" smtClean="0"/>
+              <a:t>: 	</a:t>
+            </a:r>
           </a:p>
           <a:p>
             <a:pPr marL="171450" marR="0" lvl="0" indent="-171450" algn="l" defTabSz="914400" rtl="0" eaLnBrk="1" fontAlgn="auto" latinLnBrk="0" hangingPunct="1">
@@ -3904,12 +3831,8 @@
               <a:defRPr/>
             </a:pPr>
             <a:r>
-              <a:rPr lang="en-US" altLang="ko-KR" dirty="0" smtClean="0"/>
-              <a:t>https</a:t>
-            </a:r>
-            <a:r>
               <a:rPr lang="en-US" altLang="ko-KR" dirty="0"/>
-              <a:t>://spark.apache.org/docs/latest/sql-programming-guide.html#overview</a:t>
+              <a:t>https://spark.apache.org/docs/latest/sql-programming-guide.html#overview</a:t>
             </a:r>
           </a:p>
           <a:p>
@@ -3955,7 +3878,7 @@
             <a:fld id="{01283FAC-A721-45A3-BBDE-EAF2B09B7CD9}" type="slidenum">
               <a:rPr lang="en-US" smtClean="0"/>
               <a:pPr/>
-              <a:t>25</a:t>
+              <a:t>23</a:t>
             </a:fld>
             <a:endParaRPr lang="en-US"/>
           </a:p>
@@ -4036,10 +3959,9 @@
               <a:defRPr/>
             </a:pPr>
             <a:r>
-              <a:rPr lang="en-US" altLang="ko-KR" b="1" dirty="0" smtClean="0"/>
+              <a:rPr lang="en-US" altLang="ko-KR" b="1" dirty="0"/>
               <a:t>Notes:</a:t>
             </a:r>
-            <a:endParaRPr lang="en-US" altLang="ko-KR" b="0" dirty="0" smtClean="0"/>
           </a:p>
           <a:p>
             <a:pPr marL="0" marR="0" lvl="0" indent="0" algn="l" defTabSz="914400" rtl="0" eaLnBrk="1" fontAlgn="auto" latinLnBrk="0" hangingPunct="1">
@@ -4060,12 +3982,8 @@
               <a:defRPr/>
             </a:pPr>
             <a:r>
-              <a:rPr lang="en-US" altLang="ko-KR" b="0" dirty="0" smtClean="0"/>
-              <a:t> Dense matrices</a:t>
-            </a:r>
-            <a:r>
-              <a:rPr lang="en-US" altLang="ko-KR" b="0" baseline="0" dirty="0" smtClean="0"/>
-              <a:t> have values stored in a single double array in column-major order</a:t>
+              <a:rPr lang="en-US" altLang="ko-KR" b="0" baseline="0" dirty="0"/>
+              <a:t> A label and response is used in supervised learning (i.e. regression and classification)</a:t>
             </a:r>
           </a:p>
           <a:p>
@@ -4087,10 +4005,99 @@
               <a:defRPr/>
             </a:pPr>
             <a:r>
-              <a:rPr lang="en-US" altLang="ko-KR" b="0" baseline="0" dirty="0" smtClean="0"/>
-              <a:t> Sparse matrices have non-zero entry values stored in the Compressed Sparse Column (CSC) format in column-major order.</a:t>
-            </a:r>
-            <a:endParaRPr lang="en-US" altLang="ko-KR" b="1" dirty="0" smtClean="0"/>
+              <a:rPr lang="en-US" b="0" baseline="0" dirty="0"/>
+              <a:t> This subject will be covered in later lessons.</a:t>
+            </a:r>
+          </a:p>
+          <a:p>
+            <a:pPr marL="0" marR="0" lvl="0" indent="0" algn="l" defTabSz="914400" rtl="0" eaLnBrk="1" fontAlgn="auto" latinLnBrk="0" hangingPunct="1">
+              <a:lnSpc>
+                <a:spcPct val="100000"/>
+              </a:lnSpc>
+              <a:spcBef>
+                <a:spcPts val="0"/>
+              </a:spcBef>
+              <a:spcAft>
+                <a:spcPts val="0"/>
+              </a:spcAft>
+              <a:buClrTx/>
+              <a:buSzTx/>
+              <a:buFont typeface="Arial" pitchFamily="34" charset="0"/>
+              <a:buChar char="•"/>
+              <a:tabLst/>
+              <a:defRPr/>
+            </a:pPr>
+            <a:r>
+              <a:rPr lang="en-US" b="0" baseline="0" dirty="0"/>
+              <a:t> For now think of them as:</a:t>
+            </a:r>
+          </a:p>
+          <a:p>
+            <a:pPr marL="457200" marR="0" lvl="1" indent="0" algn="l" defTabSz="914400" rtl="0" eaLnBrk="1" fontAlgn="auto" latinLnBrk="0" hangingPunct="1">
+              <a:lnSpc>
+                <a:spcPct val="100000"/>
+              </a:lnSpc>
+              <a:spcBef>
+                <a:spcPts val="0"/>
+              </a:spcBef>
+              <a:spcAft>
+                <a:spcPts val="0"/>
+              </a:spcAft>
+              <a:buClrTx/>
+              <a:buSzTx/>
+              <a:buFont typeface="Arial" pitchFamily="34" charset="0"/>
+              <a:buChar char="•"/>
+              <a:tabLst/>
+              <a:defRPr/>
+            </a:pPr>
+            <a:r>
+              <a:rPr lang="en-US" b="0" baseline="0" dirty="0"/>
+              <a:t> Labels describe an item.  So in a binary classification (yes/no) the label would be 0 (negative) or 1 (positive)</a:t>
+            </a:r>
+          </a:p>
+          <a:p>
+            <a:pPr marL="457200" marR="0" lvl="1" indent="0" algn="l" defTabSz="914400" rtl="0" eaLnBrk="1" fontAlgn="auto" latinLnBrk="0" hangingPunct="1">
+              <a:lnSpc>
+                <a:spcPct val="100000"/>
+              </a:lnSpc>
+              <a:spcBef>
+                <a:spcPts val="0"/>
+              </a:spcBef>
+              <a:spcAft>
+                <a:spcPts val="0"/>
+              </a:spcAft>
+              <a:buClrTx/>
+              <a:buSzTx/>
+              <a:buFont typeface="Arial" pitchFamily="34" charset="0"/>
+              <a:buChar char="•"/>
+              <a:tabLst/>
+              <a:defRPr/>
+            </a:pPr>
+            <a:r>
+              <a:rPr lang="en-US" b="0" baseline="0" dirty="0"/>
+              <a:t> Response are typically feature vectors</a:t>
+            </a:r>
+            <a:endParaRPr lang="en-US" dirty="0"/>
+          </a:p>
+          <a:p>
+            <a:pPr marL="0" marR="0" lvl="0" indent="0" algn="l" defTabSz="914400" rtl="0" eaLnBrk="1" fontAlgn="auto" latinLnBrk="0" hangingPunct="1">
+              <a:lnSpc>
+                <a:spcPct val="100000"/>
+              </a:lnSpc>
+              <a:spcBef>
+                <a:spcPts val="0"/>
+              </a:spcBef>
+              <a:spcAft>
+                <a:spcPts val="0"/>
+              </a:spcAft>
+              <a:buClrTx/>
+              <a:buSzTx/>
+              <a:buFont typeface="Arial" pitchFamily="34" charset="0"/>
+              <a:buChar char="•"/>
+              <a:tabLst/>
+              <a:defRPr/>
+            </a:pPr>
+            <a:endParaRPr lang="en-US" altLang="ko-KR" b="0" dirty="0"/>
           </a:p>
           <a:p>
             <a:pPr marL="0" marR="0" lvl="0" indent="0" algn="l" defTabSz="914400" rtl="0" eaLnBrk="1" fontAlgn="auto" latinLnBrk="0" hangingPunct="1">
@@ -4111,18 +4118,13 @@
               <a:defRPr/>
             </a:pPr>
             <a:r>
-              <a:rPr lang="en-US" altLang="ko-KR" b="1" dirty="0" smtClean="0"/>
+              <a:rPr lang="en-US" altLang="ko-KR" b="1" dirty="0"/>
               <a:t>References</a:t>
             </a:r>
             <a:r>
-              <a:rPr lang="en-US" altLang="ko-KR" dirty="0" smtClean="0"/>
+              <a:rPr lang="en-US" altLang="ko-KR" dirty="0"/>
               <a:t>: </a:t>
             </a:r>
-            <a:r>
-              <a:rPr lang="en-US" altLang="ko-KR" dirty="0"/>
-              <a:t>	</a:t>
-            </a:r>
-            <a:endParaRPr lang="en-US" altLang="ko-KR" dirty="0" smtClean="0"/>
           </a:p>
           <a:p>
             <a:pPr marL="171450" marR="0" lvl="0" indent="-171450" algn="l" defTabSz="914400" rtl="0" eaLnBrk="1" fontAlgn="auto" latinLnBrk="0" hangingPunct="1">
@@ -4143,35 +4145,8 @@
               <a:defRPr/>
             </a:pPr>
             <a:r>
-              <a:rPr lang="en-US" altLang="ko-KR" dirty="0" smtClean="0"/>
-              <a:t>https</a:t>
-            </a:r>
-            <a:r>
               <a:rPr lang="en-US" altLang="ko-KR" dirty="0"/>
-              <a:t>://spark.apache.org/docs/latest/sql-programming-guide.html#overview</a:t>
-            </a:r>
-          </a:p>
-          <a:p>
-            <a:pPr marL="0" marR="0" lvl="0" indent="0" algn="l" defTabSz="914400" rtl="0" eaLnBrk="1" fontAlgn="auto" latinLnBrk="0" hangingPunct="1">
-              <a:lnSpc>
-                <a:spcPct val="100000"/>
-              </a:lnSpc>
-              <a:spcBef>
-                <a:spcPts val="0"/>
-              </a:spcBef>
-              <a:spcAft>
-                <a:spcPts val="0"/>
-              </a:spcAft>
-              <a:buClrTx/>
-              <a:buSzTx/>
-              <a:buFontTx/>
-              <a:buNone/>
-              <a:tabLst/>
-              <a:defRPr/>
-            </a:pPr>
-            <a:r>
-              <a:rPr lang="en-US" altLang="ko-KR" dirty="0"/>
-              <a:t>	</a:t>
+              <a:t>http://spark.apache.org/docs/latest/mllib-data-types.html#labeled-point	</a:t>
             </a:r>
           </a:p>
         </p:txBody>
@@ -4194,7 +4169,7 @@
             <a:fld id="{01283FAC-A721-45A3-BBDE-EAF2B09B7CD9}" type="slidenum">
               <a:rPr lang="en-US" smtClean="0"/>
               <a:pPr/>
-              <a:t>26</a:t>
+              <a:t>24</a:t>
             </a:fld>
             <a:endParaRPr lang="en-US"/>
           </a:p>
@@ -4203,7 +4178,7 @@
     </p:spTree>
     <p:extLst>
       <p:ext uri="{BB962C8B-B14F-4D97-AF65-F5344CB8AC3E}">
-        <p14:creationId xmlns:p14="http://schemas.microsoft.com/office/powerpoint/2010/main" val="3260190152"/>
+        <p14:creationId xmlns:p14="http://schemas.microsoft.com/office/powerpoint/2010/main" val="2917957580"/>
       </p:ext>
     </p:extLst>
   </p:cSld>
@@ -4275,29 +4250,84 @@
               <a:defRPr/>
             </a:pPr>
             <a:r>
-              <a:rPr lang="en-US" altLang="ko-KR" b="1" dirty="0" smtClean="0"/>
+              <a:rPr lang="en-US" altLang="ko-KR" b="1" dirty="0"/>
               <a:t>Notes:</a:t>
             </a:r>
-          </a:p>
-          <a:p>
-            <a:pPr>
-              <a:buFont typeface="Wingdings" charset="2"/>
-              <a:buChar char="§"/>
-            </a:pPr>
-            <a:r>
-              <a:rPr lang="en-US" dirty="0" smtClean="0"/>
-              <a:t> Very important to choose the right format to store large distributed matrices.</a:t>
-            </a:r>
-          </a:p>
-          <a:p>
-            <a:pPr>
-              <a:buFont typeface="Wingdings" charset="2"/>
-              <a:buChar char="§"/>
-            </a:pPr>
-            <a:r>
-              <a:rPr lang="en-US" dirty="0" smtClean="0"/>
-              <a:t> Converting a distributed matrix to a different format may require a global shuffle which is very expensive.</a:t>
-            </a:r>
+            <a:endParaRPr lang="en-US" altLang="ko-KR" b="0" dirty="0"/>
+          </a:p>
+          <a:p>
+            <a:pPr marL="0" marR="0" lvl="0" indent="0" algn="l" defTabSz="914400" rtl="0" eaLnBrk="1" fontAlgn="auto" latinLnBrk="0" hangingPunct="1">
+              <a:lnSpc>
+                <a:spcPct val="100000"/>
+              </a:lnSpc>
+              <a:spcBef>
+                <a:spcPts val="0"/>
+              </a:spcBef>
+              <a:spcAft>
+                <a:spcPts val="0"/>
+              </a:spcAft>
+              <a:buClrTx/>
+              <a:buSzTx/>
+              <a:buFont typeface="Arial" pitchFamily="34" charset="0"/>
+              <a:buChar char="•"/>
+              <a:tabLst/>
+              <a:defRPr/>
+            </a:pPr>
+            <a:r>
+              <a:rPr lang="en-US" altLang="ko-KR" b="0" dirty="0"/>
+              <a:t> Dense matrices</a:t>
+            </a:r>
+            <a:r>
+              <a:rPr lang="en-US" altLang="ko-KR" b="0" baseline="0" dirty="0"/>
+              <a:t> have values stored in a single double array in column-major order</a:t>
+            </a:r>
+          </a:p>
+          <a:p>
+            <a:pPr marL="0" marR="0" lvl="0" indent="0" algn="l" defTabSz="914400" rtl="0" eaLnBrk="1" fontAlgn="auto" latinLnBrk="0" hangingPunct="1">
+              <a:lnSpc>
+                <a:spcPct val="100000"/>
+              </a:lnSpc>
+              <a:spcBef>
+                <a:spcPts val="0"/>
+              </a:spcBef>
+              <a:spcAft>
+                <a:spcPts val="0"/>
+              </a:spcAft>
+              <a:buClrTx/>
+              <a:buSzTx/>
+              <a:buFont typeface="Arial" pitchFamily="34" charset="0"/>
+              <a:buChar char="•"/>
+              <a:tabLst/>
+              <a:defRPr/>
+            </a:pPr>
+            <a:r>
+              <a:rPr lang="en-US" altLang="ko-KR" b="0" baseline="0" dirty="0"/>
+              <a:t> Sparse matrices have non-zero entry values stored in the Compressed Sparse Column (CSC) format in column-major order</a:t>
+            </a:r>
+            <a:r>
+              <a:rPr lang="en-US" altLang="ko-KR" b="0" baseline="0" dirty="0" smtClean="0"/>
+              <a:t>.</a:t>
+            </a:r>
+          </a:p>
+          <a:p>
+            <a:pPr marL="0" marR="0" lvl="0" indent="0" algn="l" defTabSz="914400" rtl="0" eaLnBrk="1" fontAlgn="auto" latinLnBrk="0" hangingPunct="1">
+              <a:lnSpc>
+                <a:spcPct val="100000"/>
+              </a:lnSpc>
+              <a:spcBef>
+                <a:spcPts val="0"/>
+              </a:spcBef>
+              <a:spcAft>
+                <a:spcPts val="0"/>
+              </a:spcAft>
+              <a:buClrTx/>
+              <a:buSzTx/>
+              <a:buFont typeface="Arial" pitchFamily="34" charset="0"/>
+              <a:buChar char="•"/>
+              <a:tabLst/>
+              <a:defRPr/>
+            </a:pPr>
+            <a:endParaRPr lang="en-US" altLang="ko-KR" b="1" dirty="0"/>
           </a:p>
           <a:p>
             <a:pPr marL="0" marR="0" lvl="0" indent="0" algn="l" defTabSz="914400" rtl="0" eaLnBrk="1" fontAlgn="auto" latinLnBrk="0" hangingPunct="1">
@@ -4317,31 +4347,14 @@
               <a:tabLst/>
               <a:defRPr/>
             </a:pPr>
-            <a:endParaRPr lang="en-US" altLang="ko-KR" b="0" dirty="0" smtClean="0"/>
-          </a:p>
-          <a:p>
-            <a:pPr marL="0" marR="0" lvl="0" indent="0" algn="l" defTabSz="914400" rtl="0" eaLnBrk="1" fontAlgn="auto" latinLnBrk="0" hangingPunct="1">
-              <a:lnSpc>
-                <a:spcPct val="100000"/>
-              </a:lnSpc>
-              <a:spcBef>
-                <a:spcPts val="0"/>
-              </a:spcBef>
-              <a:spcAft>
-                <a:spcPts val="0"/>
-              </a:spcAft>
-              <a:buClrTx/>
-              <a:buSzTx/>
-              <a:buFontTx/>
-              <a:buNone/>
-              <a:tabLst/>
-              <a:defRPr/>
-            </a:pPr>
-            <a:r>
-              <a:rPr lang="en-US" altLang="ko-KR" b="1" dirty="0" smtClean="0"/>
-              <a:t>References:</a:t>
-            </a:r>
-            <a:endParaRPr lang="en-US" altLang="ko-KR" dirty="0" smtClean="0"/>
+            <a:r>
+              <a:rPr lang="en-US" altLang="ko-KR" b="1" dirty="0"/>
+              <a:t>References</a:t>
+            </a:r>
+            <a:r>
+              <a:rPr lang="en-US" altLang="ko-KR" dirty="0"/>
+              <a:t>: 	</a:t>
+            </a:r>
           </a:p>
           <a:p>
             <a:pPr marL="171450" marR="0" lvl="0" indent="-171450" algn="l" defTabSz="914400" rtl="0" eaLnBrk="1" fontAlgn="auto" latinLnBrk="0" hangingPunct="1">
@@ -4362,12 +4375,8 @@
               <a:defRPr/>
             </a:pPr>
             <a:r>
-              <a:rPr lang="en-US" altLang="ko-KR" dirty="0" smtClean="0"/>
-              <a:t>http</a:t>
-            </a:r>
-            <a:r>
               <a:rPr lang="en-US" altLang="ko-KR" dirty="0"/>
-              <a:t>://spark.apache.org/docs/latest/mllib-data-types.html#distributed-matrix</a:t>
+              <a:t>https://spark.apache.org/docs/latest/sql-programming-guide.html#overview</a:t>
             </a:r>
           </a:p>
           <a:p>
@@ -4413,7 +4422,7 @@
             <a:fld id="{01283FAC-A721-45A3-BBDE-EAF2B09B7CD9}" type="slidenum">
               <a:rPr lang="en-US" smtClean="0"/>
               <a:pPr/>
-              <a:t>28</a:t>
+              <a:t>25</a:t>
             </a:fld>
             <a:endParaRPr lang="en-US"/>
           </a:p>
@@ -4422,7 +4431,7 @@
     </p:spTree>
     <p:extLst>
       <p:ext uri="{BB962C8B-B14F-4D97-AF65-F5344CB8AC3E}">
-        <p14:creationId xmlns:p14="http://schemas.microsoft.com/office/powerpoint/2010/main" val="1879359480"/>
+        <p14:creationId xmlns:p14="http://schemas.microsoft.com/office/powerpoint/2010/main" val="3260190152"/>
       </p:ext>
     </p:extLst>
   </p:cSld>
@@ -4476,13 +4485,94 @@
           <a:bodyPr/>
           <a:lstStyle/>
           <a:p>
-            <a:r>
-              <a:rPr lang="en-US" b="1" dirty="0" smtClean="0"/>
+            <a:pPr marL="0" marR="0" lvl="0" indent="0" algn="l" defTabSz="914400" rtl="0" eaLnBrk="1" fontAlgn="auto" latinLnBrk="0" hangingPunct="1">
+              <a:lnSpc>
+                <a:spcPct val="100000"/>
+              </a:lnSpc>
+              <a:spcBef>
+                <a:spcPts val="0"/>
+              </a:spcBef>
+              <a:spcAft>
+                <a:spcPts val="0"/>
+              </a:spcAft>
+              <a:buClrTx/>
+              <a:buSzTx/>
+              <a:buFontTx/>
+              <a:buNone/>
+              <a:tabLst/>
+              <a:defRPr/>
+            </a:pPr>
+            <a:r>
+              <a:rPr lang="en-US" altLang="ko-KR" b="1" dirty="0"/>
               <a:t>Notes:</a:t>
             </a:r>
           </a:p>
           <a:p>
-            <a:pPr marL="171450" marR="0" indent="-171450" algn="l" defTabSz="914400" rtl="0" eaLnBrk="1" fontAlgn="auto" latinLnBrk="0" hangingPunct="1">
+            <a:pPr>
+              <a:buFont typeface="Wingdings" charset="2"/>
+              <a:buChar char="§"/>
+            </a:pPr>
+            <a:r>
+              <a:rPr lang="en-US" dirty="0"/>
+              <a:t> Very important to choose the right format to store large distributed matrices.</a:t>
+            </a:r>
+          </a:p>
+          <a:p>
+            <a:pPr>
+              <a:buFont typeface="Wingdings" charset="2"/>
+              <a:buChar char="§"/>
+            </a:pPr>
+            <a:r>
+              <a:rPr lang="en-US" dirty="0"/>
+              <a:t> Converting a distributed matrix to a different format may require a global shuffle which is very expensive.</a:t>
+            </a:r>
+          </a:p>
+          <a:p>
+            <a:pPr marL="0" marR="0" lvl="0" indent="0" algn="l" defTabSz="914400" rtl="0" eaLnBrk="1" fontAlgn="auto" latinLnBrk="0" hangingPunct="1">
+              <a:lnSpc>
+                <a:spcPct val="100000"/>
+              </a:lnSpc>
+              <a:spcBef>
+                <a:spcPts val="0"/>
+              </a:spcBef>
+              <a:spcAft>
+                <a:spcPts val="0"/>
+              </a:spcAft>
+              <a:buClrTx/>
+              <a:buSzTx/>
+              <a:buFontTx/>
+              <a:buNone/>
+              <a:tabLst/>
+              <a:defRPr/>
+            </a:pPr>
+            <a:endParaRPr lang="en-US" altLang="ko-KR" b="0" dirty="0"/>
+          </a:p>
+          <a:p>
+            <a:pPr marL="0" marR="0" lvl="0" indent="0" algn="l" defTabSz="914400" rtl="0" eaLnBrk="1" fontAlgn="auto" latinLnBrk="0" hangingPunct="1">
+              <a:lnSpc>
+                <a:spcPct val="100000"/>
+              </a:lnSpc>
+              <a:spcBef>
+                <a:spcPts val="0"/>
+              </a:spcBef>
+              <a:spcAft>
+                <a:spcPts val="0"/>
+              </a:spcAft>
+              <a:buClrTx/>
+              <a:buSzTx/>
+              <a:buFontTx/>
+              <a:buNone/>
+              <a:tabLst/>
+              <a:defRPr/>
+            </a:pPr>
+            <a:r>
+              <a:rPr lang="en-US" altLang="ko-KR" b="1" dirty="0"/>
+              <a:t>References:</a:t>
+            </a:r>
+            <a:endParaRPr lang="en-US" altLang="ko-KR" dirty="0"/>
+          </a:p>
+          <a:p>
+            <a:pPr marL="171450" marR="0" lvl="0" indent="-171450" algn="l" defTabSz="914400" rtl="0" eaLnBrk="1" fontAlgn="auto" latinLnBrk="0" hangingPunct="1">
               <a:lnSpc>
                 <a:spcPct val="100000"/>
               </a:lnSpc>
@@ -4500,24 +4590,12 @@
               <a:defRPr/>
             </a:pPr>
             <a:r>
-              <a:rPr lang="en-US" dirty="0" smtClean="0"/>
-              <a:t>A </a:t>
-            </a:r>
-            <a:r>
-              <a:rPr lang="en-US" dirty="0" err="1" smtClean="0"/>
-              <a:t>RowMatrix</a:t>
-            </a:r>
-            <a:r>
-              <a:rPr lang="en-US" baseline="0" dirty="0" smtClean="0"/>
-              <a:t> is </a:t>
-            </a:r>
-            <a:r>
-              <a:rPr lang="en-US" dirty="0" smtClean="0"/>
-              <a:t>backed by an RDD of its rows, where each row is a local vector. </a:t>
-            </a:r>
-          </a:p>
-          <a:p>
-            <a:pPr marL="171450" marR="0" indent="-171450" algn="l" defTabSz="914400" rtl="0" eaLnBrk="1" fontAlgn="auto" latinLnBrk="0" hangingPunct="1">
+              <a:rPr lang="en-US" altLang="ko-KR" dirty="0"/>
+              <a:t>http://spark.apache.org/docs/latest/mllib-data-types.html#distributed-matrix</a:t>
+            </a:r>
+          </a:p>
+          <a:p>
+            <a:pPr marL="0" marR="0" lvl="0" indent="0" algn="l" defTabSz="914400" rtl="0" eaLnBrk="1" fontAlgn="auto" latinLnBrk="0" hangingPunct="1">
               <a:lnSpc>
                 <a:spcPct val="100000"/>
               </a:lnSpc>
@@ -4529,22 +4607,15 @@
               </a:spcAft>
               <a:buClrTx/>
               <a:buSzTx/>
-              <a:buFont typeface="Arial"/>
-              <a:buChar char="•"/>
+              <a:buFontTx/>
+              <a:buNone/>
               <a:tabLst/>
               <a:defRPr/>
             </a:pPr>
             <a:r>
-              <a:rPr lang="en-US" dirty="0" smtClean="0"/>
-              <a:t>The number of columns is limited by the integer range but it should be much smaller in practice.</a:t>
-            </a:r>
-          </a:p>
-          <a:p>
-            <a:pPr marL="0" indent="0">
-              <a:buFont typeface="Arial"/>
-              <a:buNone/>
-            </a:pPr>
-            <a:endParaRPr lang="en-US" b="0" dirty="0"/>
+              <a:rPr lang="en-US" altLang="ko-KR" dirty="0"/>
+              <a:t>	</a:t>
+            </a:r>
           </a:p>
         </p:txBody>
       </p:sp>
@@ -4566,7 +4637,7 @@
             <a:fld id="{01283FAC-A721-45A3-BBDE-EAF2B09B7CD9}" type="slidenum">
               <a:rPr lang="en-US" smtClean="0"/>
               <a:pPr/>
-              <a:t>29</a:t>
+              <a:t>27</a:t>
             </a:fld>
             <a:endParaRPr lang="en-US"/>
           </a:p>
@@ -4575,7 +4646,7 @@
     </p:spTree>
     <p:extLst>
       <p:ext uri="{BB962C8B-B14F-4D97-AF65-F5344CB8AC3E}">
-        <p14:creationId xmlns:p14="http://schemas.microsoft.com/office/powerpoint/2010/main" val="2010520491"/>
+        <p14:creationId xmlns:p14="http://schemas.microsoft.com/office/powerpoint/2010/main" val="1879359480"/>
       </p:ext>
     </p:extLst>
   </p:cSld>
@@ -4626,19 +4697,16 @@
         </p:nvSpPr>
         <p:spPr/>
         <p:txBody>
-          <a:bodyPr>
-            <a:normAutofit/>
-          </a:bodyPr>
+          <a:bodyPr/>
           <a:lstStyle/>
           <a:p>
             <a:r>
-              <a:rPr lang="en-US" b="1" dirty="0" smtClean="0"/>
+              <a:rPr lang="en-US" b="1" dirty="0"/>
               <a:t>Notes:</a:t>
             </a:r>
-            <a:endParaRPr lang="en-US" b="0" dirty="0" smtClean="0"/>
-          </a:p>
-          <a:p>
-            <a:pPr marL="0" marR="0" indent="0" algn="l" defTabSz="914400" rtl="0" eaLnBrk="1" fontAlgn="auto" latinLnBrk="0" hangingPunct="1">
+          </a:p>
+          <a:p>
+            <a:pPr marL="171450" marR="0" indent="-171450" algn="l" defTabSz="914400" rtl="0" eaLnBrk="1" fontAlgn="auto" latinLnBrk="0" hangingPunct="1">
               <a:lnSpc>
                 <a:spcPct val="100000"/>
               </a:lnSpc>
@@ -4650,34 +4718,57 @@
               </a:spcAft>
               <a:buClrTx/>
               <a:buSzTx/>
-              <a:buFont typeface="Arial" pitchFamily="34" charset="0"/>
+              <a:buFont typeface="Arial"/>
               <a:buChar char="•"/>
               <a:tabLst/>
               <a:defRPr/>
             </a:pPr>
             <a:r>
-              <a:rPr lang="en-US" b="0" dirty="0" smtClean="0"/>
-              <a:t> An </a:t>
-            </a:r>
-            <a:r>
-              <a:rPr lang="en-US" b="0" dirty="0" err="1" smtClean="0"/>
-              <a:t>IndexedRowMatrix</a:t>
-            </a:r>
-            <a:r>
-              <a:rPr lang="en-US" b="0" dirty="0" smtClean="0"/>
-              <a:t> is b</a:t>
-            </a:r>
-            <a:r>
-              <a:rPr lang="en-US" dirty="0" smtClean="0"/>
-              <a:t>acked by an RDD of indexed rows, so that each row is represented by its index (long-typed) and a local vector.</a:t>
-            </a:r>
-          </a:p>
-          <a:p>
-            <a:pPr>
-              <a:buFont typeface="Arial" pitchFamily="34" charset="0"/>
+              <a:rPr lang="en-US" dirty="0"/>
+              <a:t>A </a:t>
+            </a:r>
+            <a:r>
+              <a:rPr lang="en-US" dirty="0" err="1"/>
+              <a:t>RowMatrix</a:t>
+            </a:r>
+            <a:r>
+              <a:rPr lang="en-US" baseline="0" dirty="0"/>
+              <a:t> is </a:t>
+            </a:r>
+            <a:r>
+              <a:rPr lang="en-US" dirty="0"/>
+              <a:t>backed by an RDD of its rows, where each row is a local vector. </a:t>
+            </a:r>
+          </a:p>
+          <a:p>
+            <a:pPr marL="171450" marR="0" indent="-171450" algn="l" defTabSz="914400" rtl="0" eaLnBrk="1" fontAlgn="auto" latinLnBrk="0" hangingPunct="1">
+              <a:lnSpc>
+                <a:spcPct val="100000"/>
+              </a:lnSpc>
+              <a:spcBef>
+                <a:spcPts val="0"/>
+              </a:spcBef>
+              <a:spcAft>
+                <a:spcPts val="0"/>
+              </a:spcAft>
+              <a:buClrTx/>
+              <a:buSzTx/>
+              <a:buFont typeface="Arial"/>
               <a:buChar char="•"/>
-            </a:pPr>
-            <a:endParaRPr lang="en-US" b="1" dirty="0"/>
+              <a:tabLst/>
+              <a:defRPr/>
+            </a:pPr>
+            <a:r>
+              <a:rPr lang="en-US" dirty="0"/>
+              <a:t>The number of columns is limited by the integer range but it should be much smaller in practice.</a:t>
+            </a:r>
+          </a:p>
+          <a:p>
+            <a:pPr marL="0" indent="0">
+              <a:buFont typeface="Arial"/>
+              <a:buNone/>
+            </a:pPr>
+            <a:endParaRPr lang="en-US" b="0" dirty="0"/>
           </a:p>
         </p:txBody>
       </p:sp>
@@ -4699,13 +4790,18 @@
             <a:fld id="{01283FAC-A721-45A3-BBDE-EAF2B09B7CD9}" type="slidenum">
               <a:rPr lang="en-US" smtClean="0"/>
               <a:pPr/>
-              <a:t>30</a:t>
+              <a:t>28</a:t>
             </a:fld>
             <a:endParaRPr lang="en-US"/>
           </a:p>
         </p:txBody>
       </p:sp>
     </p:spTree>
+    <p:extLst>
+      <p:ext uri="{BB962C8B-B14F-4D97-AF65-F5344CB8AC3E}">
+        <p14:creationId xmlns:p14="http://schemas.microsoft.com/office/powerpoint/2010/main" val="2010520491"/>
+      </p:ext>
+    </p:extLst>
   </p:cSld>
   <p:clrMapOvr>
     <a:masterClrMapping/>
@@ -4754,58 +4850,19 @@
         </p:nvSpPr>
         <p:spPr/>
         <p:txBody>
-          <a:bodyPr/>
+          <a:bodyPr>
+            <a:normAutofit/>
+          </a:bodyPr>
           <a:lstStyle/>
           <a:p>
             <a:r>
-              <a:rPr lang="en-US" b="1" dirty="0" smtClean="0"/>
+              <a:rPr lang="en-US" b="1" dirty="0"/>
               <a:t>Notes:</a:t>
             </a:r>
-          </a:p>
-          <a:p>
-            <a:pPr>
-              <a:buFont typeface="Wingdings" charset="2"/>
-              <a:buChar char="§"/>
-            </a:pPr>
-            <a:r>
-              <a:rPr lang="en-US" dirty="0" smtClean="0"/>
-              <a:t>Each entry is a three element </a:t>
-            </a:r>
-            <a:r>
-              <a:rPr lang="en-US" dirty="0" err="1" smtClean="0"/>
-              <a:t>tuple</a:t>
-            </a:r>
-            <a:endParaRPr lang="en-US" dirty="0" smtClean="0"/>
-          </a:p>
-          <a:p>
-            <a:pPr lvl="1">
-              <a:buFont typeface="Wingdings" charset="2"/>
-              <a:buChar char="§"/>
-            </a:pPr>
-            <a:r>
-              <a:rPr lang="en-US" sz="2400" dirty="0" smtClean="0"/>
-              <a:t>(</a:t>
-            </a:r>
-            <a:r>
-              <a:rPr lang="en-US" sz="2400" dirty="0" err="1" smtClean="0"/>
-              <a:t>i</a:t>
-            </a:r>
-            <a:r>
-              <a:rPr lang="en-US" sz="2400" dirty="0" smtClean="0"/>
-              <a:t>: Long, j: Long, value: Double), where </a:t>
-            </a:r>
-            <a:r>
-              <a:rPr lang="en-US" sz="2400" dirty="0" err="1" smtClean="0"/>
-              <a:t>i</a:t>
-            </a:r>
-            <a:r>
-              <a:rPr lang="en-US" sz="2400" dirty="0" smtClean="0"/>
-              <a:t> is the row index, j is the column index, and value is the entry value. </a:t>
-            </a:r>
-            <a:endParaRPr lang="en-US" dirty="0" smtClean="0"/>
-          </a:p>
-          <a:p>
-            <a:pPr marL="171450" marR="0" indent="-171450" algn="l" defTabSz="914400" rtl="0" eaLnBrk="1" fontAlgn="auto" latinLnBrk="0" hangingPunct="1">
+            <a:endParaRPr lang="en-US" b="0" dirty="0"/>
+          </a:p>
+          <a:p>
+            <a:pPr marL="0" marR="0" indent="0" algn="l" defTabSz="914400" rtl="0" eaLnBrk="1" fontAlgn="auto" latinLnBrk="0" hangingPunct="1">
               <a:lnSpc>
                 <a:spcPct val="100000"/>
               </a:lnSpc>
@@ -4817,43 +4874,34 @@
               </a:spcAft>
               <a:buClrTx/>
               <a:buSzTx/>
-              <a:buFont typeface="Arial"/>
+              <a:buFont typeface="Arial" pitchFamily="34" charset="0"/>
               <a:buChar char="•"/>
               <a:tabLst/>
               <a:defRPr/>
             </a:pPr>
             <a:r>
-              <a:rPr lang="en-US" dirty="0" smtClean="0"/>
-              <a:t>A </a:t>
-            </a:r>
-            <a:r>
-              <a:rPr lang="en-US" dirty="0" err="1" smtClean="0"/>
-              <a:t>CoordinateMatrix</a:t>
-            </a:r>
-            <a:r>
-              <a:rPr lang="en-US" dirty="0" smtClean="0"/>
-              <a:t> should be used only when both dimensions of the matrix are huge and the matrix is very sparse.</a:t>
-            </a:r>
-          </a:p>
-          <a:p>
-            <a:pPr marL="171450" marR="0" indent="-171450" algn="l" defTabSz="914400" rtl="0" eaLnBrk="1" fontAlgn="auto" latinLnBrk="0" hangingPunct="1">
-              <a:lnSpc>
-                <a:spcPct val="100000"/>
-              </a:lnSpc>
-              <a:spcBef>
-                <a:spcPts val="0"/>
-              </a:spcBef>
-              <a:spcAft>
-                <a:spcPts val="0"/>
-              </a:spcAft>
-              <a:buClrTx/>
-              <a:buSzTx/>
-              <a:buFont typeface="Arial"/>
+              <a:rPr lang="en-US" b="0" dirty="0"/>
+              <a:t> An </a:t>
+            </a:r>
+            <a:r>
+              <a:rPr lang="en-US" b="0" dirty="0" err="1"/>
+              <a:t>IndexedRowMatrix</a:t>
+            </a:r>
+            <a:r>
+              <a:rPr lang="en-US" b="0" dirty="0"/>
+              <a:t> is b</a:t>
+            </a:r>
+            <a:r>
+              <a:rPr lang="en-US" dirty="0"/>
+              <a:t>acked by an RDD of indexed rows, so that each row is represented by its index (long-typed) and a local vector.</a:t>
+            </a:r>
+          </a:p>
+          <a:p>
+            <a:pPr>
+              <a:buFont typeface="Arial" pitchFamily="34" charset="0"/>
               <a:buChar char="•"/>
-              <a:tabLst/>
-              <a:defRPr/>
-            </a:pPr>
-            <a:endParaRPr lang="en-US" dirty="0" smtClean="0"/>
+            </a:pPr>
+            <a:endParaRPr lang="en-US" b="1" dirty="0"/>
           </a:p>
         </p:txBody>
       </p:sp>
@@ -4875,18 +4923,13 @@
             <a:fld id="{01283FAC-A721-45A3-BBDE-EAF2B09B7CD9}" type="slidenum">
               <a:rPr lang="en-US" smtClean="0"/>
               <a:pPr/>
-              <a:t>31</a:t>
+              <a:t>29</a:t>
             </a:fld>
             <a:endParaRPr lang="en-US"/>
           </a:p>
         </p:txBody>
       </p:sp>
     </p:spTree>
-    <p:extLst>
-      <p:ext uri="{BB962C8B-B14F-4D97-AF65-F5344CB8AC3E}">
-        <p14:creationId xmlns:p14="http://schemas.microsoft.com/office/powerpoint/2010/main" val="3350455422"/>
-      </p:ext>
-    </p:extLst>
   </p:cSld>
   <p:clrMapOvr>
     <a:masterClrMapping/>
@@ -4938,7 +4981,103 @@
           <a:bodyPr/>
           <a:lstStyle/>
           <a:p>
-            <a:endParaRPr lang="ko-KR" altLang="en-US" dirty="0"/>
+            <a:r>
+              <a:rPr lang="en-US" b="1" dirty="0"/>
+              <a:t>Notes:</a:t>
+            </a:r>
+          </a:p>
+          <a:p>
+            <a:pPr>
+              <a:buFont typeface="Wingdings" charset="2"/>
+              <a:buChar char="§"/>
+            </a:pPr>
+            <a:r>
+              <a:rPr lang="en-US" dirty="0"/>
+              <a:t>Each entry is a three element </a:t>
+            </a:r>
+            <a:r>
+              <a:rPr lang="en-US" dirty="0" err="1"/>
+              <a:t>tuple</a:t>
+            </a:r>
+            <a:endParaRPr lang="en-US" dirty="0"/>
+          </a:p>
+          <a:p>
+            <a:pPr lvl="1">
+              <a:buFont typeface="Wingdings" charset="2"/>
+              <a:buChar char="§"/>
+            </a:pPr>
+            <a:r>
+              <a:rPr lang="en-US" sz="2400" dirty="0"/>
+              <a:t>(</a:t>
+            </a:r>
+            <a:r>
+              <a:rPr lang="en-US" sz="2400" dirty="0" err="1"/>
+              <a:t>i</a:t>
+            </a:r>
+            <a:r>
+              <a:rPr lang="en-US" sz="2400" dirty="0"/>
+              <a:t>: Long, j: Long, value: Double), where </a:t>
+            </a:r>
+            <a:r>
+              <a:rPr lang="en-US" sz="2400" dirty="0" err="1"/>
+              <a:t>i</a:t>
+            </a:r>
+            <a:r>
+              <a:rPr lang="en-US" sz="2400" dirty="0"/>
+              <a:t> is the row index, j is the column index, and value is the entry value. </a:t>
+            </a:r>
+            <a:endParaRPr lang="en-US" dirty="0"/>
+          </a:p>
+          <a:p>
+            <a:pPr marL="171450" marR="0" indent="-171450" algn="l" defTabSz="914400" rtl="0" eaLnBrk="1" fontAlgn="auto" latinLnBrk="0" hangingPunct="1">
+              <a:lnSpc>
+                <a:spcPct val="100000"/>
+              </a:lnSpc>
+              <a:spcBef>
+                <a:spcPts val="0"/>
+              </a:spcBef>
+              <a:spcAft>
+                <a:spcPts val="0"/>
+              </a:spcAft>
+              <a:buClrTx/>
+              <a:buSzTx/>
+              <a:buFont typeface="Arial"/>
+              <a:buChar char="•"/>
+              <a:tabLst/>
+              <a:defRPr/>
+            </a:pPr>
+            <a:r>
+              <a:rPr lang="en-US" dirty="0"/>
+              <a:t>A </a:t>
+            </a:r>
+            <a:r>
+              <a:rPr lang="en-US" dirty="0" err="1"/>
+              <a:t>CoordinateMatrix</a:t>
+            </a:r>
+            <a:r>
+              <a:rPr lang="en-US" dirty="0"/>
+              <a:t> should be used only when both dimensions of the matrix are huge and the matrix is very sparse.</a:t>
+            </a:r>
+          </a:p>
+          <a:p>
+            <a:pPr marL="171450" marR="0" indent="-171450" algn="l" defTabSz="914400" rtl="0" eaLnBrk="1" fontAlgn="auto" latinLnBrk="0" hangingPunct="1">
+              <a:lnSpc>
+                <a:spcPct val="100000"/>
+              </a:lnSpc>
+              <a:spcBef>
+                <a:spcPts val="0"/>
+              </a:spcBef>
+              <a:spcAft>
+                <a:spcPts val="0"/>
+              </a:spcAft>
+              <a:buClrTx/>
+              <a:buSzTx/>
+              <a:buFont typeface="Arial"/>
+              <a:buChar char="•"/>
+              <a:tabLst/>
+              <a:defRPr/>
+            </a:pPr>
+            <a:endParaRPr lang="en-US" dirty="0"/>
           </a:p>
         </p:txBody>
       </p:sp>
@@ -4960,7 +5099,92 @@
             <a:fld id="{01283FAC-A721-45A3-BBDE-EAF2B09B7CD9}" type="slidenum">
               <a:rPr lang="en-US" smtClean="0"/>
               <a:pPr/>
-              <a:t>33</a:t>
+              <a:t>30</a:t>
+            </a:fld>
+            <a:endParaRPr lang="en-US"/>
+          </a:p>
+        </p:txBody>
+      </p:sp>
+    </p:spTree>
+    <p:extLst>
+      <p:ext uri="{BB962C8B-B14F-4D97-AF65-F5344CB8AC3E}">
+        <p14:creationId xmlns:p14="http://schemas.microsoft.com/office/powerpoint/2010/main" val="3350455422"/>
+      </p:ext>
+    </p:extLst>
+  </p:cSld>
+  <p:clrMapOvr>
+    <a:masterClrMapping/>
+  </p:clrMapOvr>
+</p:notes>
+</file>
+
+<file path=ppt/notesSlides/notesSlide29.xml><?xml version="1.0" encoding="utf-8"?>
+<p:notes xmlns:a="http://schemas.openxmlformats.org/drawingml/2006/main" xmlns:r="http://schemas.openxmlformats.org/officeDocument/2006/relationships" xmlns:p="http://schemas.openxmlformats.org/presentationml/2006/main">
+  <p:cSld>
+    <p:spTree>
+      <p:nvGrpSpPr>
+        <p:cNvPr id="1" name=""/>
+        <p:cNvGrpSpPr/>
+        <p:nvPr/>
+      </p:nvGrpSpPr>
+      <p:grpSpPr>
+        <a:xfrm>
+          <a:off x="0" y="0"/>
+          <a:ext cx="0" cy="0"/>
+          <a:chOff x="0" y="0"/>
+          <a:chExt cx="0" cy="0"/>
+        </a:xfrm>
+      </p:grpSpPr>
+      <p:sp>
+        <p:nvSpPr>
+          <p:cNvPr id="2" name="Slide Image Placeholder 1"/>
+          <p:cNvSpPr>
+            <a:spLocks noGrp="1" noRot="1" noChangeAspect="1"/>
+          </p:cNvSpPr>
+          <p:nvPr>
+            <p:ph type="sldImg"/>
+          </p:nvPr>
+        </p:nvSpPr>
+        <p:spPr/>
+      </p:sp>
+      <p:sp>
+        <p:nvSpPr>
+          <p:cNvPr id="3" name="Notes Placeholder 2"/>
+          <p:cNvSpPr>
+            <a:spLocks noGrp="1"/>
+          </p:cNvSpPr>
+          <p:nvPr>
+            <p:ph type="body" idx="1"/>
+          </p:nvPr>
+        </p:nvSpPr>
+        <p:spPr/>
+        <p:txBody>
+          <a:bodyPr/>
+          <a:lstStyle/>
+          <a:p>
+            <a:endParaRPr lang="ko-KR" altLang="en-US" dirty="0"/>
+          </a:p>
+        </p:txBody>
+      </p:sp>
+      <p:sp>
+        <p:nvSpPr>
+          <p:cNvPr id="4" name="Slide Number Placeholder 3"/>
+          <p:cNvSpPr>
+            <a:spLocks noGrp="1"/>
+          </p:cNvSpPr>
+          <p:nvPr>
+            <p:ph type="sldNum" sz="quarter" idx="10"/>
+          </p:nvPr>
+        </p:nvSpPr>
+        <p:spPr/>
+        <p:txBody>
+          <a:bodyPr/>
+          <a:lstStyle/>
+          <a:p>
+            <a:fld id="{01283FAC-A721-45A3-BBDE-EAF2B09B7CD9}" type="slidenum">
+              <a:rPr lang="en-US" smtClean="0"/>
+              <a:pPr/>
+              <a:t>31</a:t>
             </a:fld>
             <a:endParaRPr lang="en-US"/>
           </a:p>
@@ -5211,10 +5435,9 @@
               <a:defRPr/>
             </a:pPr>
             <a:r>
-              <a:rPr lang="en-US" altLang="ko-KR" b="1" dirty="0" smtClean="0"/>
+              <a:rPr lang="en-US" altLang="ko-KR" b="1" dirty="0"/>
               <a:t>Notes:</a:t>
             </a:r>
-            <a:endParaRPr lang="en-US" altLang="ko-KR" b="1" dirty="0"/>
           </a:p>
           <a:p>
             <a:pPr marL="171450" marR="0" lvl="0" indent="-171450" algn="l" defTabSz="914400" rtl="0" eaLnBrk="1" fontAlgn="auto" latinLnBrk="0" hangingPunct="1">
@@ -5332,10 +5555,10 @@
               <a:defRPr/>
             </a:pPr>
             <a:r>
-              <a:rPr lang="en-US" altLang="ko-KR" baseline="0" dirty="0" err="1" smtClean="0"/>
+              <a:rPr lang="en-US" altLang="ko-KR" baseline="0" dirty="0" err="1"/>
               <a:t>GraphX</a:t>
             </a:r>
-            <a:endParaRPr lang="en-US" altLang="ko-KR" baseline="0" dirty="0" smtClean="0"/>
+            <a:endParaRPr lang="en-US" altLang="ko-KR" baseline="0" dirty="0"/>
           </a:p>
           <a:p>
             <a:pPr marL="628650" marR="0" lvl="1" indent="-171450" algn="l" defTabSz="914400" rtl="0" eaLnBrk="1" fontAlgn="auto" latinLnBrk="0" hangingPunct="1">
@@ -5376,7 +5599,7 @@
               <a:defRPr/>
             </a:pPr>
             <a:r>
-              <a:rPr lang="en-US" altLang="ko-KR" b="1" dirty="0" smtClean="0"/>
+              <a:rPr lang="en-US" altLang="ko-KR" b="1" dirty="0"/>
               <a:t>References:  </a:t>
             </a:r>
           </a:p>
@@ -5399,22 +5622,22 @@
               <a:defRPr/>
             </a:pPr>
             <a:r>
-              <a:rPr lang="en-US" altLang="ko-KR" dirty="0" smtClean="0"/>
+              <a:rPr lang="en-US" altLang="ko-KR" dirty="0"/>
               <a:t>https://</a:t>
             </a:r>
             <a:r>
-              <a:rPr lang="en-US" altLang="ko-KR" dirty="0" err="1" smtClean="0"/>
+              <a:rPr lang="en-US" altLang="ko-KR" dirty="0" err="1"/>
               <a:t>spark.apache.org</a:t>
             </a:r>
             <a:r>
-              <a:rPr lang="en-US" altLang="ko-KR" dirty="0" smtClean="0"/>
+              <a:rPr lang="en-US" altLang="ko-KR" dirty="0"/>
               <a:t>/docs/latest/</a:t>
             </a:r>
             <a:r>
-              <a:rPr lang="en-US" altLang="ko-KR" dirty="0" err="1" smtClean="0"/>
+              <a:rPr lang="en-US" altLang="ko-KR" dirty="0" err="1"/>
               <a:t>index.html</a:t>
             </a:r>
-            <a:endParaRPr lang="en-US" altLang="ko-KR" dirty="0" smtClean="0"/>
+            <a:endParaRPr lang="en-US" altLang="ko-KR" dirty="0"/>
           </a:p>
         </p:txBody>
       </p:sp>
@@ -5517,10 +5740,9 @@
               <a:defRPr/>
             </a:pPr>
             <a:r>
-              <a:rPr lang="en-US" altLang="ko-KR" b="1" dirty="0" smtClean="0"/>
+              <a:rPr lang="en-US" altLang="ko-KR" b="1" dirty="0"/>
               <a:t>Notes:</a:t>
             </a:r>
-            <a:endParaRPr lang="en-US" altLang="ko-KR" b="1" dirty="0"/>
           </a:p>
           <a:p>
             <a:pPr marL="171450" marR="0" lvl="0" indent="-171450" algn="l" defTabSz="914400" rtl="0" eaLnBrk="1" fontAlgn="auto" latinLnBrk="0" hangingPunct="1">
@@ -5546,23 +5768,11 @@
             </a:r>
             <a:r>
               <a:rPr lang="en-US" altLang="ko-KR" dirty="0"/>
-              <a:t> is a distributed systems kernel allowing abstraction of CPU, memory, </a:t>
-            </a:r>
-            <a:r>
-              <a:rPr lang="en-US" altLang="ko-KR" dirty="0" smtClean="0"/>
-              <a:t>storage, </a:t>
-            </a:r>
-            <a:r>
-              <a:rPr lang="en-US" altLang="ko-KR" dirty="0"/>
-              <a:t>and</a:t>
+              <a:t> is a distributed systems kernel allowing abstraction of CPU, memory, storage, and</a:t>
             </a:r>
             <a:r>
               <a:rPr lang="en-US" altLang="ko-KR" baseline="0" dirty="0"/>
-              <a:t> other compute resources away from </a:t>
-            </a:r>
-            <a:r>
-              <a:rPr lang="en-US" altLang="ko-KR" baseline="0" dirty="0" smtClean="0"/>
-              <a:t>machines.</a:t>
+              <a:t> other compute resources away from machines.</a:t>
             </a:r>
           </a:p>
           <a:p>
@@ -5583,7 +5793,7 @@
               <a:tabLst/>
               <a:defRPr/>
             </a:pPr>
-            <a:endParaRPr lang="en-US" altLang="ko-KR" baseline="0" dirty="0" smtClean="0"/>
+            <a:endParaRPr lang="en-US" altLang="ko-KR" baseline="0" dirty="0"/>
           </a:p>
           <a:p>
             <a:pPr marL="0" marR="0" lvl="0" indent="0" algn="l" defTabSz="914400" rtl="0" eaLnBrk="1" fontAlgn="auto" latinLnBrk="0" hangingPunct="1">
@@ -5604,11 +5814,11 @@
               <a:defRPr/>
             </a:pPr>
             <a:r>
-              <a:rPr lang="en-US" altLang="ko-KR" b="1" dirty="0" smtClean="0"/>
+              <a:rPr lang="en-US" altLang="ko-KR" b="1" dirty="0"/>
               <a:t>References</a:t>
             </a:r>
             <a:r>
-              <a:rPr lang="en-US" altLang="ko-KR" dirty="0" smtClean="0"/>
+              <a:rPr lang="en-US" altLang="ko-KR" dirty="0"/>
               <a:t>: 	</a:t>
             </a:r>
           </a:p>
@@ -5631,22 +5841,22 @@
               <a:defRPr/>
             </a:pPr>
             <a:r>
-              <a:rPr lang="en-US" altLang="ko-KR" dirty="0" smtClean="0"/>
+              <a:rPr lang="en-US" altLang="ko-KR" dirty="0"/>
               <a:t>https://</a:t>
             </a:r>
             <a:r>
-              <a:rPr lang="en-US" altLang="ko-KR" dirty="0" err="1" smtClean="0"/>
+              <a:rPr lang="en-US" altLang="ko-KR" dirty="0" err="1"/>
               <a:t>spark.apache.org</a:t>
             </a:r>
             <a:r>
-              <a:rPr lang="en-US" altLang="ko-KR" dirty="0" smtClean="0"/>
+              <a:rPr lang="en-US" altLang="ko-KR" dirty="0"/>
               <a:t>/docs/latest/</a:t>
             </a:r>
             <a:r>
-              <a:rPr lang="en-US" altLang="ko-KR" dirty="0" err="1" smtClean="0"/>
+              <a:rPr lang="en-US" altLang="ko-KR" dirty="0" err="1"/>
               <a:t>index.html</a:t>
             </a:r>
-            <a:endParaRPr lang="en-US" altLang="ko-KR" dirty="0" smtClean="0"/>
+            <a:endParaRPr lang="en-US" altLang="ko-KR" dirty="0"/>
           </a:p>
           <a:p>
             <a:pPr marL="171450" marR="0" lvl="0" indent="-171450" algn="l" defTabSz="914400" rtl="0" eaLnBrk="1" fontAlgn="auto" latinLnBrk="0" hangingPunct="1">
@@ -5667,15 +5877,15 @@
               <a:defRPr/>
             </a:pPr>
             <a:r>
-              <a:rPr lang="en-US" altLang="ko-KR" dirty="0" smtClean="0"/>
+              <a:rPr lang="en-US" altLang="ko-KR" dirty="0"/>
               <a:t>http://</a:t>
             </a:r>
             <a:r>
-              <a:rPr lang="en-US" altLang="ko-KR" dirty="0" err="1" smtClean="0"/>
+              <a:rPr lang="en-US" altLang="ko-KR" dirty="0" err="1"/>
               <a:t>mesos.apache.org</a:t>
             </a:r>
             <a:r>
-              <a:rPr lang="en-US" altLang="ko-KR" dirty="0" smtClean="0"/>
+              <a:rPr lang="en-US" altLang="ko-KR" dirty="0"/>
               <a:t>/</a:t>
             </a:r>
           </a:p>
@@ -5780,10 +5990,9 @@
               <a:defRPr/>
             </a:pPr>
             <a:r>
-              <a:rPr lang="en-US" altLang="ko-KR" b="1" dirty="0" smtClean="0"/>
+              <a:rPr lang="en-US" altLang="ko-KR" b="1" dirty="0"/>
               <a:t>Notes:</a:t>
             </a:r>
-            <a:endParaRPr lang="en-US" altLang="ko-KR" b="1" dirty="0"/>
           </a:p>
           <a:p>
             <a:pPr marL="171450" indent="-171450">
@@ -5820,33 +6029,12 @@
               </a:rPr>
               <a:t>Each application gets its own executor processes, which stay up for the duration of the whole application and run tasks in multiple threads. </a:t>
             </a:r>
-            <a:endParaRPr lang="en-US" sz="1200" b="0" i="0" kern="1200" dirty="0" smtClean="0">
-              <a:solidFill>
-                <a:schemeClr val="tx1"/>
-              </a:solidFill>
-              <a:effectLst/>
-              <a:latin typeface="+mn-lt"/>
-              <a:ea typeface="+mn-ea"/>
-              <a:cs typeface="+mn-cs"/>
-            </a:endParaRPr>
           </a:p>
           <a:p>
             <a:pPr marL="628650" lvl="1" indent="-171450">
               <a:buFont typeface="Arial" panose="020B0604020202020204" pitchFamily="34" charset="0"/>
               <a:buChar char="•"/>
             </a:pPr>
-            <a:r>
-              <a:rPr lang="en-US" sz="1200" b="0" i="0" kern="1200" dirty="0" smtClean="0">
-                <a:solidFill>
-                  <a:schemeClr val="tx1"/>
-                </a:solidFill>
-                <a:effectLst/>
-                <a:latin typeface="+mn-lt"/>
-                <a:ea typeface="+mn-ea"/>
-                <a:cs typeface="+mn-cs"/>
-              </a:rPr>
-              <a:t>This </a:t>
-            </a:r>
             <a:r>
               <a:rPr lang="en-US" sz="1200" b="0" i="0" kern="1200" dirty="0">
                 <a:solidFill>
@@ -5857,35 +6045,14 @@
                 <a:ea typeface="+mn-ea"/>
                 <a:cs typeface="+mn-cs"/>
               </a:rPr>
-              <a:t>has the benefit of isolating applications from each other, on both the scheduling side (each driver schedules its own tasks) and executor side (tasks from different applications run in different JVMs). </a:t>
-            </a:r>
-            <a:endParaRPr lang="en-US" sz="1200" b="0" i="0" kern="1200" dirty="0" smtClean="0">
-              <a:solidFill>
-                <a:schemeClr val="tx1"/>
-              </a:solidFill>
-              <a:effectLst/>
-              <a:latin typeface="+mn-lt"/>
-              <a:ea typeface="+mn-ea"/>
-              <a:cs typeface="+mn-cs"/>
-            </a:endParaRPr>
+              <a:t>This has the benefit of isolating applications from each other, on both the scheduling side (each driver schedules its own tasks) and executor side (tasks from different applications run in different JVMs). </a:t>
+            </a:r>
           </a:p>
           <a:p>
             <a:pPr marL="628650" lvl="1" indent="-171450">
               <a:buFont typeface="Arial" panose="020B0604020202020204" pitchFamily="34" charset="0"/>
               <a:buChar char="•"/>
             </a:pPr>
-            <a:r>
-              <a:rPr lang="en-US" sz="1200" b="0" i="0" kern="1200" dirty="0" smtClean="0">
-                <a:solidFill>
-                  <a:schemeClr val="tx1"/>
-                </a:solidFill>
-                <a:effectLst/>
-                <a:latin typeface="+mn-lt"/>
-                <a:ea typeface="+mn-ea"/>
-                <a:cs typeface="+mn-cs"/>
-              </a:rPr>
-              <a:t>However</a:t>
-            </a:r>
             <a:r>
               <a:rPr lang="en-US" sz="1200" b="0" i="0" kern="1200" dirty="0">
                 <a:solidFill>
@@ -5896,7 +6063,7 @@
                 <a:ea typeface="+mn-ea"/>
                 <a:cs typeface="+mn-cs"/>
               </a:rPr>
-              <a:t>, it also means that data cannot be shared across different Spark applications (instances of </a:t>
+              <a:t>However, it also means that data cannot be shared across different Spark applications (instances of </a:t>
             </a:r>
             <a:r>
               <a:rPr lang="en-US" sz="1200" b="0" i="0" kern="1200" dirty="0" err="1">
@@ -5998,43 +6165,7 @@
                 <a:ea typeface="+mn-ea"/>
                 <a:cs typeface="+mn-cs"/>
               </a:rPr>
-              <a:t>Because the driver schedules tasks on the cluster, it should be run close to the worker nodes, preferably on the same local area network. If </a:t>
-            </a:r>
-            <a:r>
-              <a:rPr lang="en-US" sz="1200" b="0" i="0" kern="1200" dirty="0" smtClean="0">
-                <a:solidFill>
-                  <a:schemeClr val="tx1"/>
-                </a:solidFill>
-                <a:effectLst/>
-                <a:latin typeface="+mn-lt"/>
-                <a:ea typeface="+mn-ea"/>
-                <a:cs typeface="+mn-cs"/>
-              </a:rPr>
-              <a:t>requests are to be sent to </a:t>
-            </a:r>
-            <a:r>
-              <a:rPr lang="en-US" sz="1200" b="0" i="0" kern="1200" dirty="0">
-                <a:solidFill>
-                  <a:schemeClr val="tx1"/>
-                </a:solidFill>
-                <a:effectLst/>
-                <a:latin typeface="+mn-lt"/>
-                <a:ea typeface="+mn-ea"/>
-                <a:cs typeface="+mn-cs"/>
-              </a:rPr>
-              <a:t>the cluster remotely, it’s better to open an RPC to the driver and have it submit operations from nearby than to run a driver far away from the worker nodes</a:t>
-            </a:r>
-            <a:r>
-              <a:rPr lang="en-US" sz="1200" b="0" i="0" kern="1200" dirty="0" smtClean="0">
-                <a:solidFill>
-                  <a:schemeClr val="tx1"/>
-                </a:solidFill>
-                <a:effectLst/>
-                <a:latin typeface="+mn-lt"/>
-                <a:ea typeface="+mn-ea"/>
-                <a:cs typeface="+mn-cs"/>
-              </a:rPr>
-              <a:t>.</a:t>
+              <a:t>Because the driver schedules tasks on the cluster, it should be run close to the worker nodes, preferably on the same local area network. If requests are to be sent to the cluster remotely, it’s better to open an RPC to the driver and have it submit operations from nearby than to run a driver far away from the worker nodes.</a:t>
             </a:r>
           </a:p>
           <a:p>
@@ -6042,7 +6173,7 @@
               <a:buFont typeface="Arial" panose="020B0604020202020204" pitchFamily="34" charset="0"/>
               <a:buChar char="•"/>
             </a:pPr>
-            <a:endParaRPr lang="en-US" sz="1200" b="0" i="0" kern="1200" dirty="0" smtClean="0">
+            <a:endParaRPr lang="en-US" sz="1200" b="0" i="0" kern="1200" dirty="0">
               <a:solidFill>
                 <a:schemeClr val="tx1"/>
               </a:solidFill>
@@ -6058,7 +6189,7 @@
               <a:buNone/>
             </a:pPr>
             <a:r>
-              <a:rPr lang="en-US" sz="1200" b="1" i="0" kern="1200" dirty="0" smtClean="0">
+              <a:rPr lang="en-US" sz="1200" b="1" i="0" kern="1200" dirty="0">
                 <a:solidFill>
                   <a:schemeClr val="tx1"/>
                 </a:solidFill>
@@ -6089,22 +6220,22 @@
               <a:defRPr/>
             </a:pPr>
             <a:r>
-              <a:rPr lang="en-US" altLang="ko-KR" dirty="0" smtClean="0"/>
+              <a:rPr lang="en-US" altLang="ko-KR" dirty="0"/>
               <a:t>https://</a:t>
             </a:r>
             <a:r>
-              <a:rPr lang="en-US" altLang="ko-KR" dirty="0" err="1" smtClean="0"/>
+              <a:rPr lang="en-US" altLang="ko-KR" dirty="0" err="1"/>
               <a:t>spark.apache.org</a:t>
             </a:r>
             <a:r>
-              <a:rPr lang="en-US" altLang="ko-KR" dirty="0" smtClean="0"/>
+              <a:rPr lang="en-US" altLang="ko-KR" dirty="0"/>
               <a:t>/docs/latest/cluster-</a:t>
             </a:r>
             <a:r>
-              <a:rPr lang="en-US" altLang="ko-KR" dirty="0" err="1" smtClean="0"/>
+              <a:rPr lang="en-US" altLang="ko-KR" dirty="0" err="1"/>
               <a:t>overview.html</a:t>
             </a:r>
-            <a:endParaRPr lang="en-US" altLang="ko-KR" dirty="0" smtClean="0"/>
+            <a:endParaRPr lang="en-US" altLang="ko-KR" dirty="0"/>
           </a:p>
         </p:txBody>
       </p:sp>
@@ -6207,10 +6338,10 @@
               <a:defRPr/>
             </a:pPr>
             <a:r>
-              <a:rPr lang="en-US" altLang="ko-KR" b="1" dirty="0" smtClean="0"/>
+              <a:rPr lang="en-US" altLang="ko-KR" b="1" dirty="0"/>
               <a:t>Notes:</a:t>
             </a:r>
-            <a:endParaRPr lang="en-US" altLang="ko-KR" b="0" dirty="0" smtClean="0"/>
+            <a:endParaRPr lang="en-US" altLang="ko-KR" b="0" dirty="0"/>
           </a:p>
           <a:p>
             <a:pPr marL="0" marR="0" lvl="0" indent="0" algn="l" defTabSz="914400" rtl="0" eaLnBrk="1" fontAlgn="auto" latinLnBrk="0" hangingPunct="1">
@@ -6231,7 +6362,7 @@
               <a:defRPr/>
             </a:pPr>
             <a:r>
-              <a:rPr lang="en-US" dirty="0" smtClean="0"/>
+              <a:rPr lang="en-US" dirty="0"/>
               <a:t> The closure is comprised of those variables and methods which must be visible for the executor to perform its computation.</a:t>
             </a:r>
           </a:p>
@@ -6254,7 +6385,7 @@
               <a:defRPr/>
             </a:pPr>
             <a:r>
-              <a:rPr lang="en-US" dirty="0" smtClean="0"/>
+              <a:rPr lang="en-US" dirty="0"/>
               <a:t> Closures are serialized and sent to each executor.</a:t>
             </a:r>
           </a:p>
@@ -6277,7 +6408,7 @@
               <a:defRPr/>
             </a:pPr>
             <a:r>
-              <a:rPr lang="en-US" dirty="0" smtClean="0"/>
+              <a:rPr lang="en-US" dirty="0"/>
               <a:t> Variables sent within the closure are now copies and not globally visible.</a:t>
             </a:r>
           </a:p>
@@ -6299,7 +6430,7 @@
               <a:tabLst/>
               <a:defRPr/>
             </a:pPr>
-            <a:endParaRPr lang="en-US" altLang="ko-KR" b="1" dirty="0" smtClean="0"/>
+            <a:endParaRPr lang="en-US" altLang="ko-KR" b="1" dirty="0"/>
           </a:p>
           <a:p>
             <a:pPr marL="0" marR="0" lvl="0" indent="0" algn="l" defTabSz="914400" rtl="0" eaLnBrk="1" fontAlgn="auto" latinLnBrk="0" hangingPunct="1">
@@ -6319,7 +6450,7 @@
               <a:tabLst/>
               <a:defRPr/>
             </a:pPr>
-            <a:endParaRPr lang="en-US" altLang="ko-KR" b="1" dirty="0" smtClean="0"/>
+            <a:endParaRPr lang="en-US" altLang="ko-KR" b="1" dirty="0"/>
           </a:p>
           <a:p>
             <a:pPr marL="0" marR="0" lvl="0" indent="0" algn="l" defTabSz="914400" rtl="0" eaLnBrk="1" fontAlgn="auto" latinLnBrk="0" hangingPunct="1">
@@ -6340,11 +6471,11 @@
               <a:defRPr/>
             </a:pPr>
             <a:r>
-              <a:rPr lang="en-US" altLang="ko-KR" b="1" dirty="0" smtClean="0"/>
+              <a:rPr lang="en-US" altLang="ko-KR" b="1" dirty="0"/>
               <a:t>References</a:t>
             </a:r>
             <a:r>
-              <a:rPr lang="en-US" altLang="ko-KR" dirty="0" smtClean="0"/>
+              <a:rPr lang="en-US" altLang="ko-KR" dirty="0"/>
               <a:t>: </a:t>
             </a:r>
           </a:p>
@@ -6367,12 +6498,8 @@
               <a:defRPr/>
             </a:pPr>
             <a:r>
-              <a:rPr lang="en-US" altLang="ko-KR" dirty="0" smtClean="0"/>
-              <a:t>https</a:t>
-            </a:r>
-            <a:r>
               <a:rPr lang="en-US" altLang="ko-KR" dirty="0"/>
-              <a:t>://spark.apache.org/docs/latest/programming-guide.html#overview</a:t>
+              <a:t>https://spark.apache.org/docs/latest/programming-guide.html#overview</a:t>
             </a:r>
           </a:p>
           <a:p>
@@ -6500,7 +6627,11 @@
             </a:pPr>
             <a:r>
               <a:rPr lang="en-US" altLang="ko-KR" b="1" dirty="0" smtClean="0"/>
-              <a:t>Notes:</a:t>
+              <a:t>Notes</a:t>
+            </a:r>
+            <a:r>
+              <a:rPr lang="en-US" altLang="ko-KR" b="1" dirty="0"/>
+              <a:t>:</a:t>
             </a:r>
           </a:p>
           <a:p>
@@ -6522,14 +6653,14 @@
               <a:defRPr/>
             </a:pPr>
             <a:r>
-              <a:rPr lang="en-US" altLang="ko-KR" b="0" dirty="0" smtClean="0"/>
+              <a:rPr lang="en-US" altLang="ko-KR" b="0" dirty="0"/>
               <a:t>Resilient</a:t>
             </a:r>
             <a:r>
-              <a:rPr lang="en-US" altLang="ko-KR" b="0" baseline="0" dirty="0" smtClean="0"/>
+              <a:rPr lang="en-US" altLang="ko-KR" b="0" baseline="0" dirty="0"/>
               <a:t> Distributed Data Sets</a:t>
             </a:r>
-            <a:endParaRPr lang="en-US" altLang="ko-KR" b="0" dirty="0" smtClean="0"/>
+            <a:endParaRPr lang="en-US" altLang="ko-KR" b="0" dirty="0"/>
           </a:p>
           <a:p>
             <a:pPr marL="628650" marR="0" lvl="1" indent="-171450" algn="l" defTabSz="914400" rtl="0" eaLnBrk="1" fontAlgn="auto" latinLnBrk="0" hangingPunct="1">
@@ -6550,7 +6681,7 @@
               <a:defRPr/>
             </a:pPr>
             <a:r>
-              <a:rPr lang="en-US" altLang="ko-KR" dirty="0" smtClean="0"/>
+              <a:rPr lang="en-US" altLang="ko-KR" dirty="0"/>
               <a:t>Spark programs are written as operations on distributed datasets.</a:t>
             </a:r>
           </a:p>
@@ -6573,11 +6704,11 @@
               <a:defRPr/>
             </a:pPr>
             <a:r>
-              <a:rPr lang="en-US" altLang="ko-KR" dirty="0" smtClean="0"/>
+              <a:rPr lang="en-US" altLang="ko-KR" dirty="0"/>
               <a:t>Datasets are stored either in memory or</a:t>
             </a:r>
             <a:r>
-              <a:rPr lang="en-US" altLang="ko-KR" baseline="0" dirty="0" smtClean="0"/>
+              <a:rPr lang="en-US" altLang="ko-KR" baseline="0" dirty="0"/>
               <a:t> on disk.</a:t>
             </a:r>
           </a:p>
@@ -6600,7 +6731,7 @@
               <a:defRPr/>
             </a:pPr>
             <a:r>
-              <a:rPr lang="en-US" altLang="ko-KR" baseline="0" dirty="0" smtClean="0"/>
+              <a:rPr lang="en-US" altLang="ko-KR" baseline="0" dirty="0"/>
               <a:t>Once datasets are created, they persist in either memory or on disk.</a:t>
             </a:r>
           </a:p>
@@ -6623,7 +6754,7 @@
               <a:defRPr/>
             </a:pPr>
             <a:r>
-              <a:rPr lang="en-US" altLang="ko-KR" baseline="0" dirty="0" smtClean="0"/>
+              <a:rPr lang="en-US" altLang="ko-KR" baseline="0" dirty="0"/>
               <a:t>RDDs are automatically recreated upon machine failure</a:t>
             </a:r>
           </a:p>
@@ -6646,7 +6777,7 @@
               <a:defRPr/>
             </a:pPr>
             <a:r>
-              <a:rPr lang="en-US" altLang="ko-KR" b="0" baseline="0" dirty="0" smtClean="0"/>
+              <a:rPr lang="en-US" altLang="ko-KR" b="0" baseline="0" dirty="0"/>
               <a:t>Broadcast Variables:</a:t>
             </a:r>
           </a:p>
@@ -6669,7 +6800,7 @@
               <a:defRPr/>
             </a:pPr>
             <a:r>
-              <a:rPr lang="en-US" altLang="ko-KR" sz="1200" dirty="0" smtClean="0">
+              <a:rPr lang="en-US" altLang="ko-KR" sz="1200" dirty="0">
                 <a:solidFill>
                   <a:srgbClr val="000000"/>
                 </a:solidFill>
@@ -6696,7 +6827,7 @@
               <a:defRPr/>
             </a:pPr>
             <a:r>
-              <a:rPr lang="en-US" altLang="ko-KR" b="0" dirty="0" smtClean="0"/>
+              <a:rPr lang="en-US" altLang="ko-KR" b="0" dirty="0"/>
               <a:t>Accumulators:</a:t>
             </a:r>
           </a:p>
@@ -6719,14 +6850,14 @@
               <a:defRPr/>
             </a:pPr>
             <a:r>
-              <a:rPr lang="en-US" altLang="ko-KR" sz="1200" dirty="0" smtClean="0">
+              <a:rPr lang="en-US" altLang="ko-KR" sz="1200" dirty="0">
                 <a:solidFill>
                   <a:srgbClr val="000000"/>
                 </a:solidFill>
               </a:rPr>
               <a:t>variables that are only “added” to such as counters or sum</a:t>
             </a:r>
-            <a:endParaRPr lang="en-US" altLang="ko-KR" b="0" dirty="0" smtClean="0"/>
+            <a:endParaRPr lang="en-US" altLang="ko-KR" b="0" dirty="0"/>
           </a:p>
           <a:p>
             <a:pPr marL="0" marR="0" lvl="0" indent="0" algn="l" defTabSz="914400" rtl="0" eaLnBrk="1" fontAlgn="auto" latinLnBrk="0" hangingPunct="1">
@@ -6746,7 +6877,7 @@
               <a:tabLst/>
               <a:defRPr/>
             </a:pPr>
-            <a:endParaRPr lang="en-US" altLang="ko-KR" b="0" dirty="0" smtClean="0"/>
+            <a:endParaRPr lang="en-US" altLang="ko-KR" b="0" dirty="0"/>
           </a:p>
           <a:p>
             <a:pPr marL="0" marR="0" lvl="0" indent="0" algn="l" defTabSz="914400" rtl="0" eaLnBrk="1" fontAlgn="auto" latinLnBrk="0" hangingPunct="1">
@@ -6767,11 +6898,11 @@
               <a:defRPr/>
             </a:pPr>
             <a:r>
-              <a:rPr lang="en-US" altLang="ko-KR" b="1" dirty="0" smtClean="0"/>
+              <a:rPr lang="en-US" altLang="ko-KR" b="1" dirty="0"/>
               <a:t>References</a:t>
             </a:r>
             <a:r>
-              <a:rPr lang="en-US" altLang="ko-KR" dirty="0" smtClean="0"/>
+              <a:rPr lang="en-US" altLang="ko-KR" dirty="0"/>
               <a:t>:  </a:t>
             </a:r>
           </a:p>
@@ -6794,20 +6925,12 @@
               <a:defRPr/>
             </a:pPr>
             <a:r>
-              <a:rPr lang="en-US" altLang="ko-KR" dirty="0" smtClean="0"/>
-              <a:t>https</a:t>
-            </a:r>
-            <a:r>
               <a:rPr lang="en-US" altLang="ko-KR" dirty="0"/>
-              <a:t>://spark.apache.org/docs/latest/</a:t>
+              <a:t>https://spark.apache.org/docs/latest/</a:t>
             </a:r>
             <a:r>
               <a:rPr lang="en-US" altLang="ko-KR" dirty="0" err="1"/>
-              <a:t>programming-guide.html#</a:t>
-            </a:r>
-            <a:r>
-              <a:rPr lang="en-US" altLang="ko-KR" dirty="0" err="1" smtClean="0"/>
-              <a:t>overview</a:t>
+              <a:t>programming-guide.html#overview</a:t>
             </a:r>
             <a:endParaRPr lang="en-US" altLang="ko-KR" dirty="0"/>
           </a:p>
@@ -6998,7 +7121,7 @@
             <a:fld id="{0459C166-16D3-4A25-A2F8-C51E0E346B22}" type="datetimeFigureOut">
               <a:rPr lang="en-US" smtClean="0"/>
               <a:pPr/>
-              <a:t>6/8/16</a:t>
+              <a:t>6/29/16</a:t>
             </a:fld>
             <a:endParaRPr lang="en-US"/>
           </a:p>
@@ -7364,7 +7487,7 @@
             <a:fld id="{0459C166-16D3-4A25-A2F8-C51E0E346B22}" type="datetimeFigureOut">
               <a:rPr lang="en-US" smtClean="0"/>
               <a:pPr/>
-              <a:t>6/8/16</a:t>
+              <a:t>6/29/16</a:t>
             </a:fld>
             <a:endParaRPr lang="en-US"/>
           </a:p>
@@ -7483,7 +7606,7 @@
             <a:fld id="{0459C166-16D3-4A25-A2F8-C51E0E346B22}" type="datetimeFigureOut">
               <a:rPr lang="en-US" smtClean="0"/>
               <a:pPr/>
-              <a:t>6/8/16</a:t>
+              <a:t>6/29/16</a:t>
             </a:fld>
             <a:endParaRPr lang="en-US"/>
           </a:p>
@@ -7580,7 +7703,7 @@
             <a:fld id="{0459C166-16D3-4A25-A2F8-C51E0E346B22}" type="datetimeFigureOut">
               <a:rPr lang="en-US" smtClean="0"/>
               <a:pPr/>
-              <a:t>6/8/16</a:t>
+              <a:t>6/29/16</a:t>
             </a:fld>
             <a:endParaRPr lang="en-US"/>
           </a:p>
@@ -7857,7 +7980,7 @@
             <a:fld id="{0459C166-16D3-4A25-A2F8-C51E0E346B22}" type="datetimeFigureOut">
               <a:rPr lang="en-US" smtClean="0"/>
               <a:pPr/>
-              <a:t>6/8/16</a:t>
+              <a:t>6/29/16</a:t>
             </a:fld>
             <a:endParaRPr lang="en-US"/>
           </a:p>
@@ -8111,7 +8234,7 @@
             <a:fld id="{0459C166-16D3-4A25-A2F8-C51E0E346B22}" type="datetimeFigureOut">
               <a:rPr lang="en-US" smtClean="0"/>
               <a:pPr/>
-              <a:t>6/8/16</a:t>
+              <a:t>6/29/16</a:t>
             </a:fld>
             <a:endParaRPr lang="en-US"/>
           </a:p>
@@ -8281,7 +8404,7 @@
             <a:fld id="{0459C166-16D3-4A25-A2F8-C51E0E346B22}" type="datetimeFigureOut">
               <a:rPr lang="en-US" smtClean="0"/>
               <a:pPr/>
-              <a:t>6/8/16</a:t>
+              <a:t>6/29/16</a:t>
             </a:fld>
             <a:endParaRPr lang="en-US"/>
           </a:p>
@@ -8461,7 +8584,7 @@
             <a:fld id="{0459C166-16D3-4A25-A2F8-C51E0E346B22}" type="datetimeFigureOut">
               <a:rPr lang="en-US" smtClean="0"/>
               <a:pPr/>
-              <a:t>6/8/16</a:t>
+              <a:t>6/29/16</a:t>
             </a:fld>
             <a:endParaRPr lang="en-US"/>
           </a:p>
@@ -8631,7 +8754,7 @@
             <a:fld id="{0459C166-16D3-4A25-A2F8-C51E0E346B22}" type="datetimeFigureOut">
               <a:rPr lang="en-US" smtClean="0"/>
               <a:pPr/>
-              <a:t>6/8/16</a:t>
+              <a:t>6/29/16</a:t>
             </a:fld>
             <a:endParaRPr lang="en-US"/>
           </a:p>
@@ -8896,7 +9019,7 @@
             <a:fld id="{0459C166-16D3-4A25-A2F8-C51E0E346B22}" type="datetimeFigureOut">
               <a:rPr lang="en-US" smtClean="0"/>
               <a:pPr/>
-              <a:t>6/8/16</a:t>
+              <a:t>6/29/16</a:t>
             </a:fld>
             <a:endParaRPr lang="en-US"/>
           </a:p>
@@ -9213,7 +9336,7 @@
             <a:fld id="{0459C166-16D3-4A25-A2F8-C51E0E346B22}" type="datetimeFigureOut">
               <a:rPr lang="en-US" smtClean="0"/>
               <a:pPr/>
-              <a:t>6/8/16</a:t>
+              <a:t>6/29/16</a:t>
             </a:fld>
             <a:endParaRPr lang="en-US"/>
           </a:p>
@@ -9492,7 +9615,7 @@
             <a:fld id="{0459C166-16D3-4A25-A2F8-C51E0E346B22}" type="datetimeFigureOut">
               <a:rPr lang="en-US" smtClean="0"/>
               <a:pPr/>
-              <a:t>6/8/16</a:t>
+              <a:t>6/29/16</a:t>
             </a:fld>
             <a:endParaRPr lang="en-US"/>
           </a:p>
@@ -10481,7 +10604,7 @@
             <a:fld id="{0459C166-16D3-4A25-A2F8-C51E0E346B22}" type="datetimeFigureOut">
               <a:rPr lang="en-US" smtClean="0"/>
               <a:pPr/>
-              <a:t>6/8/16</a:t>
+              <a:t>6/29/16</a:t>
             </a:fld>
             <a:endParaRPr lang="en-US"/>
           </a:p>
@@ -10694,7 +10817,7 @@
             <a:fld id="{0459C166-16D3-4A25-A2F8-C51E0E346B22}" type="datetimeFigureOut">
               <a:rPr lang="en-US" smtClean="0"/>
               <a:pPr/>
-              <a:t>6/8/16</a:t>
+              <a:t>6/29/16</a:t>
             </a:fld>
             <a:endParaRPr lang="en-US"/>
           </a:p>
@@ -11149,17 +11272,8 @@
             <a:pPr fontAlgn="base"/>
             <a:r>
               <a:rPr lang="en-US" dirty="0"/>
-              <a:t>Module 5, Lesson </a:t>
-            </a:r>
-            <a:r>
-              <a:rPr lang="en-US" dirty="0"/>
-              <a:t>2</a:t>
-            </a:r>
-            <a:r>
-              <a:rPr lang="en-US" dirty="0" smtClean="0"/>
-              <a:t>:</a:t>
-            </a:r>
-            <a:endParaRPr lang="en-US" dirty="0"/>
+              <a:t>Module 5, Lesson 2:</a:t>
+            </a:r>
           </a:p>
           <a:p>
             <a:pPr fontAlgn="base"/>
@@ -11220,74 +11334,6 @@
           <a:bodyPr/>
           <a:lstStyle/>
           <a:p>
-            <a:endParaRPr lang="en-US" dirty="0"/>
-          </a:p>
-        </p:txBody>
-      </p:sp>
-      <p:sp>
-        <p:nvSpPr>
-          <p:cNvPr id="3" name="Content Placeholder 2"/>
-          <p:cNvSpPr>
-            <a:spLocks noGrp="1"/>
-          </p:cNvSpPr>
-          <p:nvPr>
-            <p:ph idx="1"/>
-          </p:nvPr>
-        </p:nvSpPr>
-        <p:spPr/>
-        <p:txBody>
-          <a:bodyPr/>
-          <a:lstStyle/>
-          <a:p>
-            <a:endParaRPr lang="en-US" dirty="0"/>
-          </a:p>
-        </p:txBody>
-      </p:sp>
-    </p:spTree>
-    <p:extLst>
-      <p:ext uri="{BB962C8B-B14F-4D97-AF65-F5344CB8AC3E}">
-        <p14:creationId xmlns:p14="http://schemas.microsoft.com/office/powerpoint/2010/main" val="1551533816"/>
-      </p:ext>
-    </p:extLst>
-  </p:cSld>
-  <p:clrMapOvr>
-    <a:masterClrMapping/>
-  </p:clrMapOvr>
-</p:sld>
-</file>
-
-<file path=ppt/slides/slide11.xml><?xml version="1.0" encoding="utf-8"?>
-<p:sld xmlns:a="http://schemas.openxmlformats.org/drawingml/2006/main" xmlns:r="http://schemas.openxmlformats.org/officeDocument/2006/relationships" xmlns:p="http://schemas.openxmlformats.org/presentationml/2006/main">
-  <p:cSld>
-    <p:spTree>
-      <p:nvGrpSpPr>
-        <p:cNvPr id="1" name=""/>
-        <p:cNvGrpSpPr/>
-        <p:nvPr/>
-      </p:nvGrpSpPr>
-      <p:grpSpPr>
-        <a:xfrm>
-          <a:off x="0" y="0"/>
-          <a:ext cx="0" cy="0"/>
-          <a:chOff x="0" y="0"/>
-          <a:chExt cx="0" cy="0"/>
-        </a:xfrm>
-      </p:grpSpPr>
-      <p:sp>
-        <p:nvSpPr>
-          <p:cNvPr id="2" name="Title 1"/>
-          <p:cNvSpPr>
-            <a:spLocks noGrp="1"/>
-          </p:cNvSpPr>
-          <p:nvPr>
-            <p:ph type="title"/>
-          </p:nvPr>
-        </p:nvSpPr>
-        <p:spPr/>
-        <p:txBody>
-          <a:bodyPr/>
-          <a:lstStyle/>
-          <a:p>
             <a:r>
               <a:rPr lang="en-US" dirty="0"/>
               <a:t>Spark Fundamentals</a:t>
@@ -11324,17 +11370,10 @@
   <p:clrMapOvr>
     <a:masterClrMapping/>
   </p:clrMapOvr>
-  <p:timing>
-    <p:tnLst>
-      <p:par>
-        <p:cTn xmlns:p14="http://schemas.microsoft.com/office/powerpoint/2010/main" id="1" dur="indefinite" restart="never" nodeType="tmRoot"/>
-      </p:par>
-    </p:tnLst>
-  </p:timing>
 </p:sld>
 </file>
 
-<file path=ppt/slides/slide12.xml><?xml version="1.0" encoding="utf-8"?>
+<file path=ppt/slides/slide11.xml><?xml version="1.0" encoding="utf-8"?>
 <p:sld xmlns:a="http://schemas.openxmlformats.org/drawingml/2006/main" xmlns:r="http://schemas.openxmlformats.org/officeDocument/2006/relationships" xmlns:p="http://schemas.openxmlformats.org/presentationml/2006/main">
   <p:cSld>
     <p:spTree>
@@ -11402,16 +11441,8 @@
               <a:buChar char="§"/>
             </a:pPr>
             <a:r>
-              <a:rPr lang="en-US" dirty="0" smtClean="0"/>
-              <a:t>Partitioned </a:t>
-            </a:r>
-            <a:r>
               <a:rPr lang="en-US" dirty="0"/>
-              <a:t>and distributed across computing </a:t>
-            </a:r>
-            <a:r>
-              <a:rPr lang="en-US" dirty="0" smtClean="0"/>
-              <a:t>cluster</a:t>
+              <a:t>Partitioned and distributed across computing cluster</a:t>
             </a:r>
           </a:p>
           <a:p>
@@ -11420,7 +11451,7 @@
               <a:buChar char="§"/>
             </a:pPr>
             <a:r>
-              <a:rPr lang="en-US" dirty="0" smtClean="0"/>
+              <a:rPr lang="en-US" dirty="0"/>
               <a:t>Collection of objects</a:t>
             </a:r>
           </a:p>
@@ -11430,7 +11461,7 @@
               <a:buChar char="§"/>
             </a:pPr>
             <a:r>
-              <a:rPr lang="en-US" dirty="0" smtClean="0"/>
+              <a:rPr lang="en-US" dirty="0"/>
               <a:t>Resilient</a:t>
             </a:r>
           </a:p>
@@ -11495,7 +11526,7 @@
                 <a:defRPr/>
               </a:pPr>
               <a:r>
-                <a:rPr lang="en-US" sz="2800" kern="0" dirty="0" smtClean="0">
+                <a:rPr lang="en-US" sz="2800" kern="0" dirty="0">
                   <a:solidFill>
                     <a:prstClr val="white"/>
                   </a:solidFill>
@@ -11718,17 +11749,10 @@
   <p:clrMapOvr>
     <a:masterClrMapping/>
   </p:clrMapOvr>
-  <p:timing>
-    <p:tnLst>
-      <p:par>
-        <p:cTn xmlns:p14="http://schemas.microsoft.com/office/powerpoint/2010/main" id="1" dur="indefinite" restart="never" nodeType="tmRoot"/>
-      </p:par>
-    </p:tnLst>
-  </p:timing>
 </p:sld>
 </file>
 
-<file path=ppt/slides/slide13.xml><?xml version="1.0" encoding="utf-8"?>
+<file path=ppt/slides/slide12.xml><?xml version="1.0" encoding="utf-8"?>
 <p:sld xmlns:a="http://schemas.openxmlformats.org/drawingml/2006/main" xmlns:r="http://schemas.openxmlformats.org/officeDocument/2006/relationships" xmlns:p="http://schemas.openxmlformats.org/presentationml/2006/main">
   <p:cSld>
     <p:spTree>
@@ -12029,15 +12053,7 @@
               <a:pPr algn="l"/>
               <a:r>
                 <a:rPr lang="en-US" altLang="ko-KR" i="0" dirty="0"/>
-                <a:t>Spark programs consist of two </a:t>
-              </a:r>
-              <a:r>
-                <a:rPr lang="en-US" altLang="ko-KR" i="0" dirty="0" smtClean="0"/>
-                <a:t>programs: The </a:t>
-              </a:r>
-              <a:r>
-                <a:rPr lang="en-US" altLang="ko-KR" i="0" dirty="0"/>
-                <a:t>driver and worker</a:t>
+                <a:t>Spark programs consist of two programs: The driver and worker</a:t>
               </a:r>
             </a:p>
           </p:txBody>
@@ -12051,7 +12067,7 @@
         </p:nvGrpSpPr>
         <p:grpSpPr>
           <a:xfrm>
-            <a:off x="1921646" y="2973036"/>
+            <a:off x="2720590" y="2890444"/>
             <a:ext cx="6750820" cy="3884964"/>
             <a:chOff x="1921646" y="2973036"/>
             <a:chExt cx="6750820" cy="3884964"/>
@@ -12102,18 +12118,13 @@
             <a:p>
               <a:pPr algn="ctr"/>
               <a:r>
-                <a:rPr lang="en-US" dirty="0" smtClean="0">
+                <a:rPr lang="en-US" dirty="0">
                   <a:solidFill>
                     <a:schemeClr val="bg1"/>
                   </a:solidFill>
                 </a:rPr>
                 <a:t>Storage</a:t>
               </a:r>
-              <a:endParaRPr lang="en-US" dirty="0">
-                <a:solidFill>
-                  <a:schemeClr val="bg1"/>
-                </a:solidFill>
-              </a:endParaRPr>
             </a:p>
           </p:txBody>
         </p:sp>
@@ -12869,17 +12880,10 @@
   <p:clrMapOvr>
     <a:masterClrMapping/>
   </p:clrMapOvr>
-  <p:timing>
-    <p:tnLst>
-      <p:par>
-        <p:cTn xmlns:p14="http://schemas.microsoft.com/office/powerpoint/2010/main" id="1" dur="indefinite" restart="never" nodeType="tmRoot"/>
-      </p:par>
-    </p:tnLst>
-  </p:timing>
 </p:sld>
 </file>
 
-<file path=ppt/slides/slide14.xml><?xml version="1.0" encoding="utf-8"?>
+<file path=ppt/slides/slide13.xml><?xml version="1.0" encoding="utf-8"?>
 <p:sld xmlns:a="http://schemas.openxmlformats.org/drawingml/2006/main" xmlns:r="http://schemas.openxmlformats.org/officeDocument/2006/relationships" xmlns:p="http://schemas.openxmlformats.org/presentationml/2006/main">
   <p:cSld>
     <p:spTree>
@@ -12947,23 +12951,23 @@
               <a:buChar char="§"/>
             </a:pPr>
             <a:r>
-              <a:rPr lang="en-US" dirty="0" smtClean="0"/>
+              <a:rPr lang="en-US" dirty="0"/>
               <a:t>Created automatically in interfaces such as </a:t>
             </a:r>
             <a:r>
-              <a:rPr lang="en-US" dirty="0" err="1" smtClean="0"/>
+              <a:rPr lang="en-US" dirty="0" err="1"/>
               <a:t>pySpark</a:t>
             </a:r>
             <a:r>
-              <a:rPr lang="en-US" dirty="0" smtClean="0"/>
+              <a:rPr lang="en-US" dirty="0"/>
               <a:t> shell or </a:t>
             </a:r>
             <a:r>
-              <a:rPr lang="en-US" dirty="0" err="1" smtClean="0"/>
+              <a:rPr lang="en-US" dirty="0" err="1"/>
               <a:t>Databricks</a:t>
             </a:r>
             <a:r>
-              <a:rPr lang="en-US" dirty="0" smtClean="0"/>
+              <a:rPr lang="en-US" dirty="0"/>
               <a:t> Cloud</a:t>
             </a:r>
           </a:p>
@@ -12973,7 +12977,7 @@
               <a:buChar char="§"/>
             </a:pPr>
             <a:r>
-              <a:rPr lang="en-US" dirty="0" smtClean="0"/>
+              <a:rPr lang="en-US" dirty="0"/>
               <a:t>Constructor may sometimes be required to create new SC</a:t>
             </a:r>
           </a:p>
@@ -13238,12 +13242,8 @@
             <a:p>
               <a:pPr algn="l"/>
               <a:r>
-                <a:rPr lang="en-US" altLang="ko-KR" i="0" dirty="0" smtClean="0"/>
-                <a:t>Context </a:t>
-              </a:r>
-              <a:r>
                 <a:rPr lang="en-US" altLang="ko-KR" i="0" dirty="0"/>
-                <a:t>object is the primary object for working with Spark</a:t>
+                <a:t>Context object is the primary object for working with Spark</a:t>
               </a:r>
             </a:p>
           </p:txBody>
@@ -13259,17 +13259,10 @@
   <p:clrMapOvr>
     <a:masterClrMapping/>
   </p:clrMapOvr>
-  <p:timing>
-    <p:tnLst>
-      <p:par>
-        <p:cTn xmlns:p14="http://schemas.microsoft.com/office/powerpoint/2010/main" id="1" dur="indefinite" restart="never" nodeType="tmRoot"/>
-      </p:par>
-    </p:tnLst>
-  </p:timing>
 </p:sld>
 </file>
 
-<file path=ppt/slides/slide15.xml><?xml version="1.0" encoding="utf-8"?>
+<file path=ppt/slides/slide14.xml><?xml version="1.0" encoding="utf-8"?>
 <p:sld xmlns:a="http://schemas.openxmlformats.org/drawingml/2006/main" xmlns:r="http://schemas.openxmlformats.org/officeDocument/2006/relationships" xmlns:p="http://schemas.openxmlformats.org/presentationml/2006/main">
   <p:cSld>
     <p:spTree>
@@ -13343,19 +13336,7 @@
             </a:pPr>
             <a:r>
               <a:rPr lang="en-US" dirty="0"/>
-              <a:t>Create </a:t>
-            </a:r>
-            <a:r>
-              <a:rPr lang="en-US" dirty="0" smtClean="0"/>
-              <a:t>RDD </a:t>
-            </a:r>
-            <a:r>
-              <a:rPr lang="en-US" dirty="0"/>
-              <a:t>from </a:t>
-            </a:r>
-            <a:r>
-              <a:rPr lang="en-US" dirty="0" smtClean="0"/>
-              <a:t>data source</a:t>
+              <a:t>Create RDD from data source</a:t>
             </a:r>
           </a:p>
           <a:p>
@@ -13364,16 +13345,8 @@
               <a:buChar char="§"/>
             </a:pPr>
             <a:r>
-              <a:rPr lang="en-US" dirty="0" smtClean="0"/>
-              <a:t>Apply </a:t>
-            </a:r>
-            <a:r>
               <a:rPr lang="en-US" dirty="0"/>
-              <a:t>transformation, altering the </a:t>
-            </a:r>
-            <a:r>
-              <a:rPr lang="en-US" dirty="0" smtClean="0"/>
-              <a:t>RDD</a:t>
+              <a:t>Apply transformation, altering the RDD</a:t>
             </a:r>
           </a:p>
           <a:p>
@@ -13382,18 +13355,9 @@
               <a:buChar char="§"/>
             </a:pPr>
             <a:r>
-              <a:rPr lang="en-US" dirty="0" smtClean="0"/>
-              <a:t>Apply </a:t>
-            </a:r>
-            <a:r>
               <a:rPr lang="en-US" dirty="0"/>
-              <a:t>action to receive </a:t>
-            </a:r>
-            <a:r>
-              <a:rPr lang="en-US" dirty="0" smtClean="0"/>
-              <a:t>results</a:t>
-            </a:r>
-            <a:endParaRPr lang="en-US" dirty="0"/>
+              <a:t>Apply action to receive results</a:t>
+            </a:r>
           </a:p>
         </p:txBody>
       </p:sp>
@@ -14434,18 +14398,13 @@
               <a:p>
                 <a:pPr algn="ctr"/>
                 <a:r>
-                  <a:rPr lang="en-US" dirty="0" smtClean="0">
+                  <a:rPr lang="en-US" dirty="0">
                     <a:solidFill>
                       <a:schemeClr val="bg1"/>
                     </a:solidFill>
                   </a:rPr>
                   <a:t>RDD’</a:t>
                 </a:r>
-                <a:endParaRPr lang="en-US" dirty="0">
-                  <a:solidFill>
-                    <a:schemeClr val="bg1"/>
-                  </a:solidFill>
-                </a:endParaRPr>
               </a:p>
             </p:txBody>
           </p:sp>
@@ -14622,18 +14581,13 @@
               <a:p>
                 <a:pPr algn="ctr"/>
                 <a:r>
-                  <a:rPr lang="en-US" dirty="0" smtClean="0">
+                  <a:rPr lang="en-US" dirty="0">
                     <a:solidFill>
                       <a:schemeClr val="bg1"/>
                     </a:solidFill>
                   </a:rPr>
                   <a:t>RDD’’</a:t>
                 </a:r>
-                <a:endParaRPr lang="en-US" dirty="0">
-                  <a:solidFill>
-                    <a:schemeClr val="bg1"/>
-                  </a:solidFill>
-                </a:endParaRPr>
               </a:p>
             </p:txBody>
           </p:sp>
@@ -14649,13 +14603,221 @@
   <p:clrMapOvr>
     <a:masterClrMapping/>
   </p:clrMapOvr>
-  <p:timing>
-    <p:tnLst>
-      <p:par>
-        <p:cTn xmlns:p14="http://schemas.microsoft.com/office/powerpoint/2010/main" id="1" dur="indefinite" restart="never" nodeType="tmRoot"/>
-      </p:par>
-    </p:tnLst>
-  </p:timing>
+</p:sld>
+</file>
+
+<file path=ppt/slides/slide15.xml><?xml version="1.0" encoding="utf-8"?>
+<p:sld xmlns:a="http://schemas.openxmlformats.org/drawingml/2006/main" xmlns:r="http://schemas.openxmlformats.org/officeDocument/2006/relationships" xmlns:p="http://schemas.openxmlformats.org/presentationml/2006/main">
+  <p:cSld>
+    <p:spTree>
+      <p:nvGrpSpPr>
+        <p:cNvPr id="1" name=""/>
+        <p:cNvGrpSpPr/>
+        <p:nvPr/>
+      </p:nvGrpSpPr>
+      <p:grpSpPr>
+        <a:xfrm>
+          <a:off x="0" y="0"/>
+          <a:ext cx="0" cy="0"/>
+          <a:chOff x="0" y="0"/>
+          <a:chExt cx="0" cy="0"/>
+        </a:xfrm>
+      </p:grpSpPr>
+      <p:sp>
+        <p:nvSpPr>
+          <p:cNvPr id="5" name="Title 4"/>
+          <p:cNvSpPr>
+            <a:spLocks noGrp="1"/>
+          </p:cNvSpPr>
+          <p:nvPr>
+            <p:ph type="title"/>
+          </p:nvPr>
+        </p:nvSpPr>
+        <p:spPr/>
+        <p:txBody>
+          <a:bodyPr>
+            <a:normAutofit/>
+          </a:bodyPr>
+          <a:lstStyle/>
+          <a:p>
+            <a:r>
+              <a:rPr lang="en-US" sz="4000" dirty="0"/>
+              <a:t>Spark Transformation Examples</a:t>
+            </a:r>
+          </a:p>
+        </p:txBody>
+      </p:sp>
+      <p:sp>
+        <p:nvSpPr>
+          <p:cNvPr id="4" name="Rectangle 3"/>
+          <p:cNvSpPr/>
+          <p:nvPr/>
+        </p:nvSpPr>
+        <p:spPr>
+          <a:xfrm>
+            <a:off x="0" y="1618421"/>
+            <a:ext cx="12192000" cy="2170646"/>
+          </a:xfrm>
+          <a:prstGeom prst="rect">
+            <a:avLst/>
+          </a:prstGeom>
+          <a:solidFill>
+            <a:srgbClr val="0070C0"/>
+          </a:solidFill>
+          <a:ln w="9525" cap="flat" cmpd="sng" algn="ctr">
+            <a:noFill/>
+            <a:prstDash val="solid"/>
+          </a:ln>
+          <a:effectLst/>
+        </p:spPr>
+        <p:txBody>
+          <a:bodyPr rtlCol="0" anchor="ctr"/>
+          <a:lstStyle/>
+          <a:p>
+            <a:pPr marL="0" marR="0" lvl="0" indent="0" algn="ctr" defTabSz="914400" eaLnBrk="1" fontAlgn="auto" latinLnBrk="0" hangingPunct="1">
+              <a:lnSpc>
+                <a:spcPct val="100000"/>
+              </a:lnSpc>
+              <a:spcBef>
+                <a:spcPts val="0"/>
+              </a:spcBef>
+              <a:spcAft>
+                <a:spcPts val="0"/>
+              </a:spcAft>
+              <a:buClrTx/>
+              <a:buSzTx/>
+              <a:buFont typeface="Arial" panose="020B0604020202020204" pitchFamily="34" charset="0"/>
+              <a:buNone/>
+              <a:tabLst/>
+              <a:defRPr/>
+            </a:pPr>
+            <a:endParaRPr kumimoji="0" lang="en-US" sz="4000" i="1" u="none" strike="noStrike" kern="0" cap="none" spc="0" normalizeH="0" baseline="0" noProof="0" dirty="0">
+              <a:ln>
+                <a:noFill/>
+              </a:ln>
+              <a:solidFill>
+                <a:prstClr val="white"/>
+              </a:solidFill>
+              <a:effectLst/>
+              <a:uLnTx/>
+              <a:uFillTx/>
+              <a:latin typeface="+mj-lt"/>
+            </a:endParaRPr>
+          </a:p>
+        </p:txBody>
+      </p:sp>
+      <p:sp>
+        <p:nvSpPr>
+          <p:cNvPr id="10" name="Content Placeholder 9"/>
+          <p:cNvSpPr>
+            <a:spLocks noGrp="1"/>
+          </p:cNvSpPr>
+          <p:nvPr>
+            <p:ph idx="1"/>
+          </p:nvPr>
+        </p:nvSpPr>
+        <p:spPr>
+          <a:xfrm>
+            <a:off x="697170" y="1690689"/>
+            <a:ext cx="11116878" cy="2036430"/>
+          </a:xfrm>
+        </p:spPr>
+        <p:txBody>
+          <a:bodyPr>
+            <a:normAutofit/>
+          </a:bodyPr>
+          <a:lstStyle/>
+          <a:p>
+            <a:pPr>
+              <a:buFont typeface="Wingdings" charset="2"/>
+              <a:buChar char="§"/>
+            </a:pPr>
+            <a:r>
+              <a:rPr lang="en-US" dirty="0">
+                <a:solidFill>
+                  <a:schemeClr val="bg1"/>
+                </a:solidFill>
+              </a:rPr>
+              <a:t>Map(f(x))   	</a:t>
+            </a:r>
+            <a:endParaRPr lang="en-US" sz="800" dirty="0">
+              <a:solidFill>
+                <a:schemeClr val="bg1"/>
+              </a:solidFill>
+            </a:endParaRPr>
+          </a:p>
+          <a:p>
+            <a:pPr>
+              <a:buFont typeface="Wingdings" charset="2"/>
+              <a:buChar char="§"/>
+            </a:pPr>
+            <a:r>
+              <a:rPr lang="en-US" dirty="0">
+                <a:solidFill>
+                  <a:schemeClr val="bg1"/>
+                </a:solidFill>
+              </a:rPr>
+              <a:t>Filter(f(x) = true)</a:t>
+            </a:r>
+            <a:endParaRPr lang="en-US" sz="800" dirty="0">
+              <a:solidFill>
+                <a:schemeClr val="bg1"/>
+              </a:solidFill>
+            </a:endParaRPr>
+          </a:p>
+          <a:p>
+            <a:pPr>
+              <a:buFont typeface="Wingdings" charset="2"/>
+              <a:buChar char="§"/>
+            </a:pPr>
+            <a:r>
+              <a:rPr lang="en-US" dirty="0" err="1">
+                <a:solidFill>
+                  <a:schemeClr val="bg1"/>
+                </a:solidFill>
+              </a:rPr>
+              <a:t>FlatMap</a:t>
+            </a:r>
+            <a:r>
+              <a:rPr lang="en-US" dirty="0">
+                <a:solidFill>
+                  <a:schemeClr val="bg1"/>
+                </a:solidFill>
+              </a:rPr>
+              <a:t>(f(x))	</a:t>
+            </a:r>
+            <a:endParaRPr lang="en-US" sz="800" dirty="0">
+              <a:solidFill>
+                <a:schemeClr val="bg1"/>
+              </a:solidFill>
+            </a:endParaRPr>
+          </a:p>
+          <a:p>
+            <a:pPr>
+              <a:buFont typeface="Wingdings" charset="2"/>
+              <a:buChar char="§"/>
+            </a:pPr>
+            <a:r>
+              <a:rPr lang="en-US" dirty="0">
+                <a:solidFill>
+                  <a:schemeClr val="bg1"/>
+                </a:solidFill>
+              </a:rPr>
+              <a:t>Distinct</a:t>
+            </a:r>
+          </a:p>
+        </p:txBody>
+      </p:sp>
+    </p:spTree>
+    <p:extLst>
+      <p:ext uri="{BB962C8B-B14F-4D97-AF65-F5344CB8AC3E}">
+        <p14:creationId xmlns:p14="http://schemas.microsoft.com/office/powerpoint/2010/main" val="3734079707"/>
+      </p:ext>
+    </p:extLst>
+  </p:cSld>
+  <p:clrMapOvr>
+    <a:masterClrMapping/>
+  </p:clrMapOvr>
 </p:sld>
 </file>
 
@@ -14695,8 +14857,67 @@
           <a:p>
             <a:r>
               <a:rPr lang="en-US" sz="4000" dirty="0"/>
-              <a:t>Spark Transformation Examples</a:t>
-            </a:r>
+              <a:t>Spark Transformation Examples (cont.)</a:t>
+            </a:r>
+          </a:p>
+        </p:txBody>
+      </p:sp>
+      <p:sp>
+        <p:nvSpPr>
+          <p:cNvPr id="4" name="Rectangle 3"/>
+          <p:cNvSpPr/>
+          <p:nvPr/>
+        </p:nvSpPr>
+        <p:spPr>
+          <a:xfrm>
+            <a:off x="0" y="1618421"/>
+            <a:ext cx="12192000" cy="2170646"/>
+          </a:xfrm>
+          <a:prstGeom prst="rect">
+            <a:avLst/>
+          </a:prstGeom>
+          <a:solidFill>
+            <a:srgbClr val="0070C0"/>
+          </a:solidFill>
+          <a:ln w="9525" cap="flat" cmpd="sng" algn="ctr">
+            <a:noFill/>
+            <a:prstDash val="solid"/>
+          </a:ln>
+          <a:effectLst/>
+        </p:spPr>
+        <p:txBody>
+          <a:bodyPr rtlCol="0" anchor="ctr"/>
+          <a:lstStyle/>
+          <a:p>
+            <a:pPr marL="0" marR="0" lvl="0" indent="0" algn="ctr" defTabSz="914400" eaLnBrk="1" fontAlgn="auto" latinLnBrk="0" hangingPunct="1">
+              <a:lnSpc>
+                <a:spcPct val="100000"/>
+              </a:lnSpc>
+              <a:spcBef>
+                <a:spcPts val="0"/>
+              </a:spcBef>
+              <a:spcAft>
+                <a:spcPts val="0"/>
+              </a:spcAft>
+              <a:buClrTx/>
+              <a:buSzTx/>
+              <a:buFont typeface="Arial" panose="020B0604020202020204" pitchFamily="34" charset="0"/>
+              <a:buNone/>
+              <a:tabLst/>
+              <a:defRPr/>
+            </a:pPr>
+            <a:endParaRPr kumimoji="0" lang="en-US" sz="4000" i="1" u="none" strike="noStrike" kern="0" cap="none" spc="0" normalizeH="0" baseline="0" noProof="0" dirty="0">
+              <a:ln>
+                <a:noFill/>
+              </a:ln>
+              <a:solidFill>
+                <a:prstClr val="white"/>
+              </a:solidFill>
+              <a:effectLst/>
+              <a:uLnTx/>
+              <a:uFillTx/>
+              <a:latin typeface="+mj-lt"/>
+            </a:endParaRPr>
           </a:p>
         </p:txBody>
       </p:sp>
@@ -14712,8 +14933,8 @@
         </p:nvSpPr>
         <p:spPr>
           <a:xfrm>
-            <a:off x="697170" y="1690688"/>
-            <a:ext cx="11116878" cy="4859199"/>
+            <a:off x="697170" y="1690689"/>
+            <a:ext cx="11116878" cy="2036430"/>
           </a:xfrm>
         </p:spPr>
         <p:txBody>
@@ -14727,10 +14948,29 @@
               <a:buChar char="§"/>
             </a:pPr>
             <a:r>
-              <a:rPr lang="en-US" dirty="0"/>
-              <a:t>Map(f(x))   	</a:t>
-            </a:r>
-            <a:endParaRPr lang="en-US" sz="800" dirty="0"/>
+              <a:rPr lang="en-US" dirty="0">
+                <a:solidFill>
+                  <a:srgbClr val="FFFFFF"/>
+                </a:solidFill>
+              </a:rPr>
+              <a:t>Reduce(f(</a:t>
+            </a:r>
+            <a:r>
+              <a:rPr lang="en-US" dirty="0" err="1">
+                <a:solidFill>
+                  <a:srgbClr val="FFFFFF"/>
+                </a:solidFill>
+              </a:rPr>
+              <a:t>x,y</a:t>
+            </a:r>
+            <a:r>
+              <a:rPr lang="en-US" dirty="0">
+                <a:solidFill>
+                  <a:srgbClr val="FFFFFF"/>
+                </a:solidFill>
+              </a:rPr>
+              <a:t>))   </a:t>
+            </a:r>
           </a:p>
           <a:p>
             <a:pPr>
@@ -14738,14 +14978,13 @@
               <a:buChar char="§"/>
             </a:pPr>
             <a:r>
-              <a:rPr lang="en-US" dirty="0"/>
-              <a:t>Filter(f(x) = true</a:t>
-            </a:r>
-            <a:r>
-              <a:rPr lang="en-US" dirty="0" smtClean="0"/>
-              <a:t>)</a:t>
-            </a:r>
-            <a:endParaRPr lang="en-US" sz="800" dirty="0"/>
+              <a:rPr lang="en-US" dirty="0">
+                <a:solidFill>
+                  <a:srgbClr val="FFFFFF"/>
+                </a:solidFill>
+              </a:rPr>
+              <a:t>Take(n)</a:t>
+            </a:r>
           </a:p>
           <a:p>
             <a:pPr>
@@ -14753,22 +14992,13 @@
               <a:buChar char="§"/>
             </a:pPr>
             <a:r>
-              <a:rPr lang="en-US" dirty="0" err="1"/>
-              <a:t>FlatMap</a:t>
-            </a:r>
-            <a:r>
-              <a:rPr lang="en-US" dirty="0"/>
-              <a:t>(f(x</a:t>
-            </a:r>
-            <a:r>
-              <a:rPr lang="en-US" dirty="0" smtClean="0"/>
-              <a:t>))</a:t>
-            </a:r>
-            <a:r>
-              <a:rPr lang="en-US" dirty="0"/>
-              <a:t>	</a:t>
-            </a:r>
-            <a:endParaRPr lang="en-US" sz="800" dirty="0"/>
+              <a:rPr lang="en-US" dirty="0">
+                <a:solidFill>
+                  <a:srgbClr val="FFFFFF"/>
+                </a:solidFill>
+              </a:rPr>
+              <a:t>Collect()</a:t>
+            </a:r>
           </a:p>
           <a:p>
             <a:pPr>
@@ -14776,30 +15006,50 @@
               <a:buChar char="§"/>
             </a:pPr>
             <a:r>
-              <a:rPr lang="en-US" dirty="0" smtClean="0"/>
-              <a:t>Distinct</a:t>
-            </a:r>
-            <a:endParaRPr lang="en-US" dirty="0"/>
+              <a:rPr lang="en-US" dirty="0" err="1">
+                <a:solidFill>
+                  <a:srgbClr val="FFFFFF"/>
+                </a:solidFill>
+              </a:rPr>
+              <a:t>TakeOrdered</a:t>
+            </a:r>
+            <a:r>
+              <a:rPr lang="en-US" dirty="0">
+                <a:solidFill>
+                  <a:srgbClr val="FFFFFF"/>
+                </a:solidFill>
+              </a:rPr>
+              <a:t>(n, key=</a:t>
+            </a:r>
+            <a:r>
+              <a:rPr lang="en-US" dirty="0" err="1">
+                <a:solidFill>
+                  <a:srgbClr val="FFFFFF"/>
+                </a:solidFill>
+              </a:rPr>
+              <a:t>func</a:t>
+            </a:r>
+            <a:r>
+              <a:rPr lang="en-US" dirty="0">
+                <a:solidFill>
+                  <a:srgbClr val="FFFFFF"/>
+                </a:solidFill>
+              </a:rPr>
+              <a:t>)</a:t>
+            </a:r>
           </a:p>
         </p:txBody>
       </p:sp>
     </p:spTree>
     <p:extLst>
       <p:ext uri="{BB962C8B-B14F-4D97-AF65-F5344CB8AC3E}">
-        <p14:creationId xmlns:p14="http://schemas.microsoft.com/office/powerpoint/2010/main" val="3734079707"/>
+        <p14:creationId xmlns:p14="http://schemas.microsoft.com/office/powerpoint/2010/main" val="1812904484"/>
       </p:ext>
     </p:extLst>
   </p:cSld>
   <p:clrMapOvr>
     <a:masterClrMapping/>
   </p:clrMapOvr>
-  <p:timing>
-    <p:tnLst>
-      <p:par>
-        <p:cTn xmlns:p14="http://schemas.microsoft.com/office/powerpoint/2010/main" id="1" dur="indefinite" restart="never" nodeType="tmRoot"/>
-      </p:par>
-    </p:tnLst>
-  </p:timing>
 </p:sld>
 </file>
 
@@ -14839,168 +15089,6 @@
           <a:p>
             <a:r>
               <a:rPr lang="en-US" sz="4000" dirty="0"/>
-              <a:t>Spark Transformation </a:t>
-            </a:r>
-            <a:r>
-              <a:rPr lang="en-US" sz="4000" dirty="0" smtClean="0"/>
-              <a:t>Examples (cont.)</a:t>
-            </a:r>
-            <a:endParaRPr lang="en-US" sz="4000" dirty="0"/>
-          </a:p>
-        </p:txBody>
-      </p:sp>
-      <p:sp>
-        <p:nvSpPr>
-          <p:cNvPr id="10" name="Content Placeholder 9"/>
-          <p:cNvSpPr>
-            <a:spLocks noGrp="1"/>
-          </p:cNvSpPr>
-          <p:nvPr>
-            <p:ph idx="1"/>
-          </p:nvPr>
-        </p:nvSpPr>
-        <p:spPr>
-          <a:xfrm>
-            <a:off x="697170" y="1690688"/>
-            <a:ext cx="11116878" cy="4859199"/>
-          </a:xfrm>
-        </p:spPr>
-        <p:txBody>
-          <a:bodyPr>
-            <a:normAutofit/>
-          </a:bodyPr>
-          <a:lstStyle/>
-          <a:p>
-            <a:pPr>
-              <a:buFont typeface="Wingdings" charset="2"/>
-              <a:buChar char="§"/>
-            </a:pPr>
-            <a:r>
-              <a:rPr lang="en-US" dirty="0"/>
-              <a:t>Reduce(f(</a:t>
-            </a:r>
-            <a:r>
-              <a:rPr lang="en-US" dirty="0" err="1"/>
-              <a:t>x,y</a:t>
-            </a:r>
-            <a:r>
-              <a:rPr lang="en-US" dirty="0"/>
-              <a:t>))   </a:t>
-            </a:r>
-          </a:p>
-          <a:p>
-            <a:pPr>
-              <a:buFont typeface="Wingdings" charset="2"/>
-              <a:buChar char="§"/>
-            </a:pPr>
-            <a:r>
-              <a:rPr lang="en-US" dirty="0" smtClean="0"/>
-              <a:t>Take(n</a:t>
-            </a:r>
-            <a:r>
-              <a:rPr lang="en-US" dirty="0"/>
-              <a:t>)</a:t>
-            </a:r>
-          </a:p>
-          <a:p>
-            <a:pPr>
-              <a:buFont typeface="Wingdings" charset="2"/>
-              <a:buChar char="§"/>
-            </a:pPr>
-            <a:r>
-              <a:rPr lang="en-US" dirty="0" smtClean="0"/>
-              <a:t>Collect</a:t>
-            </a:r>
-            <a:r>
-              <a:rPr lang="en-US" dirty="0"/>
-              <a:t>()</a:t>
-            </a:r>
-          </a:p>
-          <a:p>
-            <a:pPr>
-              <a:buFont typeface="Wingdings" charset="2"/>
-              <a:buChar char="§"/>
-            </a:pPr>
-            <a:r>
-              <a:rPr lang="en-US" dirty="0" err="1" smtClean="0"/>
-              <a:t>TakeOrdered</a:t>
-            </a:r>
-            <a:r>
-              <a:rPr lang="en-US" dirty="0" smtClean="0"/>
-              <a:t>(n</a:t>
-            </a:r>
-            <a:r>
-              <a:rPr lang="en-US" dirty="0"/>
-              <a:t>, key=</a:t>
-            </a:r>
-            <a:r>
-              <a:rPr lang="en-US" dirty="0" err="1"/>
-              <a:t>func</a:t>
-            </a:r>
-            <a:r>
-              <a:rPr lang="en-US" dirty="0" smtClean="0"/>
-              <a:t>)</a:t>
-            </a:r>
-            <a:endParaRPr lang="en-US" dirty="0"/>
-          </a:p>
-        </p:txBody>
-      </p:sp>
-    </p:spTree>
-    <p:extLst>
-      <p:ext uri="{BB962C8B-B14F-4D97-AF65-F5344CB8AC3E}">
-        <p14:creationId xmlns:p14="http://schemas.microsoft.com/office/powerpoint/2010/main" val="1812904484"/>
-      </p:ext>
-    </p:extLst>
-  </p:cSld>
-  <p:clrMapOvr>
-    <a:masterClrMapping/>
-  </p:clrMapOvr>
-  <p:timing>
-    <p:tnLst>
-      <p:par>
-        <p:cTn xmlns:p14="http://schemas.microsoft.com/office/powerpoint/2010/main" id="1" dur="indefinite" restart="never" nodeType="tmRoot"/>
-      </p:par>
-    </p:tnLst>
-  </p:timing>
-</p:sld>
-</file>
-
-<file path=ppt/slides/slide18.xml><?xml version="1.0" encoding="utf-8"?>
-<p:sld xmlns:a="http://schemas.openxmlformats.org/drawingml/2006/main" xmlns:r="http://schemas.openxmlformats.org/officeDocument/2006/relationships" xmlns:p="http://schemas.openxmlformats.org/presentationml/2006/main">
-  <p:cSld>
-    <p:spTree>
-      <p:nvGrpSpPr>
-        <p:cNvPr id="1" name=""/>
-        <p:cNvGrpSpPr/>
-        <p:nvPr/>
-      </p:nvGrpSpPr>
-      <p:grpSpPr>
-        <a:xfrm>
-          <a:off x="0" y="0"/>
-          <a:ext cx="0" cy="0"/>
-          <a:chOff x="0" y="0"/>
-          <a:chExt cx="0" cy="0"/>
-        </a:xfrm>
-      </p:grpSpPr>
-      <p:sp>
-        <p:nvSpPr>
-          <p:cNvPr id="5" name="Title 4"/>
-          <p:cNvSpPr>
-            <a:spLocks noGrp="1"/>
-          </p:cNvSpPr>
-          <p:nvPr>
-            <p:ph type="title"/>
-          </p:nvPr>
-        </p:nvSpPr>
-        <p:spPr/>
-        <p:txBody>
-          <a:bodyPr>
-            <a:normAutofit/>
-          </a:bodyPr>
-          <a:lstStyle/>
-          <a:p>
-            <a:r>
-              <a:rPr lang="en-US" sz="4000" dirty="0"/>
               <a:t>Python Lambda Function</a:t>
             </a:r>
           </a:p>
@@ -15028,32 +15116,24 @@
           </a:bodyPr>
           <a:lstStyle/>
           <a:p>
-            <a:pPr marL="0" indent="0">
-              <a:buNone/>
-            </a:pPr>
+            <a:pPr>
+              <a:buFont typeface="Wingdings" charset="2"/>
+              <a:buChar char="§"/>
+            </a:pPr>
+            <a:r>
+              <a:rPr lang="en-US" dirty="0"/>
+              <a:t>Quickly define a small function, in-line, without using </a:t>
+            </a:r>
             <a:r>
               <a:rPr lang="en-US" dirty="0" smtClean="0"/>
-              <a:t>Quickly </a:t>
-            </a:r>
-            <a:r>
-              <a:rPr lang="en-US" dirty="0"/>
-              <a:t>define a small function, in-line, </a:t>
-            </a:r>
-            <a:r>
-              <a:rPr lang="en-US" dirty="0" smtClean="0"/>
-              <a:t>without using declarations</a:t>
-            </a:r>
-            <a:endParaRPr lang="en-US" dirty="0"/>
-          </a:p>
-          <a:p>
-            <a:pPr marL="0" indent="0">
-              <a:buNone/>
-            </a:pPr>
+              <a:t>declarations</a:t>
+            </a:r>
             <a:endParaRPr lang="en-US" sz="800" dirty="0"/>
           </a:p>
           <a:p>
-            <a:pPr marL="0" indent="0">
-              <a:buNone/>
+            <a:pPr>
+              <a:buFont typeface="Wingdings" charset="2"/>
+              <a:buChar char="§"/>
             </a:pPr>
             <a:r>
               <a:rPr lang="en-US" dirty="0"/>
@@ -15063,37 +15143,21 @@
               <a:rPr lang="en-US" dirty="0" smtClean="0"/>
               <a:t>transformation</a:t>
             </a:r>
-            <a:endParaRPr lang="en-US" dirty="0"/>
-          </a:p>
-          <a:p>
-            <a:pPr marL="0" indent="0">
-              <a:buNone/>
-            </a:pPr>
             <a:endParaRPr lang="en-US" sz="800" dirty="0"/>
           </a:p>
           <a:p>
-            <a:pPr marL="0" indent="0">
-              <a:buNone/>
-            </a:pPr>
+            <a:pPr>
+              <a:buFont typeface="Wingdings" charset="2"/>
+              <a:buChar char="§"/>
+            </a:pPr>
+            <a:r>
+              <a:rPr lang="en-US" dirty="0"/>
+              <a:t>Example syntax:   (lambda a: -</a:t>
+            </a:r>
             <a:r>
               <a:rPr lang="en-US" dirty="0" smtClean="0"/>
-              <a:t>Example syntax</a:t>
-            </a:r>
-            <a:r>
-              <a:rPr lang="en-US" dirty="0"/>
-              <a:t>:   (lambda a: -a</a:t>
-            </a:r>
-            <a:r>
-              <a:rPr lang="en-US" dirty="0" smtClean="0"/>
-              <a:t>)</a:t>
-            </a:r>
-            <a:endParaRPr lang="en-US" dirty="0"/>
-          </a:p>
-          <a:p>
-            <a:pPr marL="0" indent="0">
-              <a:buNone/>
-            </a:pPr>
-            <a:endParaRPr lang="en-US" dirty="0"/>
+              <a:t>a)</a:t>
+            </a:r>
           </a:p>
         </p:txBody>
       </p:sp>
@@ -15356,12 +15420,8 @@
             <a:p>
               <a:pPr algn="l"/>
               <a:r>
-                <a:rPr lang="en-US" altLang="ko-KR" i="0" dirty="0" smtClean="0"/>
-                <a:t>In-line </a:t>
-              </a:r>
-              <a:r>
                 <a:rPr lang="en-US" altLang="ko-KR" i="0" dirty="0"/>
-                <a:t>anonymous functions</a:t>
+                <a:t>In-line anonymous functions</a:t>
               </a:r>
             </a:p>
           </p:txBody>
@@ -15377,13 +15437,167 @@
   <p:clrMapOvr>
     <a:masterClrMapping/>
   </p:clrMapOvr>
-  <p:timing>
-    <p:tnLst>
-      <p:par>
-        <p:cTn xmlns:p14="http://schemas.microsoft.com/office/powerpoint/2010/main" id="1" dur="indefinite" restart="never" nodeType="tmRoot"/>
-      </p:par>
-    </p:tnLst>
-  </p:timing>
+</p:sld>
+</file>
+
+<file path=ppt/slides/slide18.xml><?xml version="1.0" encoding="utf-8"?>
+<p:sld xmlns:a="http://schemas.openxmlformats.org/drawingml/2006/main" xmlns:r="http://schemas.openxmlformats.org/officeDocument/2006/relationships" xmlns:p="http://schemas.openxmlformats.org/presentationml/2006/main">
+  <p:cSld>
+    <p:spTree>
+      <p:nvGrpSpPr>
+        <p:cNvPr id="1" name=""/>
+        <p:cNvGrpSpPr/>
+        <p:nvPr/>
+      </p:nvGrpSpPr>
+      <p:grpSpPr>
+        <a:xfrm>
+          <a:off x="0" y="0"/>
+          <a:ext cx="0" cy="0"/>
+          <a:chOff x="0" y="0"/>
+          <a:chExt cx="0" cy="0"/>
+        </a:xfrm>
+      </p:grpSpPr>
+      <p:sp>
+        <p:nvSpPr>
+          <p:cNvPr id="2" name="Title 1"/>
+          <p:cNvSpPr>
+            <a:spLocks noGrp="1"/>
+          </p:cNvSpPr>
+          <p:nvPr>
+            <p:ph type="title"/>
+          </p:nvPr>
+        </p:nvSpPr>
+        <p:spPr/>
+        <p:txBody>
+          <a:bodyPr/>
+          <a:lstStyle/>
+          <a:p>
+            <a:r>
+              <a:rPr lang="en-US" dirty="0"/>
+              <a:t>Transformations</a:t>
+            </a:r>
+          </a:p>
+        </p:txBody>
+      </p:sp>
+      <p:sp>
+        <p:nvSpPr>
+          <p:cNvPr id="3" name="Content Placeholder 2"/>
+          <p:cNvSpPr>
+            <a:spLocks noGrp="1"/>
+          </p:cNvSpPr>
+          <p:nvPr>
+            <p:ph idx="1"/>
+          </p:nvPr>
+        </p:nvSpPr>
+        <p:spPr/>
+        <p:txBody>
+          <a:bodyPr>
+            <a:normAutofit/>
+          </a:bodyPr>
+          <a:lstStyle/>
+          <a:p>
+            <a:r>
+              <a:rPr lang="en-US" sz="2400" dirty="0"/>
+              <a:t>&gt;&gt;&gt; </a:t>
+            </a:r>
+            <a:r>
+              <a:rPr lang="en-US" sz="2400" dirty="0" err="1"/>
+              <a:t>rdd</a:t>
+            </a:r>
+            <a:r>
+              <a:rPr lang="en-US" sz="2400" dirty="0"/>
+              <a:t> = </a:t>
+            </a:r>
+            <a:r>
+              <a:rPr lang="en-US" sz="2400" dirty="0" err="1"/>
+              <a:t>sc.parallelize</a:t>
+            </a:r>
+            <a:r>
+              <a:rPr lang="en-US" sz="2400" dirty="0"/>
+              <a:t>([1, 2 ,3, 4, 4])</a:t>
+            </a:r>
+          </a:p>
+          <a:p>
+            <a:endParaRPr lang="en-US" sz="2400" dirty="0"/>
+          </a:p>
+          <a:p>
+            <a:r>
+              <a:rPr lang="en-US" sz="2400" dirty="0"/>
+              <a:t>&gt;&gt;&gt; </a:t>
+            </a:r>
+            <a:r>
+              <a:rPr lang="en-US" sz="2400" dirty="0" err="1"/>
+              <a:t>rdd.map</a:t>
+            </a:r>
+            <a:r>
+              <a:rPr lang="en-US" sz="2400" dirty="0"/>
+              <a:t>(lambda a: -a)</a:t>
+            </a:r>
+          </a:p>
+          <a:p>
+            <a:r>
+              <a:rPr lang="en-US" sz="2400" dirty="0"/>
+              <a:t>RDD: [1, 2, 3, 4] -&gt; [-1, -2, -3, -4, -4]</a:t>
+            </a:r>
+          </a:p>
+          <a:p>
+            <a:endParaRPr lang="en-US" sz="2400" dirty="0"/>
+          </a:p>
+          <a:p>
+            <a:r>
+              <a:rPr lang="en-US" sz="2400" dirty="0"/>
+              <a:t>&gt;&gt;&gt; </a:t>
+            </a:r>
+            <a:r>
+              <a:rPr lang="en-US" sz="2400" dirty="0" err="1"/>
+              <a:t>rdd.filter</a:t>
+            </a:r>
+            <a:r>
+              <a:rPr lang="en-US" sz="2400" dirty="0"/>
+              <a:t>(lambda a: a &gt; 2)</a:t>
+            </a:r>
+          </a:p>
+          <a:p>
+            <a:r>
+              <a:rPr lang="en-US" sz="2400" dirty="0"/>
+              <a:t>RDD: [1, 2, 3, 4, 4] -&gt; [3, 4, 4]</a:t>
+            </a:r>
+          </a:p>
+          <a:p>
+            <a:endParaRPr lang="en-US" sz="2400" dirty="0"/>
+          </a:p>
+          <a:p>
+            <a:r>
+              <a:rPr lang="en-US" sz="2400" dirty="0"/>
+              <a:t>&gt;&gt;&gt; </a:t>
+            </a:r>
+            <a:r>
+              <a:rPr lang="en-US" sz="2400" dirty="0" err="1"/>
+              <a:t>rdd.distinct</a:t>
+            </a:r>
+            <a:r>
+              <a:rPr lang="en-US" sz="2400" dirty="0"/>
+              <a:t>()</a:t>
+            </a:r>
+          </a:p>
+          <a:p>
+            <a:r>
+              <a:rPr lang="en-US" sz="2400" dirty="0"/>
+              <a:t>RDD: [1, 2, 3, 4]</a:t>
+            </a:r>
+          </a:p>
+        </p:txBody>
+      </p:sp>
+    </p:spTree>
+    <p:extLst>
+      <p:ext uri="{BB962C8B-B14F-4D97-AF65-F5344CB8AC3E}">
+        <p14:creationId xmlns:p14="http://schemas.microsoft.com/office/powerpoint/2010/main" val="4071630966"/>
+      </p:ext>
+    </p:extLst>
+  </p:cSld>
+  <p:clrMapOvr>
+    <a:masterClrMapping/>
+  </p:clrMapOvr>
 </p:sld>
 </file>
 
@@ -15421,137 +15635,45 @@
           <a:p>
             <a:r>
               <a:rPr lang="en-US" dirty="0"/>
-              <a:t>Transformations</a:t>
-            </a:r>
+              <a:t>Spark </a:t>
+            </a:r>
+            <a:r>
+              <a:rPr lang="en-US" dirty="0" err="1"/>
+              <a:t>MLlib</a:t>
+            </a:r>
+            <a:endParaRPr lang="en-US" dirty="0"/>
           </a:p>
         </p:txBody>
       </p:sp>
       <p:sp>
         <p:nvSpPr>
-          <p:cNvPr id="3" name="Content Placeholder 2"/>
+          <p:cNvPr id="3" name="Text Placeholder 2"/>
           <p:cNvSpPr>
             <a:spLocks noGrp="1"/>
           </p:cNvSpPr>
           <p:nvPr>
-            <p:ph idx="1"/>
+            <p:ph type="body" idx="1"/>
           </p:nvPr>
         </p:nvSpPr>
         <p:spPr/>
         <p:txBody>
-          <a:bodyPr>
-            <a:normAutofit/>
-          </a:bodyPr>
+          <a:bodyPr/>
           <a:lstStyle/>
           <a:p>
-            <a:r>
-              <a:rPr lang="en-US" sz="2400" dirty="0"/>
-              <a:t>&gt;&gt;&gt; </a:t>
-            </a:r>
-            <a:r>
-              <a:rPr lang="en-US" sz="2400" dirty="0" err="1"/>
-              <a:t>rdd</a:t>
-            </a:r>
-            <a:r>
-              <a:rPr lang="en-US" sz="2400" dirty="0"/>
-              <a:t> = </a:t>
-            </a:r>
-            <a:r>
-              <a:rPr lang="en-US" sz="2400" dirty="0" err="1"/>
-              <a:t>sc.parallelize</a:t>
-            </a:r>
-            <a:r>
-              <a:rPr lang="en-US" sz="2400" dirty="0"/>
-              <a:t>([1, 2 ,3, 4, 4])</a:t>
-            </a:r>
-          </a:p>
-          <a:p>
-            <a:endParaRPr lang="en-US" sz="2400" dirty="0"/>
-          </a:p>
-          <a:p>
-            <a:r>
-              <a:rPr lang="en-US" sz="2400" dirty="0"/>
-              <a:t>&gt;&gt;&gt; </a:t>
-            </a:r>
-            <a:r>
-              <a:rPr lang="en-US" sz="2400" dirty="0" err="1"/>
-              <a:t>rdd.map</a:t>
-            </a:r>
-            <a:r>
-              <a:rPr lang="en-US" sz="2400" dirty="0"/>
-              <a:t>(lambda a: -a)</a:t>
-            </a:r>
-          </a:p>
-          <a:p>
-            <a:r>
-              <a:rPr lang="en-US" sz="2400" dirty="0"/>
-              <a:t>RDD: [1, 2, 3, 4] -&gt; [-1, -2, -3, -4, -4]</a:t>
-            </a:r>
-          </a:p>
-          <a:p>
-            <a:endParaRPr lang="en-US" sz="2400" dirty="0"/>
-          </a:p>
-          <a:p>
-            <a:r>
-              <a:rPr lang="en-US" sz="2400" dirty="0"/>
-              <a:t>&gt;&gt;&gt; </a:t>
-            </a:r>
-            <a:r>
-              <a:rPr lang="en-US" sz="2400" dirty="0" err="1"/>
-              <a:t>rdd.filter</a:t>
-            </a:r>
-            <a:r>
-              <a:rPr lang="en-US" sz="2400" dirty="0"/>
-              <a:t>(lambda a: a &gt; 2)</a:t>
-            </a:r>
-          </a:p>
-          <a:p>
-            <a:r>
-              <a:rPr lang="en-US" sz="2400" dirty="0"/>
-              <a:t>RDD: [1, 2, 3, 4, 4] -&gt; [3, 4, 4]</a:t>
-            </a:r>
-          </a:p>
-          <a:p>
-            <a:endParaRPr lang="en-US" sz="2400" dirty="0"/>
-          </a:p>
-          <a:p>
-            <a:r>
-              <a:rPr lang="en-US" sz="2400" dirty="0"/>
-              <a:t>&gt;&gt;&gt; </a:t>
-            </a:r>
-            <a:r>
-              <a:rPr lang="en-US" sz="2400" dirty="0" err="1"/>
-              <a:t>rdd.distinct</a:t>
-            </a:r>
-            <a:r>
-              <a:rPr lang="en-US" sz="2400" dirty="0"/>
-              <a:t>()</a:t>
-            </a:r>
-          </a:p>
-          <a:p>
-            <a:r>
-              <a:rPr lang="en-US" sz="2400" dirty="0"/>
-              <a:t>RDD: [1, 2, 3, 4]</a:t>
-            </a:r>
+            <a:endParaRPr lang="en-US"/>
           </a:p>
         </p:txBody>
       </p:sp>
     </p:spTree>
     <p:extLst>
       <p:ext uri="{BB962C8B-B14F-4D97-AF65-F5344CB8AC3E}">
-        <p14:creationId xmlns:p14="http://schemas.microsoft.com/office/powerpoint/2010/main" val="4071630966"/>
+        <p14:creationId xmlns:p14="http://schemas.microsoft.com/office/powerpoint/2010/main" val="4090798265"/>
       </p:ext>
     </p:extLst>
   </p:cSld>
   <p:clrMapOvr>
     <a:masterClrMapping/>
   </p:clrMapOvr>
-  <p:timing>
-    <p:tnLst>
-      <p:par>
-        <p:cTn xmlns:p14="http://schemas.microsoft.com/office/powerpoint/2010/main" id="1" dur="indefinite" restart="never" nodeType="tmRoot"/>
-      </p:par>
-    </p:tnLst>
-  </p:timing>
 </p:sld>
 </file>
 
@@ -15918,157 +16040,6 @@
       </p:grpSpPr>
       <p:sp>
         <p:nvSpPr>
-          <p:cNvPr id="2" name="Title 1"/>
-          <p:cNvSpPr>
-            <a:spLocks noGrp="1"/>
-          </p:cNvSpPr>
-          <p:nvPr>
-            <p:ph type="title"/>
-          </p:nvPr>
-        </p:nvSpPr>
-        <p:spPr/>
-        <p:txBody>
-          <a:bodyPr/>
-          <a:lstStyle/>
-          <a:p>
-            <a:endParaRPr lang="en-US"/>
-          </a:p>
-        </p:txBody>
-      </p:sp>
-      <p:sp>
-        <p:nvSpPr>
-          <p:cNvPr id="3" name="Content Placeholder 2"/>
-          <p:cNvSpPr>
-            <a:spLocks noGrp="1"/>
-          </p:cNvSpPr>
-          <p:nvPr>
-            <p:ph idx="1"/>
-          </p:nvPr>
-        </p:nvSpPr>
-        <p:spPr/>
-        <p:txBody>
-          <a:bodyPr/>
-          <a:lstStyle/>
-          <a:p>
-            <a:endParaRPr lang="en-US" dirty="0"/>
-          </a:p>
-        </p:txBody>
-      </p:sp>
-    </p:spTree>
-    <p:extLst>
-      <p:ext uri="{BB962C8B-B14F-4D97-AF65-F5344CB8AC3E}">
-        <p14:creationId xmlns:p14="http://schemas.microsoft.com/office/powerpoint/2010/main" val="2624973695"/>
-      </p:ext>
-    </p:extLst>
-  </p:cSld>
-  <p:clrMapOvr>
-    <a:masterClrMapping/>
-  </p:clrMapOvr>
-</p:sld>
-</file>
-
-<file path=ppt/slides/slide21.xml><?xml version="1.0" encoding="utf-8"?>
-<p:sld xmlns:a="http://schemas.openxmlformats.org/drawingml/2006/main" xmlns:r="http://schemas.openxmlformats.org/officeDocument/2006/relationships" xmlns:p="http://schemas.openxmlformats.org/presentationml/2006/main">
-  <p:cSld>
-    <p:spTree>
-      <p:nvGrpSpPr>
-        <p:cNvPr id="1" name=""/>
-        <p:cNvGrpSpPr/>
-        <p:nvPr/>
-      </p:nvGrpSpPr>
-      <p:grpSpPr>
-        <a:xfrm>
-          <a:off x="0" y="0"/>
-          <a:ext cx="0" cy="0"/>
-          <a:chOff x="0" y="0"/>
-          <a:chExt cx="0" cy="0"/>
-        </a:xfrm>
-      </p:grpSpPr>
-      <p:sp>
-        <p:nvSpPr>
-          <p:cNvPr id="2" name="Title 1"/>
-          <p:cNvSpPr>
-            <a:spLocks noGrp="1"/>
-          </p:cNvSpPr>
-          <p:nvPr>
-            <p:ph type="title"/>
-          </p:nvPr>
-        </p:nvSpPr>
-        <p:spPr/>
-        <p:txBody>
-          <a:bodyPr/>
-          <a:lstStyle/>
-          <a:p>
-            <a:r>
-              <a:rPr lang="en-US" dirty="0"/>
-              <a:t>Spark </a:t>
-            </a:r>
-            <a:r>
-              <a:rPr lang="en-US" dirty="0" err="1"/>
-              <a:t>MLlib</a:t>
-            </a:r>
-            <a:endParaRPr lang="en-US" dirty="0"/>
-          </a:p>
-        </p:txBody>
-      </p:sp>
-      <p:sp>
-        <p:nvSpPr>
-          <p:cNvPr id="3" name="Text Placeholder 2"/>
-          <p:cNvSpPr>
-            <a:spLocks noGrp="1"/>
-          </p:cNvSpPr>
-          <p:nvPr>
-            <p:ph type="body" idx="1"/>
-          </p:nvPr>
-        </p:nvSpPr>
-        <p:spPr/>
-        <p:txBody>
-          <a:bodyPr/>
-          <a:lstStyle/>
-          <a:p>
-            <a:endParaRPr lang="en-US"/>
-          </a:p>
-        </p:txBody>
-      </p:sp>
-    </p:spTree>
-    <p:extLst>
-      <p:ext uri="{BB962C8B-B14F-4D97-AF65-F5344CB8AC3E}">
-        <p14:creationId xmlns:p14="http://schemas.microsoft.com/office/powerpoint/2010/main" val="4090798265"/>
-      </p:ext>
-    </p:extLst>
-  </p:cSld>
-  <p:clrMapOvr>
-    <a:masterClrMapping/>
-  </p:clrMapOvr>
-  <p:timing>
-    <p:tnLst>
-      <p:par>
-        <p:cTn xmlns:p14="http://schemas.microsoft.com/office/powerpoint/2010/main" id="1" dur="indefinite" restart="never" nodeType="tmRoot"/>
-      </p:par>
-    </p:tnLst>
-  </p:timing>
-</p:sld>
-</file>
-
-<file path=ppt/slides/slide22.xml><?xml version="1.0" encoding="utf-8"?>
-<p:sld xmlns:a="http://schemas.openxmlformats.org/drawingml/2006/main" xmlns:r="http://schemas.openxmlformats.org/officeDocument/2006/relationships" xmlns:p="http://schemas.openxmlformats.org/presentationml/2006/main">
-  <p:cSld>
-    <p:spTree>
-      <p:nvGrpSpPr>
-        <p:cNvPr id="1" name=""/>
-        <p:cNvGrpSpPr/>
-        <p:nvPr/>
-      </p:nvGrpSpPr>
-      <p:grpSpPr>
-        <a:xfrm>
-          <a:off x="0" y="0"/>
-          <a:ext cx="0" cy="0"/>
-          <a:chOff x="0" y="0"/>
-          <a:chExt cx="0" cy="0"/>
-        </a:xfrm>
-      </p:grpSpPr>
-      <p:sp>
-        <p:nvSpPr>
           <p:cNvPr id="5" name="Title 4"/>
           <p:cNvSpPr>
             <a:spLocks noGrp="1"/>
@@ -16150,16 +16121,8 @@
               <a:buChar char="§"/>
             </a:pPr>
             <a:r>
-              <a:rPr lang="en-US" altLang="ko-KR" dirty="0" smtClean="0"/>
-              <a:t>Divided </a:t>
-            </a:r>
-            <a:r>
               <a:rPr lang="en-US" altLang="ko-KR" dirty="0"/>
-              <a:t>into two </a:t>
-            </a:r>
-            <a:r>
-              <a:rPr lang="en-US" altLang="ko-KR" dirty="0" smtClean="0"/>
-              <a:t>packages</a:t>
+              <a:t>Divided into two packages</a:t>
             </a:r>
           </a:p>
           <a:p>
@@ -16168,7 +16131,7 @@
               <a:buChar char="§"/>
             </a:pPr>
             <a:r>
-              <a:rPr lang="en-US" sz="2800" dirty="0" err="1" smtClean="0"/>
+              <a:rPr lang="en-US" sz="2800" dirty="0" err="1"/>
               <a:t>Spark.mllib</a:t>
             </a:r>
             <a:endParaRPr lang="en-US" sz="2800" dirty="0"/>
@@ -16179,10 +16142,9 @@
               <a:buChar char="§"/>
             </a:pPr>
             <a:r>
-              <a:rPr lang="en-US" sz="2800" dirty="0" smtClean="0"/>
+              <a:rPr lang="en-US" sz="2800" dirty="0"/>
               <a:t>Spark.ml</a:t>
             </a:r>
-            <a:endParaRPr lang="en-US" sz="2800" dirty="0"/>
           </a:p>
         </p:txBody>
       </p:sp>
@@ -16445,14 +16407,13 @@
             <a:p>
               <a:pPr algn="l"/>
               <a:r>
-                <a:rPr lang="en-US" altLang="ko-KR" i="0" dirty="0" err="1" smtClean="0"/>
+                <a:rPr lang="en-US" altLang="ko-KR" i="0" dirty="0" err="1"/>
                 <a:t>MLlib</a:t>
               </a:r>
               <a:r>
-                <a:rPr lang="en-US" altLang="ko-KR" i="0" dirty="0" smtClean="0"/>
+                <a:rPr lang="en-US" altLang="ko-KR" i="0" dirty="0"/>
                 <a:t> is Spark’s machine learning library</a:t>
               </a:r>
-              <a:endParaRPr lang="en-US" altLang="ko-KR" i="0" dirty="0"/>
             </a:p>
           </p:txBody>
         </p:sp>
@@ -16563,17 +16524,10 @@
   <p:clrMapOvr>
     <a:masterClrMapping/>
   </p:clrMapOvr>
-  <p:timing>
-    <p:tnLst>
-      <p:par>
-        <p:cTn xmlns:p14="http://schemas.microsoft.com/office/powerpoint/2010/main" id="1" dur="indefinite" restart="never" nodeType="tmRoot"/>
-      </p:par>
-    </p:tnLst>
-  </p:timing>
 </p:sld>
 </file>
 
-<file path=ppt/slides/slide23.xml><?xml version="1.0" encoding="utf-8"?>
+<file path=ppt/slides/slide21.xml><?xml version="1.0" encoding="utf-8"?>
 <p:sld xmlns:a="http://schemas.openxmlformats.org/drawingml/2006/main" xmlns:r="http://schemas.openxmlformats.org/officeDocument/2006/relationships" xmlns:p="http://schemas.openxmlformats.org/presentationml/2006/main">
   <p:cSld>
     <p:spTree>
@@ -16647,15 +16601,7 @@
             </a:pPr>
             <a:r>
               <a:rPr lang="en-US" dirty="0"/>
-              <a:t>Conceptually equivalent to a table in a relational </a:t>
-            </a:r>
-            <a:r>
-              <a:rPr lang="en-US" dirty="0" smtClean="0"/>
-              <a:t>database or </a:t>
-            </a:r>
-            <a:r>
-              <a:rPr lang="en-US" dirty="0"/>
-              <a:t>a data frame in R or Python</a:t>
+              <a:t>Conceptually equivalent to a table in a relational database or a data frame in R or Python</a:t>
             </a:r>
           </a:p>
           <a:p>
@@ -16679,13 +16625,8 @@
             </a:r>
             <a:r>
               <a:rPr lang="en-US" dirty="0"/>
-              <a:t> can be constructed from a wide array of </a:t>
-            </a:r>
-            <a:r>
-              <a:rPr lang="en-US" dirty="0" smtClean="0"/>
-              <a:t>sources</a:t>
-            </a:r>
-            <a:endParaRPr lang="en-US" dirty="0"/>
+              <a:t> can be constructed from a wide array of sources</a:t>
+            </a:r>
           </a:p>
         </p:txBody>
       </p:sp>
@@ -16965,17 +16906,10 @@
   <p:clrMapOvr>
     <a:masterClrMapping/>
   </p:clrMapOvr>
-  <p:timing>
-    <p:tnLst>
-      <p:par>
-        <p:cTn xmlns:p14="http://schemas.microsoft.com/office/powerpoint/2010/main" id="1" dur="indefinite" restart="never" nodeType="tmRoot"/>
-      </p:par>
-    </p:tnLst>
-  </p:timing>
 </p:sld>
 </file>
 
-<file path=ppt/slides/slide24.xml><?xml version="1.0" encoding="utf-8"?>
+<file path=ppt/slides/slide22.xml><?xml version="1.0" encoding="utf-8"?>
 <p:sld xmlns:a="http://schemas.openxmlformats.org/drawingml/2006/main" xmlns:r="http://schemas.openxmlformats.org/officeDocument/2006/relationships" xmlns:p="http://schemas.openxmlformats.org/presentationml/2006/main">
   <p:cSld>
     <p:spTree>
@@ -17049,11 +16983,7 @@
             </a:pPr>
             <a:r>
               <a:rPr lang="en-US" dirty="0"/>
-              <a:t>Supports local vectors and matrices stored on a single </a:t>
-            </a:r>
-            <a:r>
-              <a:rPr lang="en-US" dirty="0" smtClean="0"/>
-              <a:t>machine</a:t>
+              <a:t>Supports local vectors and matrices stored on a single machine</a:t>
             </a:r>
             <a:endParaRPr lang="en-US" sz="800" dirty="0"/>
           </a:p>
@@ -17064,11 +16994,7 @@
             </a:pPr>
             <a:r>
               <a:rPr lang="en-US" dirty="0"/>
-              <a:t>Distributed matrices backed by one or more </a:t>
-            </a:r>
-            <a:r>
-              <a:rPr lang="en-US" dirty="0" smtClean="0"/>
-              <a:t>RDDs</a:t>
+              <a:t>Distributed matrices backed by one or more RDDs</a:t>
             </a:r>
             <a:endParaRPr lang="en-US" sz="800" dirty="0"/>
           </a:p>
@@ -17079,11 +17005,7 @@
             </a:pPr>
             <a:r>
               <a:rPr lang="en-US" dirty="0"/>
-              <a:t>Local vectors and local matrices are simple data models that serve as public </a:t>
-            </a:r>
-            <a:r>
-              <a:rPr lang="en-US" dirty="0" smtClean="0"/>
-              <a:t>interface</a:t>
+              <a:t>Local vectors and local matrices are simple data models that serve as public interface</a:t>
             </a:r>
             <a:endParaRPr lang="en-US" sz="800" dirty="0"/>
           </a:p>
@@ -17112,7 +17034,7 @@
 </p:sld>
 </file>
 
-<file path=ppt/slides/slide25.xml><?xml version="1.0" encoding="utf-8"?>
+<file path=ppt/slides/slide23.xml><?xml version="1.0" encoding="utf-8"?>
 <p:sld xmlns:a="http://schemas.openxmlformats.org/drawingml/2006/main" xmlns:r="http://schemas.openxmlformats.org/officeDocument/2006/relationships" xmlns:p="http://schemas.openxmlformats.org/presentationml/2006/main">
   <p:cSld>
     <p:spTree>
@@ -17166,7 +17088,7 @@
         <p:spPr>
           <a:xfrm>
             <a:off x="838200" y="1690688"/>
-            <a:ext cx="5234354" cy="4745281"/>
+            <a:ext cx="4882205" cy="4745281"/>
           </a:xfrm>
         </p:spPr>
         <p:txBody>
@@ -17175,89 +17097,56 @@
           </a:bodyPr>
           <a:lstStyle/>
           <a:p>
-            <a:pPr marL="0" indent="0">
-              <a:buNone/>
-            </a:pPr>
+            <a:pPr>
+              <a:buFont typeface="Wingdings" charset="2"/>
+              <a:buChar char="§"/>
+            </a:pPr>
+            <a:r>
+              <a:rPr lang="en-US" dirty="0"/>
+              <a:t>0-based integer-typed indices and double-typed values stored on a single </a:t>
+            </a:r>
             <a:r>
               <a:rPr lang="en-US" dirty="0" smtClean="0"/>
-              <a:t>0-based </a:t>
+              <a:t>machine</a:t>
+            </a:r>
+          </a:p>
+          <a:p>
+            <a:pPr>
+              <a:buFont typeface="Wingdings" charset="2"/>
+              <a:buChar char="§"/>
+            </a:pPr>
+            <a:r>
+              <a:rPr lang="en-US" dirty="0" smtClean="0"/>
+              <a:t>Two </a:t>
             </a:r>
             <a:r>
               <a:rPr lang="en-US" dirty="0"/>
-              <a:t>integer-typed indices and double-typed values stored on a single machine</a:t>
-            </a:r>
-          </a:p>
-          <a:p>
-            <a:pPr marL="0" indent="0">
-              <a:buNone/>
-            </a:pPr>
-            <a:endParaRPr lang="en-US" sz="800" dirty="0"/>
-          </a:p>
-          <a:p>
-            <a:pPr marL="0" indent="0">
-              <a:buNone/>
-            </a:pPr>
-            <a:r>
-              <a:rPr lang="en-US" dirty="0"/>
-              <a:t>Two types of local </a:t>
+              <a:t>types of local </a:t>
             </a:r>
             <a:r>
               <a:rPr lang="en-US" dirty="0" smtClean="0"/>
               <a:t>vectors:</a:t>
             </a:r>
-            <a:endParaRPr lang="en-US" dirty="0"/>
-          </a:p>
-          <a:p>
-            <a:pPr marL="0" indent="0">
-              <a:buNone/>
-            </a:pPr>
-            <a:endParaRPr lang="en-US" sz="800" dirty="0"/>
-          </a:p>
-          <a:p>
-            <a:pPr marL="0" indent="0">
-              <a:buNone/>
-            </a:pPr>
-            <a:r>
-              <a:rPr lang="en-US" dirty="0"/>
+          </a:p>
+          <a:p>
+            <a:pPr lvl="1">
+              <a:buFont typeface="Wingdings" charset="2"/>
+              <a:buChar char="§"/>
+            </a:pPr>
+            <a:r>
+              <a:rPr lang="en-US" sz="2800" dirty="0" smtClean="0"/>
               <a:t>Dense vector</a:t>
             </a:r>
           </a:p>
           <a:p>
-            <a:pPr marL="0" indent="0">
-              <a:buNone/>
-            </a:pPr>
-            <a:r>
-              <a:rPr lang="en-US" dirty="0"/>
-              <a:t>	</a:t>
-            </a:r>
-            <a:endParaRPr lang="en-US" sz="700" dirty="0"/>
-          </a:p>
-          <a:p>
-            <a:pPr marL="0" indent="0">
-              <a:spcBef>
-                <a:spcPts val="0"/>
-              </a:spcBef>
-              <a:buNone/>
-            </a:pPr>
-            <a:endParaRPr lang="en-US" dirty="0" smtClean="0"/>
-          </a:p>
-          <a:p>
-            <a:pPr marL="0" indent="0">
-              <a:buNone/>
-            </a:pPr>
-            <a:r>
-              <a:rPr lang="en-US" dirty="0" smtClean="0"/>
-              <a:t>Sparse </a:t>
-            </a:r>
-            <a:r>
-              <a:rPr lang="en-US" dirty="0"/>
-              <a:t>vector</a:t>
-            </a:r>
-          </a:p>
-          <a:p>
-            <a:pPr marL="0" indent="0">
-              <a:buNone/>
-            </a:pPr>
+            <a:pPr lvl="1">
+              <a:buFont typeface="Wingdings" charset="2"/>
+              <a:buChar char="§"/>
+            </a:pPr>
+            <a:r>
+              <a:rPr lang="en-US" sz="2800" dirty="0" smtClean="0"/>
+              <a:t>Sparse vector</a:t>
+            </a:r>
             <a:r>
               <a:rPr lang="en-US" dirty="0"/>
               <a:t>	</a:t>
@@ -17303,7 +17192,7 @@
         </p:nvSpPr>
         <p:spPr>
           <a:xfrm>
-            <a:off x="7189845" y="4054956"/>
+            <a:off x="7052685" y="3425166"/>
             <a:ext cx="1758932" cy="369332"/>
           </a:xfrm>
           <a:prstGeom prst="rect">
@@ -17333,7 +17222,7 @@
         </p:nvGrpSpPr>
         <p:grpSpPr>
           <a:xfrm>
-            <a:off x="5500962" y="4753596"/>
+            <a:off x="5965615" y="3679855"/>
             <a:ext cx="5082133" cy="1486320"/>
             <a:chOff x="5967046" y="4870938"/>
             <a:chExt cx="5082133" cy="1486320"/>
@@ -17606,7 +17495,7 @@
           <p:nvPr/>
         </p:nvCxnSpPr>
         <p:spPr>
-          <a:xfrm flipV="1">
+          <a:xfrm>
             <a:off x="5802775" y="2027699"/>
             <a:ext cx="1249910" cy="0"/>
           </a:xfrm>
@@ -17641,13 +17530,15 @@
       <p:cxnSp>
         <p:nvCxnSpPr>
           <p:cNvPr id="18" name="Straight Arrow Connector 17"/>
-          <p:cNvCxnSpPr/>
+          <p:cNvCxnSpPr>
+            <a:endCxn id="6" idx="1"/>
+          </p:cNvCxnSpPr>
           <p:nvPr/>
         </p:nvCxnSpPr>
         <p:spPr>
-          <a:xfrm flipV="1">
-            <a:off x="5550495" y="4205332"/>
-            <a:ext cx="1467900" cy="0"/>
+          <a:xfrm>
+            <a:off x="5777659" y="3609832"/>
+            <a:ext cx="1275026" cy="0"/>
           </a:xfrm>
           <a:prstGeom prst="straightConnector1">
             <a:avLst/>
@@ -17687,7 +17578,7 @@
         </p:nvCxnSpPr>
         <p:spPr>
           <a:xfrm>
-            <a:off x="5321381" y="5459939"/>
+            <a:off x="5786034" y="4386198"/>
             <a:ext cx="1527733" cy="0"/>
           </a:xfrm>
           <a:prstGeom prst="straightConnector1">
@@ -17731,7 +17622,7 @@
 </p:sld>
 </file>
 
-<file path=ppt/slides/slide26.xml><?xml version="1.0" encoding="utf-8"?>
+<file path=ppt/slides/slide24.xml><?xml version="1.0" encoding="utf-8"?>
 <p:sld xmlns:a="http://schemas.openxmlformats.org/drawingml/2006/main" xmlns:r="http://schemas.openxmlformats.org/officeDocument/2006/relationships" xmlns:p="http://schemas.openxmlformats.org/presentationml/2006/main">
   <p:cSld>
     <p:spTree>
@@ -17767,6 +17658,379 @@
           <a:p>
             <a:r>
               <a:rPr lang="en-US" sz="4000" dirty="0"/>
+              <a:t>Data Type – Labeled Point</a:t>
+            </a:r>
+          </a:p>
+        </p:txBody>
+      </p:sp>
+      <p:sp>
+        <p:nvSpPr>
+          <p:cNvPr id="10" name="Content Placeholder 9"/>
+          <p:cNvSpPr>
+            <a:spLocks noGrp="1"/>
+          </p:cNvSpPr>
+          <p:nvPr>
+            <p:ph idx="1"/>
+          </p:nvPr>
+        </p:nvSpPr>
+        <p:spPr>
+          <a:xfrm>
+            <a:off x="697170" y="3106855"/>
+            <a:ext cx="10862039" cy="3443032"/>
+          </a:xfrm>
+        </p:spPr>
+        <p:txBody>
+          <a:bodyPr>
+            <a:normAutofit/>
+          </a:bodyPr>
+          <a:lstStyle/>
+          <a:p>
+            <a:pPr>
+              <a:buFont typeface="Wingdings" charset="2"/>
+              <a:buChar char="§"/>
+            </a:pPr>
+            <a:r>
+              <a:rPr lang="en-US" dirty="0"/>
+              <a:t>Can be either dense or sparse local vector</a:t>
+            </a:r>
+          </a:p>
+          <a:p>
+            <a:pPr>
+              <a:buFont typeface="Wingdings" charset="2"/>
+              <a:buChar char="§"/>
+            </a:pPr>
+            <a:r>
+              <a:rPr lang="en-US" dirty="0"/>
+              <a:t>Associated with a label and response in supervised learning algorithms</a:t>
+            </a:r>
+          </a:p>
+          <a:p>
+            <a:pPr>
+              <a:buFont typeface="Wingdings" charset="2"/>
+              <a:buChar char="§"/>
+            </a:pPr>
+            <a:r>
+              <a:rPr lang="en-US" dirty="0"/>
+              <a:t>Double to store label</a:t>
+            </a:r>
+          </a:p>
+        </p:txBody>
+      </p:sp>
+      <p:grpSp>
+        <p:nvGrpSpPr>
+          <p:cNvPr id="2" name="Group 1"/>
+          <p:cNvGrpSpPr/>
+          <p:nvPr/>
+        </p:nvGrpSpPr>
+        <p:grpSpPr>
+          <a:xfrm>
+            <a:off x="0" y="1707424"/>
+            <a:ext cx="12192000" cy="895803"/>
+            <a:chOff x="0" y="1918571"/>
+            <a:chExt cx="12192000" cy="832911"/>
+          </a:xfrm>
+        </p:grpSpPr>
+        <p:sp>
+          <p:nvSpPr>
+            <p:cNvPr id="7" name="Rectangle 6"/>
+            <p:cNvSpPr/>
+            <p:nvPr/>
+          </p:nvSpPr>
+          <p:spPr>
+            <a:xfrm>
+              <a:off x="0" y="1918571"/>
+              <a:ext cx="12192000" cy="832911"/>
+            </a:xfrm>
+            <a:prstGeom prst="rect">
+              <a:avLst/>
+            </a:prstGeom>
+            <a:solidFill>
+              <a:srgbClr val="0070C0"/>
+            </a:solidFill>
+            <a:ln w="9525" cap="flat" cmpd="sng" algn="ctr">
+              <a:noFill/>
+              <a:prstDash val="solid"/>
+            </a:ln>
+            <a:effectLst/>
+          </p:spPr>
+          <p:txBody>
+            <a:bodyPr rtlCol="0" anchor="ctr"/>
+            <a:lstStyle/>
+            <a:p>
+              <a:pPr marL="0" marR="0" lvl="0" indent="0" algn="ctr" defTabSz="914400" eaLnBrk="1" fontAlgn="auto" latinLnBrk="0" hangingPunct="1">
+                <a:lnSpc>
+                  <a:spcPct val="100000"/>
+                </a:lnSpc>
+                <a:spcBef>
+                  <a:spcPts val="0"/>
+                </a:spcBef>
+                <a:spcAft>
+                  <a:spcPts val="0"/>
+                </a:spcAft>
+                <a:buClrTx/>
+                <a:buSzTx/>
+                <a:buFont typeface="Arial" panose="020B0604020202020204" pitchFamily="34" charset="0"/>
+                <a:buNone/>
+                <a:tabLst/>
+                <a:defRPr/>
+              </a:pPr>
+              <a:endParaRPr kumimoji="0" lang="en-US" sz="4000" i="1" u="none" strike="noStrike" kern="0" cap="none" spc="0" normalizeH="0" baseline="0" noProof="0" dirty="0">
+                <a:ln>
+                  <a:noFill/>
+                </a:ln>
+                <a:solidFill>
+                  <a:prstClr val="white"/>
+                </a:solidFill>
+                <a:effectLst/>
+                <a:uLnTx/>
+                <a:uFillTx/>
+                <a:latin typeface="+mj-lt"/>
+              </a:endParaRPr>
+            </a:p>
+          </p:txBody>
+        </p:sp>
+        <p:sp>
+          <p:nvSpPr>
+            <p:cNvPr id="9" name="Content Placeholder 2"/>
+            <p:cNvSpPr txBox="1">
+              <a:spLocks/>
+            </p:cNvSpPr>
+            <p:nvPr/>
+          </p:nvSpPr>
+          <p:spPr>
+            <a:xfrm>
+              <a:off x="838200" y="1918571"/>
+              <a:ext cx="10233542" cy="832911"/>
+            </a:xfrm>
+            <a:prstGeom prst="rect">
+              <a:avLst/>
+            </a:prstGeom>
+          </p:spPr>
+          <p:txBody>
+            <a:bodyPr anchor="ctr"/>
+            <a:lstStyle>
+              <a:lvl1pPr marL="0" indent="0" algn="ctr" defTabSz="914400" rtl="0" eaLnBrk="1" latinLnBrk="0" hangingPunct="1">
+                <a:lnSpc>
+                  <a:spcPct val="90000"/>
+                </a:lnSpc>
+                <a:spcBef>
+                  <a:spcPts val="1000"/>
+                </a:spcBef>
+                <a:buFont typeface="Arial" panose="020B0604020202020204" pitchFamily="34" charset="0"/>
+                <a:buNone/>
+                <a:defRPr sz="2800" i="1" kern="1200">
+                  <a:solidFill>
+                    <a:schemeClr val="bg1"/>
+                  </a:solidFill>
+                  <a:latin typeface="+mn-lt"/>
+                  <a:ea typeface="+mn-ea"/>
+                  <a:cs typeface="+mn-cs"/>
+                </a:defRPr>
+              </a:lvl1pPr>
+              <a:lvl2pPr marL="457200" indent="0" algn="ctr" defTabSz="914400" rtl="0" eaLnBrk="1" latinLnBrk="0" hangingPunct="1">
+                <a:lnSpc>
+                  <a:spcPct val="90000"/>
+                </a:lnSpc>
+                <a:spcBef>
+                  <a:spcPts val="500"/>
+                </a:spcBef>
+                <a:buFont typeface="Arial" panose="020B0604020202020204" pitchFamily="34" charset="0"/>
+                <a:buNone/>
+                <a:defRPr sz="2400" i="1" kern="1200">
+                  <a:solidFill>
+                    <a:schemeClr val="bg1"/>
+                  </a:solidFill>
+                  <a:latin typeface="+mn-lt"/>
+                  <a:ea typeface="+mn-ea"/>
+                  <a:cs typeface="+mn-cs"/>
+                </a:defRPr>
+              </a:lvl2pPr>
+              <a:lvl3pPr marL="914400" indent="0" algn="ctr" defTabSz="914400" rtl="0" eaLnBrk="1" latinLnBrk="0" hangingPunct="1">
+                <a:lnSpc>
+                  <a:spcPct val="90000"/>
+                </a:lnSpc>
+                <a:spcBef>
+                  <a:spcPts val="500"/>
+                </a:spcBef>
+                <a:buFont typeface="Arial" panose="020B0604020202020204" pitchFamily="34" charset="0"/>
+                <a:buNone/>
+                <a:defRPr sz="2000" i="1" kern="1200">
+                  <a:solidFill>
+                    <a:schemeClr val="bg1"/>
+                  </a:solidFill>
+                  <a:latin typeface="+mn-lt"/>
+                  <a:ea typeface="+mn-ea"/>
+                  <a:cs typeface="+mn-cs"/>
+                </a:defRPr>
+              </a:lvl3pPr>
+              <a:lvl4pPr marL="1371600" indent="0" algn="ctr" defTabSz="914400" rtl="0" eaLnBrk="1" latinLnBrk="0" hangingPunct="1">
+                <a:lnSpc>
+                  <a:spcPct val="90000"/>
+                </a:lnSpc>
+                <a:spcBef>
+                  <a:spcPts val="500"/>
+                </a:spcBef>
+                <a:buFont typeface="Arial" panose="020B0604020202020204" pitchFamily="34" charset="0"/>
+                <a:buNone/>
+                <a:defRPr sz="1800" i="1" kern="1200">
+                  <a:solidFill>
+                    <a:schemeClr val="bg1"/>
+                  </a:solidFill>
+                  <a:latin typeface="+mn-lt"/>
+                  <a:ea typeface="+mn-ea"/>
+                  <a:cs typeface="+mn-cs"/>
+                </a:defRPr>
+              </a:lvl4pPr>
+              <a:lvl5pPr marL="1828800" indent="0" algn="ctr" defTabSz="914400" rtl="0" eaLnBrk="1" latinLnBrk="0" hangingPunct="1">
+                <a:lnSpc>
+                  <a:spcPct val="90000"/>
+                </a:lnSpc>
+                <a:spcBef>
+                  <a:spcPts val="500"/>
+                </a:spcBef>
+                <a:buFont typeface="Arial" panose="020B0604020202020204" pitchFamily="34" charset="0"/>
+                <a:buNone/>
+                <a:defRPr sz="1800" i="1" kern="1200">
+                  <a:solidFill>
+                    <a:schemeClr val="bg1"/>
+                  </a:solidFill>
+                  <a:latin typeface="+mn-lt"/>
+                  <a:ea typeface="+mn-ea"/>
+                  <a:cs typeface="+mn-cs"/>
+                </a:defRPr>
+              </a:lvl5pPr>
+              <a:lvl6pPr marL="2514600" indent="-228600" algn="l" defTabSz="914400" rtl="0" eaLnBrk="1" latinLnBrk="0" hangingPunct="1">
+                <a:lnSpc>
+                  <a:spcPct val="90000"/>
+                </a:lnSpc>
+                <a:spcBef>
+                  <a:spcPts val="500"/>
+                </a:spcBef>
+                <a:buFont typeface="Arial" panose="020B0604020202020204" pitchFamily="34" charset="0"/>
+                <a:buChar char="•"/>
+                <a:defRPr sz="1800" kern="1200">
+                  <a:solidFill>
+                    <a:schemeClr val="tx1"/>
+                  </a:solidFill>
+                  <a:latin typeface="+mn-lt"/>
+                  <a:ea typeface="+mn-ea"/>
+                  <a:cs typeface="+mn-cs"/>
+                </a:defRPr>
+              </a:lvl6pPr>
+              <a:lvl7pPr marL="2971800" indent="-228600" algn="l" defTabSz="914400" rtl="0" eaLnBrk="1" latinLnBrk="0" hangingPunct="1">
+                <a:lnSpc>
+                  <a:spcPct val="90000"/>
+                </a:lnSpc>
+                <a:spcBef>
+                  <a:spcPts val="500"/>
+                </a:spcBef>
+                <a:buFont typeface="Arial" panose="020B0604020202020204" pitchFamily="34" charset="0"/>
+                <a:buChar char="•"/>
+                <a:defRPr sz="1800" kern="1200">
+                  <a:solidFill>
+                    <a:schemeClr val="tx1"/>
+                  </a:solidFill>
+                  <a:latin typeface="+mn-lt"/>
+                  <a:ea typeface="+mn-ea"/>
+                  <a:cs typeface="+mn-cs"/>
+                </a:defRPr>
+              </a:lvl7pPr>
+              <a:lvl8pPr marL="3429000" indent="-228600" algn="l" defTabSz="914400" rtl="0" eaLnBrk="1" latinLnBrk="0" hangingPunct="1">
+                <a:lnSpc>
+                  <a:spcPct val="90000"/>
+                </a:lnSpc>
+                <a:spcBef>
+                  <a:spcPts val="500"/>
+                </a:spcBef>
+                <a:buFont typeface="Arial" panose="020B0604020202020204" pitchFamily="34" charset="0"/>
+                <a:buChar char="•"/>
+                <a:defRPr sz="1800" kern="1200">
+                  <a:solidFill>
+                    <a:schemeClr val="tx1"/>
+                  </a:solidFill>
+                  <a:latin typeface="+mn-lt"/>
+                  <a:ea typeface="+mn-ea"/>
+                  <a:cs typeface="+mn-cs"/>
+                </a:defRPr>
+              </a:lvl8pPr>
+              <a:lvl9pPr marL="3886200" indent="-228600" algn="l" defTabSz="914400" rtl="0" eaLnBrk="1" latinLnBrk="0" hangingPunct="1">
+                <a:lnSpc>
+                  <a:spcPct val="90000"/>
+                </a:lnSpc>
+                <a:spcBef>
+                  <a:spcPts val="500"/>
+                </a:spcBef>
+                <a:buFont typeface="Arial" panose="020B0604020202020204" pitchFamily="34" charset="0"/>
+                <a:buChar char="•"/>
+                <a:defRPr sz="1800" kern="1200">
+                  <a:solidFill>
+                    <a:schemeClr val="tx1"/>
+                  </a:solidFill>
+                  <a:latin typeface="+mn-lt"/>
+                  <a:ea typeface="+mn-ea"/>
+                  <a:cs typeface="+mn-cs"/>
+                </a:defRPr>
+              </a:lvl9pPr>
+            </a:lstStyle>
+            <a:p>
+              <a:pPr algn="l"/>
+              <a:r>
+                <a:rPr lang="en-US" altLang="ko-KR" i="0" dirty="0"/>
+                <a:t>Local vector used in supervised learning algorithms</a:t>
+              </a:r>
+            </a:p>
+          </p:txBody>
+        </p:sp>
+      </p:grpSp>
+    </p:spTree>
+    <p:extLst>
+      <p:ext uri="{BB962C8B-B14F-4D97-AF65-F5344CB8AC3E}">
+        <p14:creationId xmlns:p14="http://schemas.microsoft.com/office/powerpoint/2010/main" val="1130614151"/>
+      </p:ext>
+    </p:extLst>
+  </p:cSld>
+  <p:clrMapOvr>
+    <a:masterClrMapping/>
+  </p:clrMapOvr>
+</p:sld>
+</file>
+
+<file path=ppt/slides/slide25.xml><?xml version="1.0" encoding="utf-8"?>
+<p:sld xmlns:a="http://schemas.openxmlformats.org/drawingml/2006/main" xmlns:r="http://schemas.openxmlformats.org/officeDocument/2006/relationships" xmlns:p="http://schemas.openxmlformats.org/presentationml/2006/main">
+  <p:cSld>
+    <p:spTree>
+      <p:nvGrpSpPr>
+        <p:cNvPr id="1" name=""/>
+        <p:cNvGrpSpPr/>
+        <p:nvPr/>
+      </p:nvGrpSpPr>
+      <p:grpSpPr>
+        <a:xfrm>
+          <a:off x="0" y="0"/>
+          <a:ext cx="0" cy="0"/>
+          <a:chOff x="0" y="0"/>
+          <a:chExt cx="0" cy="0"/>
+        </a:xfrm>
+      </p:grpSpPr>
+      <p:sp>
+        <p:nvSpPr>
+          <p:cNvPr id="5" name="Title 4"/>
+          <p:cNvSpPr>
+            <a:spLocks noGrp="1"/>
+          </p:cNvSpPr>
+          <p:nvPr>
+            <p:ph type="title"/>
+          </p:nvPr>
+        </p:nvSpPr>
+        <p:spPr/>
+        <p:txBody>
+          <a:bodyPr>
+            <a:normAutofit/>
+          </a:bodyPr>
+          <a:lstStyle/>
+          <a:p>
+            <a:r>
+              <a:rPr lang="en-US" sz="4000" dirty="0"/>
               <a:t>Data Type – Local Matrix</a:t>
             </a:r>
           </a:p>
@@ -17798,18 +18062,9 @@
               <a:buNone/>
             </a:pPr>
             <a:r>
-              <a:rPr lang="en-US" dirty="0" smtClean="0"/>
-              <a:t>Two </a:t>
-            </a:r>
-            <a:r>
               <a:rPr lang="en-US" dirty="0"/>
-              <a:t>types of local </a:t>
-            </a:r>
-            <a:r>
-              <a:rPr lang="en-US" dirty="0" smtClean="0"/>
-              <a:t>matrices</a:t>
-            </a:r>
-            <a:endParaRPr lang="en-US" dirty="0"/>
+              <a:t>Two types of local matrices</a:t>
+            </a:r>
           </a:p>
           <a:p>
             <a:pPr>
@@ -17817,12 +18072,8 @@
               <a:buChar char="§"/>
             </a:pPr>
             <a:r>
-              <a:rPr lang="en-US" dirty="0" smtClean="0"/>
-              <a:t>Dense </a:t>
-            </a:r>
-            <a:r>
               <a:rPr lang="en-US" dirty="0"/>
-              <a:t>matrix</a:t>
+              <a:t>Dense matrix</a:t>
             </a:r>
           </a:p>
           <a:p>
@@ -17831,10 +18082,9 @@
               <a:buChar char="§"/>
             </a:pPr>
             <a:r>
-              <a:rPr lang="en-US" dirty="0" smtClean="0"/>
+              <a:rPr lang="en-US" dirty="0"/>
               <a:t>Sparse matrix</a:t>
             </a:r>
-            <a:endParaRPr lang="en-US" dirty="0"/>
           </a:p>
         </p:txBody>
       </p:sp>
@@ -18098,13 +18348,8 @@
               <a:pPr algn="l"/>
               <a:r>
                 <a:rPr lang="en-US" i="0" dirty="0"/>
-                <a:t>A local matrix has integer-typed row and column indices and double-typed values, stored on a single </a:t>
+                <a:t>A local matrix has integer-typed row and column indices and double-typed values, stored on a single machine</a:t>
               </a:r>
-              <a:r>
-                <a:rPr lang="en-US" i="0" dirty="0" smtClean="0"/>
-                <a:t>machine</a:t>
-              </a:r>
-              <a:endParaRPr lang="en-US" i="0" dirty="0"/>
             </a:p>
           </p:txBody>
         </p:sp>
@@ -18122,7 +18367,7 @@
 </p:sld>
 </file>
 
-<file path=ppt/slides/slide27.xml><?xml version="1.0" encoding="utf-8"?>
+<file path=ppt/slides/slide26.xml><?xml version="1.0" encoding="utf-8"?>
 <p:sld xmlns:a="http://schemas.openxmlformats.org/drawingml/2006/main" xmlns:r="http://schemas.openxmlformats.org/officeDocument/2006/relationships" xmlns:p="http://schemas.openxmlformats.org/presentationml/2006/main">
   <p:cSld>
     <p:spTree>
@@ -18258,7 +18503,7 @@
 </p:sld>
 </file>
 
-<file path=ppt/slides/slide28.xml><?xml version="1.0" encoding="utf-8"?>
+<file path=ppt/slides/slide27.xml><?xml version="1.0" encoding="utf-8"?>
 <p:sld xmlns:a="http://schemas.openxmlformats.org/drawingml/2006/main" xmlns:r="http://schemas.openxmlformats.org/officeDocument/2006/relationships" xmlns:p="http://schemas.openxmlformats.org/presentationml/2006/main">
   <p:cSld>
     <p:spTree>
@@ -18326,12 +18571,8 @@
               <a:buChar char="§"/>
             </a:pPr>
             <a:r>
-              <a:rPr lang="en-US" dirty="0" smtClean="0"/>
-              <a:t>Three </a:t>
-            </a:r>
-            <a:r>
               <a:rPr lang="en-US" dirty="0"/>
-              <a:t>types of distributed matrices implemented so far:</a:t>
+              <a:t>Three types of distributed matrices implemented so far:</a:t>
             </a:r>
           </a:p>
           <a:p>
@@ -18340,7 +18581,7 @@
               <a:buChar char="§"/>
             </a:pPr>
             <a:r>
-              <a:rPr lang="en-US" sz="2800" dirty="0" err="1" smtClean="0"/>
+              <a:rPr lang="en-US" sz="2800" dirty="0" err="1"/>
               <a:t>RowMatrix</a:t>
             </a:r>
             <a:endParaRPr lang="en-US" sz="2800" dirty="0"/>
@@ -18351,7 +18592,7 @@
               <a:buChar char="§"/>
             </a:pPr>
             <a:r>
-              <a:rPr lang="en-US" sz="2800" dirty="0" err="1" smtClean="0"/>
+              <a:rPr lang="en-US" sz="2800" dirty="0" err="1"/>
               <a:t>IndexedRowMatrix</a:t>
             </a:r>
             <a:endParaRPr lang="en-US" sz="2800" dirty="0"/>
@@ -18362,10 +18603,10 @@
               <a:buChar char="§"/>
             </a:pPr>
             <a:r>
-              <a:rPr lang="en-US" sz="2800" dirty="0" err="1" smtClean="0"/>
+              <a:rPr lang="en-US" sz="2800" dirty="0" err="1"/>
               <a:t>CoordinateMatrix</a:t>
             </a:r>
-            <a:endParaRPr lang="en-US" sz="2800" dirty="0" smtClean="0"/>
+            <a:endParaRPr lang="en-US" sz="2800" dirty="0"/>
           </a:p>
           <a:p>
             <a:pPr>
@@ -18373,22 +18614,17 @@
               <a:buChar char="§"/>
             </a:pPr>
             <a:r>
-              <a:rPr lang="en-US" sz="3200" dirty="0" smtClean="0"/>
+              <a:rPr lang="en-US" sz="3200" dirty="0"/>
               <a:t>Values are stored </a:t>
             </a:r>
             <a:r>
-              <a:rPr lang="en-US" sz="3200" dirty="0" err="1" smtClean="0"/>
+              <a:rPr lang="en-US" sz="3200" dirty="0" err="1"/>
               <a:t>distributavely</a:t>
             </a:r>
             <a:r>
-              <a:rPr lang="en-US" sz="3200" dirty="0" smtClean="0"/>
-              <a:t> </a:t>
-            </a:r>
-            <a:r>
-              <a:rPr lang="en-US" sz="3200" dirty="0" smtClean="0"/>
-              <a:t>in one or more RDDs</a:t>
-            </a:r>
-            <a:endParaRPr lang="en-US" sz="3200" dirty="0"/>
+              <a:rPr lang="en-US" sz="3200" dirty="0"/>
+              <a:t> in one or more RDDs</a:t>
+            </a:r>
           </a:p>
         </p:txBody>
       </p:sp>
@@ -18652,13 +18888,8 @@
               <a:pPr algn="l"/>
               <a:r>
                 <a:rPr lang="en-US" i="0" dirty="0"/>
-                <a:t>A distributed matrix has long-typed row and column indices and double-typed </a:t>
+                <a:t>A distributed matrix has long-typed row and column indices and double-typed values</a:t>
               </a:r>
-              <a:r>
-                <a:rPr lang="en-US" i="0" dirty="0" smtClean="0"/>
-                <a:t>values</a:t>
-              </a:r>
-              <a:endParaRPr lang="en-US" i="0" dirty="0"/>
             </a:p>
           </p:txBody>
         </p:sp>
@@ -18667,6 +18898,317 @@
     <p:extLst>
       <p:ext uri="{BB962C8B-B14F-4D97-AF65-F5344CB8AC3E}">
         <p14:creationId xmlns:p14="http://schemas.microsoft.com/office/powerpoint/2010/main" val="625453876"/>
+      </p:ext>
+    </p:extLst>
+  </p:cSld>
+  <p:clrMapOvr>
+    <a:masterClrMapping/>
+  </p:clrMapOvr>
+</p:sld>
+</file>
+
+<file path=ppt/slides/slide28.xml><?xml version="1.0" encoding="utf-8"?>
+<p:sld xmlns:a="http://schemas.openxmlformats.org/drawingml/2006/main" xmlns:r="http://schemas.openxmlformats.org/officeDocument/2006/relationships" xmlns:p="http://schemas.openxmlformats.org/presentationml/2006/main">
+  <p:cSld>
+    <p:spTree>
+      <p:nvGrpSpPr>
+        <p:cNvPr id="1" name=""/>
+        <p:cNvGrpSpPr/>
+        <p:nvPr/>
+      </p:nvGrpSpPr>
+      <p:grpSpPr>
+        <a:xfrm>
+          <a:off x="0" y="0"/>
+          <a:ext cx="0" cy="0"/>
+          <a:chOff x="0" y="0"/>
+          <a:chExt cx="0" cy="0"/>
+        </a:xfrm>
+      </p:grpSpPr>
+      <p:sp>
+        <p:nvSpPr>
+          <p:cNvPr id="2" name="Title 1"/>
+          <p:cNvSpPr>
+            <a:spLocks noGrp="1"/>
+          </p:cNvSpPr>
+          <p:nvPr>
+            <p:ph type="title"/>
+          </p:nvPr>
+        </p:nvSpPr>
+        <p:spPr/>
+        <p:txBody>
+          <a:bodyPr>
+            <a:normAutofit fontScale="90000"/>
+          </a:bodyPr>
+          <a:lstStyle/>
+          <a:p>
+            <a:r>
+              <a:rPr lang="en-US" dirty="0" err="1"/>
+              <a:t>RowMatrix</a:t>
+            </a:r>
+            <a:endParaRPr lang="en-US" dirty="0"/>
+          </a:p>
+        </p:txBody>
+      </p:sp>
+      <p:sp>
+        <p:nvSpPr>
+          <p:cNvPr id="3" name="Content Placeholder 2"/>
+          <p:cNvSpPr>
+            <a:spLocks noGrp="1"/>
+          </p:cNvSpPr>
+          <p:nvPr>
+            <p:ph sz="half" idx="1"/>
+          </p:nvPr>
+        </p:nvSpPr>
+        <p:spPr/>
+        <p:txBody>
+          <a:bodyPr/>
+          <a:lstStyle/>
+          <a:p>
+            <a:pPr>
+              <a:buFont typeface="Wingdings" charset="2"/>
+              <a:buChar char="§"/>
+            </a:pPr>
+            <a:r>
+              <a:rPr lang="en-US" dirty="0"/>
+              <a:t>A </a:t>
+            </a:r>
+            <a:r>
+              <a:rPr lang="en-US" dirty="0" err="1"/>
+              <a:t>RowMatrix</a:t>
+            </a:r>
+            <a:r>
+              <a:rPr lang="en-US" dirty="0"/>
+              <a:t> is a row-oriented distributed matrix without meaningful row indices</a:t>
+            </a:r>
+          </a:p>
+        </p:txBody>
+      </p:sp>
+      <p:sp>
+        <p:nvSpPr>
+          <p:cNvPr id="4" name="Content Placeholder 3"/>
+          <p:cNvSpPr>
+            <a:spLocks noGrp="1"/>
+          </p:cNvSpPr>
+          <p:nvPr>
+            <p:ph idx="13"/>
+          </p:nvPr>
+        </p:nvSpPr>
+        <p:spPr/>
+        <p:txBody>
+          <a:bodyPr>
+            <a:noAutofit/>
+          </a:bodyPr>
+          <a:lstStyle/>
+          <a:p>
+            <a:pPr>
+              <a:spcBef>
+                <a:spcPts val="400"/>
+              </a:spcBef>
+            </a:pPr>
+            <a:r>
+              <a:rPr lang="en-US" sz="1800" dirty="0"/>
+              <a:t>from </a:t>
+            </a:r>
+            <a:r>
+              <a:rPr lang="en-US" sz="1800" dirty="0" err="1"/>
+              <a:t>pyspark.mllib.linalg.distributed</a:t>
+            </a:r>
+            <a:r>
+              <a:rPr lang="en-US" sz="1800" dirty="0"/>
+              <a:t> import </a:t>
+            </a:r>
+            <a:r>
+              <a:rPr lang="en-US" sz="1800" dirty="0" err="1"/>
+              <a:t>RowMatrix</a:t>
+            </a:r>
+            <a:endParaRPr lang="en-US" sz="1800" dirty="0"/>
+          </a:p>
+          <a:p>
+            <a:pPr>
+              <a:spcBef>
+                <a:spcPts val="400"/>
+              </a:spcBef>
+            </a:pPr>
+            <a:endParaRPr lang="en-US" sz="1800" dirty="0"/>
+          </a:p>
+          <a:p>
+            <a:pPr>
+              <a:spcBef>
+                <a:spcPts val="400"/>
+              </a:spcBef>
+            </a:pPr>
+            <a:r>
+              <a:rPr lang="en-US" sz="1800" dirty="0"/>
+              <a:t># Create an RDD of vectors.</a:t>
+            </a:r>
+          </a:p>
+          <a:p>
+            <a:pPr>
+              <a:spcBef>
+                <a:spcPts val="400"/>
+              </a:spcBef>
+            </a:pPr>
+            <a:r>
+              <a:rPr lang="en-US" sz="1800" dirty="0"/>
+              <a:t>rows = </a:t>
+            </a:r>
+            <a:r>
+              <a:rPr lang="en-US" sz="1800" dirty="0" err="1"/>
+              <a:t>sc.parallelize</a:t>
+            </a:r>
+            <a:r>
+              <a:rPr lang="en-US" sz="1800" dirty="0"/>
+              <a:t>([[1, 2, 3], [4, 5, 6], [7, 8, 9], [10, 11, 12]])</a:t>
+            </a:r>
+          </a:p>
+          <a:p>
+            <a:pPr>
+              <a:spcBef>
+                <a:spcPts val="400"/>
+              </a:spcBef>
+            </a:pPr>
+            <a:endParaRPr lang="en-US" sz="1800" dirty="0"/>
+          </a:p>
+          <a:p>
+            <a:pPr>
+              <a:spcBef>
+                <a:spcPts val="400"/>
+              </a:spcBef>
+            </a:pPr>
+            <a:r>
+              <a:rPr lang="en-US" sz="1800" dirty="0"/>
+              <a:t># Create a </a:t>
+            </a:r>
+            <a:r>
+              <a:rPr lang="en-US" sz="1800" dirty="0" err="1"/>
+              <a:t>RowMatrix</a:t>
+            </a:r>
+            <a:r>
+              <a:rPr lang="en-US" sz="1800" dirty="0"/>
+              <a:t> from an RDD of vectors.</a:t>
+            </a:r>
+          </a:p>
+          <a:p>
+            <a:pPr>
+              <a:spcBef>
+                <a:spcPts val="400"/>
+              </a:spcBef>
+            </a:pPr>
+            <a:r>
+              <a:rPr lang="en-US" sz="1800" dirty="0"/>
+              <a:t>mat = </a:t>
+            </a:r>
+            <a:r>
+              <a:rPr lang="en-US" sz="1800" dirty="0" err="1"/>
+              <a:t>RowMatrix</a:t>
+            </a:r>
+            <a:r>
+              <a:rPr lang="en-US" sz="1800" dirty="0"/>
+              <a:t>(rows)</a:t>
+            </a:r>
+          </a:p>
+          <a:p>
+            <a:pPr>
+              <a:spcBef>
+                <a:spcPts val="400"/>
+              </a:spcBef>
+            </a:pPr>
+            <a:endParaRPr lang="en-US" sz="1800" dirty="0"/>
+          </a:p>
+          <a:p>
+            <a:pPr>
+              <a:spcBef>
+                <a:spcPts val="400"/>
+              </a:spcBef>
+            </a:pPr>
+            <a:r>
+              <a:rPr lang="en-US" sz="1800" dirty="0"/>
+              <a:t># Get its size.</a:t>
+            </a:r>
+          </a:p>
+          <a:p>
+            <a:pPr>
+              <a:spcBef>
+                <a:spcPts val="400"/>
+              </a:spcBef>
+            </a:pPr>
+            <a:r>
+              <a:rPr lang="en-US" sz="1800" dirty="0"/>
+              <a:t>m = </a:t>
+            </a:r>
+            <a:r>
+              <a:rPr lang="en-US" sz="1800" dirty="0" err="1"/>
+              <a:t>mat.numRows</a:t>
+            </a:r>
+            <a:r>
+              <a:rPr lang="en-US" sz="1800" dirty="0"/>
+              <a:t>()  # 4</a:t>
+            </a:r>
+          </a:p>
+          <a:p>
+            <a:pPr>
+              <a:spcBef>
+                <a:spcPts val="400"/>
+              </a:spcBef>
+            </a:pPr>
+            <a:r>
+              <a:rPr lang="en-US" sz="1800" dirty="0"/>
+              <a:t>n = </a:t>
+            </a:r>
+            <a:r>
+              <a:rPr lang="en-US" sz="1800" dirty="0" err="1"/>
+              <a:t>mat.numCols</a:t>
+            </a:r>
+            <a:r>
+              <a:rPr lang="en-US" sz="1800" dirty="0"/>
+              <a:t>()  # 3</a:t>
+            </a:r>
+          </a:p>
+          <a:p>
+            <a:pPr>
+              <a:spcBef>
+                <a:spcPts val="400"/>
+              </a:spcBef>
+            </a:pPr>
+            <a:endParaRPr lang="en-US" sz="1800" dirty="0"/>
+          </a:p>
+          <a:p>
+            <a:pPr>
+              <a:spcBef>
+                <a:spcPts val="400"/>
+              </a:spcBef>
+            </a:pPr>
+            <a:r>
+              <a:rPr lang="en-US" sz="1800" dirty="0"/>
+              <a:t># Get the rows as an RDD of vectors again.</a:t>
+            </a:r>
+          </a:p>
+          <a:p>
+            <a:pPr>
+              <a:spcBef>
+                <a:spcPts val="400"/>
+              </a:spcBef>
+            </a:pPr>
+            <a:r>
+              <a:rPr lang="en-US" sz="1800" dirty="0" err="1"/>
+              <a:t>rowsRDD</a:t>
+            </a:r>
+            <a:r>
+              <a:rPr lang="en-US" sz="1800" dirty="0"/>
+              <a:t> = </a:t>
+            </a:r>
+            <a:r>
+              <a:rPr lang="en-US" sz="1800" dirty="0" err="1"/>
+              <a:t>mat.rows</a:t>
+            </a:r>
+            <a:endParaRPr lang="en-US" sz="1800" dirty="0"/>
+          </a:p>
+        </p:txBody>
+      </p:sp>
+    </p:spTree>
+    <p:extLst>
+      <p:ext uri="{BB962C8B-B14F-4D97-AF65-F5344CB8AC3E}">
+        <p14:creationId xmlns:p14="http://schemas.microsoft.com/office/powerpoint/2010/main" val="1007413543"/>
       </p:ext>
     </p:extLst>
   </p:cSld>
@@ -18711,8 +19253,8 @@
           <a:lstStyle/>
           <a:p>
             <a:r>
-              <a:rPr lang="en-US" dirty="0" err="1" smtClean="0"/>
-              <a:t>RowMatrix</a:t>
+              <a:rPr lang="en-US" dirty="0" err="1"/>
+              <a:t>IndexedRowMatrix</a:t>
             </a:r>
             <a:endParaRPr lang="en-US" dirty="0"/>
           </a:p>
@@ -18728,7 +19270,12 @@
             <p:ph sz="half" idx="1"/>
           </p:nvPr>
         </p:nvSpPr>
-        <p:spPr/>
+        <p:spPr>
+          <a:xfrm>
+            <a:off x="442823" y="1031950"/>
+            <a:ext cx="3005941" cy="5669280"/>
+          </a:xfrm>
+        </p:spPr>
         <p:txBody>
           <a:bodyPr/>
           <a:lstStyle/>
@@ -18739,7 +19286,15 @@
             </a:pPr>
             <a:r>
               <a:rPr lang="en-US" dirty="0"/>
-              <a:t>A </a:t>
+              <a:t>An </a:t>
+            </a:r>
+            <a:r>
+              <a:rPr lang="en-US" dirty="0" err="1"/>
+              <a:t>IndexedRowMatrix</a:t>
+            </a:r>
+            <a:r>
+              <a:rPr lang="en-US" dirty="0"/>
+              <a:t> is similar to a </a:t>
             </a:r>
             <a:r>
               <a:rPr lang="en-US" dirty="0" err="1"/>
@@ -18747,11 +19302,7 @@
             </a:r>
             <a:r>
               <a:rPr lang="en-US" dirty="0"/>
-              <a:t> is a row-oriented distributed matrix without meaningful row </a:t>
-            </a:r>
-            <a:r>
-              <a:rPr lang="en-US" dirty="0" smtClean="0"/>
-              <a:t>indices</a:t>
+              <a:t> but with meaningful row indices. </a:t>
             </a:r>
           </a:p>
         </p:txBody>
@@ -18766,7 +19317,12 @@
             <p:ph idx="13"/>
           </p:nvPr>
         </p:nvSpPr>
-        <p:spPr/>
+        <p:spPr>
+          <a:xfrm>
+            <a:off x="3429000" y="1029664"/>
+            <a:ext cx="8360434" cy="5669280"/>
+          </a:xfrm>
+        </p:spPr>
         <p:txBody>
           <a:bodyPr>
             <a:noAutofit/>
@@ -18775,7 +19331,7 @@
           <a:p>
             <a:pPr>
               <a:spcBef>
-                <a:spcPts val="400"/>
+                <a:spcPts val="0"/>
               </a:spcBef>
             </a:pPr>
             <a:r>
@@ -18792,38 +19348,61 @@
             </a:r>
             <a:r>
               <a:rPr lang="en-US" sz="1800" dirty="0" err="1"/>
-              <a:t>RowMatrix</a:t>
+              <a:t>IndexedRow</a:t>
+            </a:r>
+            <a:r>
+              <a:rPr lang="en-US" sz="1800" dirty="0"/>
+              <a:t>, </a:t>
+            </a:r>
+            <a:r>
+              <a:rPr lang="en-US" sz="1800" dirty="0" err="1"/>
+              <a:t>IndexedRowMatrix</a:t>
             </a:r>
             <a:endParaRPr lang="en-US" sz="1800" dirty="0"/>
           </a:p>
           <a:p>
             <a:pPr>
               <a:spcBef>
-                <a:spcPts val="400"/>
+                <a:spcPts val="0"/>
               </a:spcBef>
             </a:pPr>
-            <a:endParaRPr lang="en-US" sz="1800" dirty="0"/>
+            <a:r>
+              <a:rPr lang="en-US" sz="1800" dirty="0"/>
+              <a:t># Create an RDD of indexed rows.</a:t>
+            </a:r>
           </a:p>
           <a:p>
             <a:pPr>
               <a:spcBef>
-                <a:spcPts val="400"/>
+                <a:spcPts val="0"/>
               </a:spcBef>
             </a:pPr>
             <a:r>
               <a:rPr lang="en-US" sz="1800" dirty="0"/>
-              <a:t># Create an RDD of vectors.</a:t>
+              <a:t>#   - This can be done explicitly with the </a:t>
+            </a:r>
+            <a:r>
+              <a:rPr lang="en-US" sz="1800" dirty="0" err="1"/>
+              <a:t>IndexedRow</a:t>
+            </a:r>
+            <a:r>
+              <a:rPr lang="en-US" sz="1800" dirty="0"/>
+              <a:t> class:</a:t>
             </a:r>
           </a:p>
           <a:p>
             <a:pPr>
               <a:spcBef>
-                <a:spcPts val="400"/>
+                <a:spcPts val="0"/>
               </a:spcBef>
             </a:pPr>
             <a:r>
+              <a:rPr lang="en-US" sz="1800" dirty="0" err="1"/>
+              <a:t>indexedRows</a:t>
+            </a:r>
+            <a:r>
               <a:rPr lang="en-US" sz="1800" dirty="0"/>
-              <a:t>rows = </a:t>
+              <a:t> = </a:t>
             </a:r>
             <a:r>
               <a:rPr lang="en-US" sz="1800" dirty="0" err="1"/>
@@ -18831,40 +19410,150 @@
             </a:r>
             <a:r>
               <a:rPr lang="en-US" sz="1800" dirty="0"/>
-              <a:t>([[1, 2, 3], [4, 5, 6], [7, 8, 9], [10, 11, 12]])</a:t>
+              <a:t>([</a:t>
+            </a:r>
+            <a:r>
+              <a:rPr lang="en-US" sz="1800" dirty="0" err="1"/>
+              <a:t>IndexedRow</a:t>
+            </a:r>
+            <a:r>
+              <a:rPr lang="en-US" sz="1800" dirty="0"/>
+              <a:t>(0, [1, 2, 3]), </a:t>
             </a:r>
           </a:p>
           <a:p>
             <a:pPr>
               <a:spcBef>
-                <a:spcPts val="400"/>
+                <a:spcPts val="0"/>
               </a:spcBef>
             </a:pPr>
-            <a:endParaRPr lang="en-US" sz="1800" dirty="0"/>
+            <a:r>
+              <a:rPr lang="en-US" sz="1800" dirty="0"/>
+              <a:t>                              </a:t>
+            </a:r>
+            <a:r>
+              <a:rPr lang="en-US" sz="1800" dirty="0" err="1"/>
+              <a:t>IndexedRow</a:t>
+            </a:r>
+            <a:r>
+              <a:rPr lang="en-US" sz="1800" dirty="0"/>
+              <a:t>(1, [4, 5, 6]), </a:t>
+            </a:r>
           </a:p>
           <a:p>
             <a:pPr>
               <a:spcBef>
-                <a:spcPts val="400"/>
+                <a:spcPts val="0"/>
               </a:spcBef>
             </a:pPr>
             <a:r>
               <a:rPr lang="en-US" sz="1800" dirty="0"/>
-              <a:t># Create a </a:t>
+              <a:t>                              </a:t>
             </a:r>
             <a:r>
               <a:rPr lang="en-US" sz="1800" dirty="0" err="1"/>
-              <a:t>RowMatrix</a:t>
+              <a:t>IndexedRow</a:t>
             </a:r>
             <a:r>
               <a:rPr lang="en-US" sz="1800" dirty="0"/>
-              <a:t> from an RDD of vectors.</a:t>
+              <a:t>(2, [7, 8, 9]), </a:t>
             </a:r>
           </a:p>
           <a:p>
             <a:pPr>
               <a:spcBef>
-                <a:spcPts val="400"/>
+                <a:spcPts val="0"/>
+              </a:spcBef>
+            </a:pPr>
+            <a:r>
+              <a:rPr lang="en-US" sz="1800" dirty="0"/>
+              <a:t>                              </a:t>
+            </a:r>
+            <a:r>
+              <a:rPr lang="en-US" sz="1800" dirty="0" err="1"/>
+              <a:t>IndexedRow</a:t>
+            </a:r>
+            <a:r>
+              <a:rPr lang="en-US" sz="1800" dirty="0"/>
+              <a:t>(3, [10, 11, 12])])</a:t>
+            </a:r>
+          </a:p>
+          <a:p>
+            <a:pPr>
+              <a:spcBef>
+                <a:spcPts val="0"/>
+              </a:spcBef>
+            </a:pPr>
+            <a:r>
+              <a:rPr lang="en-US" sz="1800" dirty="0"/>
+              <a:t>#   - or by using (long, vector) tuples:</a:t>
+            </a:r>
+          </a:p>
+          <a:p>
+            <a:pPr>
+              <a:spcBef>
+                <a:spcPts val="0"/>
+              </a:spcBef>
+            </a:pPr>
+            <a:r>
+              <a:rPr lang="en-US" sz="1800" dirty="0" err="1"/>
+              <a:t>indexedRows</a:t>
+            </a:r>
+            <a:r>
+              <a:rPr lang="en-US" sz="1800" dirty="0"/>
+              <a:t> = </a:t>
+            </a:r>
+            <a:r>
+              <a:rPr lang="en-US" sz="1800" dirty="0" err="1"/>
+              <a:t>sc.parallelize</a:t>
+            </a:r>
+            <a:r>
+              <a:rPr lang="en-US" sz="1800" dirty="0"/>
+              <a:t>([(0, [1, 2, 3]), (1, [4, 5, 6]), </a:t>
+            </a:r>
+          </a:p>
+          <a:p>
+            <a:pPr>
+              <a:spcBef>
+                <a:spcPts val="0"/>
+              </a:spcBef>
+            </a:pPr>
+            <a:r>
+              <a:rPr lang="en-US" sz="1800" dirty="0"/>
+              <a:t>                              (2, [7, 8, 9]), (3, [10, 11, 12])])</a:t>
+            </a:r>
+          </a:p>
+          <a:p>
+            <a:pPr>
+              <a:spcBef>
+                <a:spcPts val="0"/>
+              </a:spcBef>
+            </a:pPr>
+            <a:r>
+              <a:rPr lang="en-US" sz="1800" dirty="0"/>
+              <a:t># Create an </a:t>
+            </a:r>
+            <a:r>
+              <a:rPr lang="en-US" sz="1800" dirty="0" err="1"/>
+              <a:t>IndexedRowMatrix</a:t>
+            </a:r>
+            <a:r>
+              <a:rPr lang="en-US" sz="1800" dirty="0"/>
+              <a:t> from an RDD of </a:t>
+            </a:r>
+            <a:r>
+              <a:rPr lang="en-US" sz="1800" dirty="0" err="1"/>
+              <a:t>IndexedRows</a:t>
+            </a:r>
+            <a:r>
+              <a:rPr lang="en-US" sz="1800" dirty="0"/>
+              <a:t>.</a:t>
+            </a:r>
+          </a:p>
+          <a:p>
+            <a:pPr>
+              <a:spcBef>
+                <a:spcPts val="0"/>
               </a:spcBef>
             </a:pPr>
             <a:r>
@@ -18873,93 +19562,93 @@
             </a:r>
             <a:r>
               <a:rPr lang="en-US" sz="1800" dirty="0" err="1"/>
-              <a:t>RowMatrix</a:t>
+              <a:t>IndexedRowMatrix</a:t>
             </a:r>
             <a:r>
               <a:rPr lang="en-US" sz="1800" dirty="0"/>
-              <a:t>(rows)</a:t>
+              <a:t>(</a:t>
+            </a:r>
+            <a:r>
+              <a:rPr lang="en-US" sz="1800" dirty="0" err="1"/>
+              <a:t>indexedRows</a:t>
+            </a:r>
+            <a:r>
+              <a:rPr lang="en-US" sz="1800" dirty="0"/>
+              <a:t>)</a:t>
             </a:r>
           </a:p>
           <a:p>
             <a:pPr>
               <a:spcBef>
-                <a:spcPts val="400"/>
+                <a:spcPts val="0"/>
               </a:spcBef>
             </a:pPr>
-            <a:endParaRPr lang="en-US" sz="1800" dirty="0"/>
+            <a:r>
+              <a:rPr lang="en-US" sz="1800" dirty="0"/>
+              <a:t># Get its size.</a:t>
+            </a:r>
           </a:p>
           <a:p>
             <a:pPr>
               <a:spcBef>
-                <a:spcPts val="400"/>
+                <a:spcPts val="0"/>
               </a:spcBef>
             </a:pPr>
             <a:r>
               <a:rPr lang="en-US" sz="1800" dirty="0"/>
-              <a:t># Get its size.</a:t>
+              <a:t>m = </a:t>
+            </a:r>
+            <a:r>
+              <a:rPr lang="en-US" sz="1800" dirty="0" err="1"/>
+              <a:t>mat.numRows</a:t>
+            </a:r>
+            <a:r>
+              <a:rPr lang="en-US" sz="1800" dirty="0"/>
+              <a:t>()  # 4</a:t>
             </a:r>
           </a:p>
           <a:p>
             <a:pPr>
               <a:spcBef>
-                <a:spcPts val="400"/>
+                <a:spcPts val="0"/>
               </a:spcBef>
             </a:pPr>
             <a:r>
               <a:rPr lang="en-US" sz="1800" dirty="0"/>
-              <a:t>m = </a:t>
+              <a:t>n = </a:t>
             </a:r>
             <a:r>
               <a:rPr lang="en-US" sz="1800" dirty="0" err="1"/>
-              <a:t>mat.numRows</a:t>
+              <a:t>mat.numCols</a:t>
             </a:r>
             <a:r>
               <a:rPr lang="en-US" sz="1800" dirty="0"/>
-              <a:t>()  # 4</a:t>
+              <a:t>()  # 3</a:t>
             </a:r>
           </a:p>
           <a:p>
             <a:pPr>
               <a:spcBef>
-                <a:spcPts val="400"/>
+                <a:spcPts val="0"/>
               </a:spcBef>
             </a:pPr>
             <a:r>
               <a:rPr lang="en-US" sz="1800" dirty="0"/>
-              <a:t>n = </a:t>
+              <a:t># Get the rows as an RDD of </a:t>
             </a:r>
             <a:r>
               <a:rPr lang="en-US" sz="1800" dirty="0" err="1"/>
-              <a:t>mat.numCols</a:t>
+              <a:t>IndexedRows</a:t>
             </a:r>
             <a:r>
               <a:rPr lang="en-US" sz="1800" dirty="0"/>
-              <a:t>()  # 3</a:t>
+              <a:t>.</a:t>
             </a:r>
           </a:p>
           <a:p>
             <a:pPr>
               <a:spcBef>
-                <a:spcPts val="400"/>
-              </a:spcBef>
-            </a:pPr>
-            <a:endParaRPr lang="en-US" sz="1800" dirty="0"/>
-          </a:p>
-          <a:p>
-            <a:pPr>
-              <a:spcBef>
-                <a:spcPts val="400"/>
-              </a:spcBef>
-            </a:pPr>
-            <a:r>
-              <a:rPr lang="en-US" sz="1800" dirty="0"/>
-              <a:t># Get the rows as an RDD of vectors again.</a:t>
-            </a:r>
-          </a:p>
-          <a:p>
-            <a:pPr>
-              <a:spcBef>
-                <a:spcPts val="400"/>
+                <a:spcPts val="0"/>
               </a:spcBef>
             </a:pPr>
             <a:r>
@@ -18981,7 +19670,7 @@
     </p:spTree>
     <p:extLst>
       <p:ext uri="{BB962C8B-B14F-4D97-AF65-F5344CB8AC3E}">
-        <p14:creationId xmlns:p14="http://schemas.microsoft.com/office/powerpoint/2010/main" val="1007413543"/>
+        <p14:creationId xmlns:p14="http://schemas.microsoft.com/office/powerpoint/2010/main" val="1289496713"/>
       </p:ext>
     </p:extLst>
   </p:cSld>
@@ -19363,7 +20052,7 @@
                 <a:buChar char="§"/>
               </a:pPr>
               <a:r>
-                <a:rPr lang="en-US" sz="2800" dirty="0" smtClean="0"/>
+                <a:rPr lang="en-US" sz="2800" dirty="0"/>
                 <a:t>The fundamentals of Spark</a:t>
               </a:r>
             </a:p>
@@ -19373,12 +20062,8 @@
                 <a:buChar char="§"/>
               </a:pPr>
               <a:r>
-                <a:rPr lang="en-US" sz="2800" dirty="0" smtClean="0"/>
-                <a:t>Major </a:t>
-              </a:r>
-              <a:r>
-                <a:rPr lang="en-US" sz="2800" dirty="0" smtClean="0"/>
-                <a:t>components of Spark programming</a:t>
+                <a:rPr lang="en-US" sz="2800" dirty="0"/>
+                <a:t>Major components of Spark programming</a:t>
               </a:r>
             </a:p>
             <a:p>
@@ -19387,15 +20072,15 @@
                 <a:buChar char="§"/>
               </a:pPr>
               <a:r>
-                <a:rPr lang="en-US" sz="2800" dirty="0" smtClean="0"/>
+                <a:rPr lang="en-US" sz="2800" dirty="0"/>
                 <a:t>How Spark Machine learning library (</a:t>
               </a:r>
               <a:r>
-                <a:rPr lang="en-US" sz="2800" dirty="0" err="1" smtClean="0"/>
+                <a:rPr lang="en-US" sz="2800" dirty="0" err="1"/>
                 <a:t>MLlib</a:t>
               </a:r>
               <a:r>
-                <a:rPr lang="en-US" sz="2800" dirty="0" smtClean="0"/>
+                <a:rPr lang="en-US" sz="2800" dirty="0"/>
                 <a:t>) works</a:t>
               </a:r>
             </a:p>
@@ -19405,7 +20090,7 @@
                 <a:buChar char="§"/>
               </a:pPr>
               <a:r>
-                <a:rPr lang="en-US" sz="2800" dirty="0" smtClean="0"/>
+                <a:rPr lang="en-US" sz="2800" dirty="0"/>
                 <a:t>Spark data types</a:t>
               </a:r>
               <a:endParaRPr lang="en-US" altLang="es-MX" sz="2800" dirty="0"/>
@@ -19462,469 +20147,6 @@
           <a:p>
             <a:r>
               <a:rPr lang="en-US" dirty="0" err="1"/>
-              <a:t>IndexedRowMatrix</a:t>
-            </a:r>
-            <a:endParaRPr lang="en-US" dirty="0"/>
-          </a:p>
-        </p:txBody>
-      </p:sp>
-      <p:sp>
-        <p:nvSpPr>
-          <p:cNvPr id="3" name="Content Placeholder 2"/>
-          <p:cNvSpPr>
-            <a:spLocks noGrp="1"/>
-          </p:cNvSpPr>
-          <p:nvPr>
-            <p:ph sz="half" idx="1"/>
-          </p:nvPr>
-        </p:nvSpPr>
-        <p:spPr>
-          <a:xfrm>
-            <a:off x="442823" y="1029665"/>
-            <a:ext cx="2974747" cy="5645455"/>
-          </a:xfrm>
-        </p:spPr>
-        <p:txBody>
-          <a:bodyPr/>
-          <a:lstStyle/>
-          <a:p>
-            <a:pPr>
-              <a:buFont typeface="Wingdings" charset="2"/>
-              <a:buChar char="§"/>
-            </a:pPr>
-            <a:r>
-              <a:rPr lang="en-US" dirty="0"/>
-              <a:t>An </a:t>
-            </a:r>
-            <a:r>
-              <a:rPr lang="en-US" dirty="0" err="1"/>
-              <a:t>IndexedRowMatrix</a:t>
-            </a:r>
-            <a:r>
-              <a:rPr lang="en-US" dirty="0"/>
-              <a:t> is similar to a </a:t>
-            </a:r>
-            <a:r>
-              <a:rPr lang="en-US" dirty="0" err="1"/>
-              <a:t>RowMatrix</a:t>
-            </a:r>
-            <a:r>
-              <a:rPr lang="en-US" dirty="0"/>
-              <a:t> but with meaningful row indices. </a:t>
-            </a:r>
-            <a:endParaRPr lang="en-US" dirty="0" smtClean="0"/>
-          </a:p>
-        </p:txBody>
-      </p:sp>
-      <p:sp>
-        <p:nvSpPr>
-          <p:cNvPr id="4" name="Content Placeholder 3"/>
-          <p:cNvSpPr>
-            <a:spLocks noGrp="1"/>
-          </p:cNvSpPr>
-          <p:nvPr>
-            <p:ph idx="13"/>
-          </p:nvPr>
-        </p:nvSpPr>
-        <p:spPr>
-          <a:xfrm>
-            <a:off x="3429000" y="1029665"/>
-            <a:ext cx="8360434" cy="5668315"/>
-          </a:xfrm>
-        </p:spPr>
-        <p:txBody>
-          <a:bodyPr>
-            <a:noAutofit/>
-          </a:bodyPr>
-          <a:lstStyle/>
-          <a:p>
-            <a:pPr>
-              <a:spcBef>
-                <a:spcPts val="0"/>
-              </a:spcBef>
-            </a:pPr>
-            <a:r>
-              <a:rPr lang="en-US" sz="1800" dirty="0"/>
-              <a:t>from </a:t>
-            </a:r>
-            <a:r>
-              <a:rPr lang="en-US" sz="1800" dirty="0" err="1"/>
-              <a:t>pyspark.mllib.linalg.distributed</a:t>
-            </a:r>
-            <a:r>
-              <a:rPr lang="en-US" sz="1800" dirty="0"/>
-              <a:t> import </a:t>
-            </a:r>
-            <a:r>
-              <a:rPr lang="en-US" sz="1800" dirty="0" err="1"/>
-              <a:t>IndexedRow</a:t>
-            </a:r>
-            <a:r>
-              <a:rPr lang="en-US" sz="1800" dirty="0"/>
-              <a:t>, </a:t>
-            </a:r>
-            <a:r>
-              <a:rPr lang="en-US" sz="1800" dirty="0" err="1"/>
-              <a:t>IndexedRowMatrix</a:t>
-            </a:r>
-            <a:endParaRPr lang="en-US" sz="1800" dirty="0"/>
-          </a:p>
-          <a:p>
-            <a:pPr>
-              <a:spcBef>
-                <a:spcPts val="0"/>
-              </a:spcBef>
-            </a:pPr>
-            <a:r>
-              <a:rPr lang="en-US" sz="1800" dirty="0"/>
-              <a:t># Create an RDD of indexed rows.</a:t>
-            </a:r>
-          </a:p>
-          <a:p>
-            <a:pPr>
-              <a:spcBef>
-                <a:spcPts val="0"/>
-              </a:spcBef>
-            </a:pPr>
-            <a:r>
-              <a:rPr lang="en-US" sz="1800" dirty="0"/>
-              <a:t>#   - This can be done explicitly with the </a:t>
-            </a:r>
-            <a:r>
-              <a:rPr lang="en-US" sz="1800" dirty="0" err="1"/>
-              <a:t>IndexedRow</a:t>
-            </a:r>
-            <a:r>
-              <a:rPr lang="en-US" sz="1800" dirty="0"/>
-              <a:t> class:</a:t>
-            </a:r>
-          </a:p>
-          <a:p>
-            <a:pPr>
-              <a:spcBef>
-                <a:spcPts val="0"/>
-              </a:spcBef>
-            </a:pPr>
-            <a:r>
-              <a:rPr lang="en-US" sz="1800" dirty="0" err="1"/>
-              <a:t>indexedRows</a:t>
-            </a:r>
-            <a:r>
-              <a:rPr lang="en-US" sz="1800" dirty="0"/>
-              <a:t> = </a:t>
-            </a:r>
-            <a:r>
-              <a:rPr lang="en-US" sz="1800" dirty="0" err="1"/>
-              <a:t>sc.parallelize</a:t>
-            </a:r>
-            <a:r>
-              <a:rPr lang="en-US" sz="1800" dirty="0"/>
-              <a:t>([</a:t>
-            </a:r>
-            <a:r>
-              <a:rPr lang="en-US" sz="1800" dirty="0" err="1"/>
-              <a:t>IndexedRow</a:t>
-            </a:r>
-            <a:r>
-              <a:rPr lang="en-US" sz="1800" dirty="0"/>
-              <a:t>(0, [1, 2, 3]), </a:t>
-            </a:r>
-          </a:p>
-          <a:p>
-            <a:pPr>
-              <a:spcBef>
-                <a:spcPts val="0"/>
-              </a:spcBef>
-            </a:pPr>
-            <a:r>
-              <a:rPr lang="en-US" sz="1800" dirty="0"/>
-              <a:t>                              </a:t>
-            </a:r>
-            <a:r>
-              <a:rPr lang="en-US" sz="1800" dirty="0" err="1"/>
-              <a:t>IndexedRow</a:t>
-            </a:r>
-            <a:r>
-              <a:rPr lang="en-US" sz="1800" dirty="0"/>
-              <a:t>(1, [4, 5, 6]), </a:t>
-            </a:r>
-          </a:p>
-          <a:p>
-            <a:pPr>
-              <a:spcBef>
-                <a:spcPts val="0"/>
-              </a:spcBef>
-            </a:pPr>
-            <a:r>
-              <a:rPr lang="en-US" sz="1800" dirty="0"/>
-              <a:t>                              </a:t>
-            </a:r>
-            <a:r>
-              <a:rPr lang="en-US" sz="1800" dirty="0" err="1"/>
-              <a:t>IndexedRow</a:t>
-            </a:r>
-            <a:r>
-              <a:rPr lang="en-US" sz="1800" dirty="0"/>
-              <a:t>(2, [7, 8, 9]), </a:t>
-            </a:r>
-          </a:p>
-          <a:p>
-            <a:pPr>
-              <a:spcBef>
-                <a:spcPts val="0"/>
-              </a:spcBef>
-            </a:pPr>
-            <a:r>
-              <a:rPr lang="en-US" sz="1800" dirty="0"/>
-              <a:t>                              </a:t>
-            </a:r>
-            <a:r>
-              <a:rPr lang="en-US" sz="1800" dirty="0" err="1"/>
-              <a:t>IndexedRow</a:t>
-            </a:r>
-            <a:r>
-              <a:rPr lang="en-US" sz="1800" dirty="0"/>
-              <a:t>(3, [10, 11, 12])])</a:t>
-            </a:r>
-          </a:p>
-          <a:p>
-            <a:pPr>
-              <a:spcBef>
-                <a:spcPts val="0"/>
-              </a:spcBef>
-            </a:pPr>
-            <a:r>
-              <a:rPr lang="en-US" sz="1800" dirty="0"/>
-              <a:t>#   - or by using (long, vector) tuples:</a:t>
-            </a:r>
-          </a:p>
-          <a:p>
-            <a:pPr>
-              <a:spcBef>
-                <a:spcPts val="0"/>
-              </a:spcBef>
-            </a:pPr>
-            <a:r>
-              <a:rPr lang="en-US" sz="1800" dirty="0" err="1"/>
-              <a:t>indexedRows</a:t>
-            </a:r>
-            <a:r>
-              <a:rPr lang="en-US" sz="1800" dirty="0"/>
-              <a:t> = </a:t>
-            </a:r>
-            <a:r>
-              <a:rPr lang="en-US" sz="1800" dirty="0" err="1"/>
-              <a:t>sc.parallelize</a:t>
-            </a:r>
-            <a:r>
-              <a:rPr lang="en-US" sz="1800" dirty="0"/>
-              <a:t>([(0, [1, 2, 3]), (1, [4, 5, 6]), </a:t>
-            </a:r>
-          </a:p>
-          <a:p>
-            <a:pPr>
-              <a:spcBef>
-                <a:spcPts val="0"/>
-              </a:spcBef>
-            </a:pPr>
-            <a:r>
-              <a:rPr lang="en-US" sz="1800" dirty="0"/>
-              <a:t>                              (2, [7, 8, 9]), (3, [10, 11, 12])])</a:t>
-            </a:r>
-          </a:p>
-          <a:p>
-            <a:pPr>
-              <a:spcBef>
-                <a:spcPts val="0"/>
-              </a:spcBef>
-            </a:pPr>
-            <a:r>
-              <a:rPr lang="en-US" sz="1800" dirty="0"/>
-              <a:t># Create an </a:t>
-            </a:r>
-            <a:r>
-              <a:rPr lang="en-US" sz="1800" dirty="0" err="1"/>
-              <a:t>IndexedRowMatrix</a:t>
-            </a:r>
-            <a:r>
-              <a:rPr lang="en-US" sz="1800" dirty="0"/>
-              <a:t> from an RDD of </a:t>
-            </a:r>
-            <a:r>
-              <a:rPr lang="en-US" sz="1800" dirty="0" err="1"/>
-              <a:t>IndexedRows</a:t>
-            </a:r>
-            <a:r>
-              <a:rPr lang="en-US" sz="1800" dirty="0"/>
-              <a:t>.</a:t>
-            </a:r>
-          </a:p>
-          <a:p>
-            <a:pPr>
-              <a:spcBef>
-                <a:spcPts val="0"/>
-              </a:spcBef>
-            </a:pPr>
-            <a:r>
-              <a:rPr lang="en-US" sz="1800" dirty="0"/>
-              <a:t>mat = </a:t>
-            </a:r>
-            <a:r>
-              <a:rPr lang="en-US" sz="1800" dirty="0" err="1"/>
-              <a:t>IndexedRowMatrix</a:t>
-            </a:r>
-            <a:r>
-              <a:rPr lang="en-US" sz="1800" dirty="0"/>
-              <a:t>(</a:t>
-            </a:r>
-            <a:r>
-              <a:rPr lang="en-US" sz="1800" dirty="0" err="1"/>
-              <a:t>indexedRows</a:t>
-            </a:r>
-            <a:r>
-              <a:rPr lang="en-US" sz="1800" dirty="0"/>
-              <a:t>)</a:t>
-            </a:r>
-          </a:p>
-          <a:p>
-            <a:pPr>
-              <a:spcBef>
-                <a:spcPts val="0"/>
-              </a:spcBef>
-            </a:pPr>
-            <a:r>
-              <a:rPr lang="en-US" sz="1800" dirty="0"/>
-              <a:t># Get its size.</a:t>
-            </a:r>
-          </a:p>
-          <a:p>
-            <a:pPr>
-              <a:spcBef>
-                <a:spcPts val="0"/>
-              </a:spcBef>
-            </a:pPr>
-            <a:r>
-              <a:rPr lang="en-US" sz="1800" dirty="0"/>
-              <a:t>m = </a:t>
-            </a:r>
-            <a:r>
-              <a:rPr lang="en-US" sz="1800" dirty="0" err="1"/>
-              <a:t>mat.numRows</a:t>
-            </a:r>
-            <a:r>
-              <a:rPr lang="en-US" sz="1800" dirty="0"/>
-              <a:t>()  # 4</a:t>
-            </a:r>
-          </a:p>
-          <a:p>
-            <a:pPr>
-              <a:spcBef>
-                <a:spcPts val="0"/>
-              </a:spcBef>
-            </a:pPr>
-            <a:r>
-              <a:rPr lang="en-US" sz="1800" dirty="0"/>
-              <a:t>n = </a:t>
-            </a:r>
-            <a:r>
-              <a:rPr lang="en-US" sz="1800" dirty="0" err="1"/>
-              <a:t>mat.numCols</a:t>
-            </a:r>
-            <a:r>
-              <a:rPr lang="en-US" sz="1800" dirty="0"/>
-              <a:t>()  # 3</a:t>
-            </a:r>
-          </a:p>
-          <a:p>
-            <a:pPr>
-              <a:spcBef>
-                <a:spcPts val="0"/>
-              </a:spcBef>
-            </a:pPr>
-            <a:r>
-              <a:rPr lang="en-US" sz="1800" dirty="0"/>
-              <a:t># Get the rows as an RDD of </a:t>
-            </a:r>
-            <a:r>
-              <a:rPr lang="en-US" sz="1800" dirty="0" err="1"/>
-              <a:t>IndexedRows</a:t>
-            </a:r>
-            <a:r>
-              <a:rPr lang="en-US" sz="1800" dirty="0"/>
-              <a:t>.</a:t>
-            </a:r>
-          </a:p>
-          <a:p>
-            <a:pPr>
-              <a:spcBef>
-                <a:spcPts val="0"/>
-              </a:spcBef>
-            </a:pPr>
-            <a:r>
-              <a:rPr lang="en-US" sz="1800" dirty="0" err="1"/>
-              <a:t>rowsRDD</a:t>
-            </a:r>
-            <a:r>
-              <a:rPr lang="en-US" sz="1800" dirty="0"/>
-              <a:t> = </a:t>
-            </a:r>
-            <a:r>
-              <a:rPr lang="en-US" sz="1800" dirty="0" err="1"/>
-              <a:t>mat.rows</a:t>
-            </a:r>
-            <a:endParaRPr lang="en-US" sz="1800" dirty="0"/>
-          </a:p>
-        </p:txBody>
-      </p:sp>
-    </p:spTree>
-    <p:extLst>
-      <p:ext uri="{BB962C8B-B14F-4D97-AF65-F5344CB8AC3E}">
-        <p14:creationId xmlns:p14="http://schemas.microsoft.com/office/powerpoint/2010/main" val="1289496713"/>
-      </p:ext>
-    </p:extLst>
-  </p:cSld>
-  <p:clrMapOvr>
-    <a:masterClrMapping/>
-  </p:clrMapOvr>
-</p:sld>
-</file>
-
-<file path=ppt/slides/slide31.xml><?xml version="1.0" encoding="utf-8"?>
-<p:sld xmlns:a="http://schemas.openxmlformats.org/drawingml/2006/main" xmlns:r="http://schemas.openxmlformats.org/officeDocument/2006/relationships" xmlns:p="http://schemas.openxmlformats.org/presentationml/2006/main">
-  <p:cSld>
-    <p:spTree>
-      <p:nvGrpSpPr>
-        <p:cNvPr id="1" name=""/>
-        <p:cNvGrpSpPr/>
-        <p:nvPr/>
-      </p:nvGrpSpPr>
-      <p:grpSpPr>
-        <a:xfrm>
-          <a:off x="0" y="0"/>
-          <a:ext cx="0" cy="0"/>
-          <a:chOff x="0" y="0"/>
-          <a:chExt cx="0" cy="0"/>
-        </a:xfrm>
-      </p:grpSpPr>
-      <p:sp>
-        <p:nvSpPr>
-          <p:cNvPr id="2" name="Title 1"/>
-          <p:cNvSpPr>
-            <a:spLocks noGrp="1"/>
-          </p:cNvSpPr>
-          <p:nvPr>
-            <p:ph type="title"/>
-          </p:nvPr>
-        </p:nvSpPr>
-        <p:spPr/>
-        <p:txBody>
-          <a:bodyPr>
-            <a:normAutofit fontScale="90000"/>
-          </a:bodyPr>
-          <a:lstStyle/>
-          <a:p>
-            <a:r>
-              <a:rPr lang="en-US" dirty="0" err="1"/>
               <a:t>CoordinateMatrix</a:t>
             </a:r>
             <a:endParaRPr lang="en-US" dirty="0"/>
@@ -19965,11 +20187,7 @@
             </a:r>
             <a:r>
               <a:rPr lang="en-US" dirty="0"/>
-              <a:t> is a distributed matrix backed by an RDD of its </a:t>
-            </a:r>
-            <a:r>
-              <a:rPr lang="en-US" dirty="0" smtClean="0"/>
-              <a:t>entries</a:t>
+              <a:t> is a distributed matrix backed by an RDD of its entries</a:t>
             </a:r>
           </a:p>
         </p:txBody>
@@ -20068,7 +20286,6 @@
               <a:rPr lang="en-US" sz="1800" dirty="0"/>
               <a:t>#   - This can be done explicitly with the </a:t>
             </a:r>
-            <a:endParaRPr lang="en-US" sz="1800" dirty="0" smtClean="0"/>
           </a:p>
           <a:p>
             <a:pPr>
@@ -20080,20 +20297,16 @@
               </a:spcBef>
             </a:pPr>
             <a:r>
-              <a:rPr lang="en-US" sz="1800" dirty="0" smtClean="0"/>
+              <a:rPr lang="en-US" sz="1800" dirty="0"/>
               <a:t># </a:t>
             </a:r>
             <a:r>
-              <a:rPr lang="en-US" sz="1800" dirty="0" err="1" smtClean="0"/>
+              <a:rPr lang="en-US" sz="1800" dirty="0" err="1"/>
               <a:t>MatrixEntry</a:t>
             </a:r>
             <a:r>
-              <a:rPr lang="en-US" sz="1800" dirty="0" smtClean="0"/>
-              <a:t> </a:t>
-            </a:r>
-            <a:r>
               <a:rPr lang="en-US" sz="1800" dirty="0"/>
-              <a:t>class:</a:t>
+              <a:t> class:</a:t>
             </a:r>
           </a:p>
           <a:p>
@@ -20152,12 +20365,8 @@
               </a:spcBef>
             </a:pPr>
             <a:r>
-              <a:rPr lang="en-US" sz="1800" dirty="0" smtClean="0"/>
-              <a:t>#   </a:t>
-            </a:r>
-            <a:r>
               <a:rPr lang="en-US" sz="1800" dirty="0"/>
-              <a:t>- or using (long, long, float) tuples:</a:t>
+              <a:t>#   - or using (long, long, float) tuples:</a:t>
             </a:r>
           </a:p>
           <a:p>
@@ -20192,12 +20401,8 @@
               </a:spcBef>
             </a:pPr>
             <a:r>
-              <a:rPr lang="en-US" sz="1800" dirty="0" smtClean="0"/>
-              <a:t># </a:t>
-            </a:r>
-            <a:r>
               <a:rPr lang="en-US" sz="1800" dirty="0"/>
-              <a:t>Create an </a:t>
+              <a:t># Create an </a:t>
             </a:r>
             <a:r>
               <a:rPr lang="en-US" sz="1800" dirty="0" err="1"/>
@@ -20205,11 +20410,7 @@
             </a:r>
             <a:r>
               <a:rPr lang="en-US" sz="1800" dirty="0"/>
-              <a:t> from an RDD </a:t>
-            </a:r>
-            <a:r>
-              <a:rPr lang="en-US" sz="1800" dirty="0" smtClean="0"/>
-              <a:t>of </a:t>
+              <a:t> from an RDD of </a:t>
             </a:r>
           </a:p>
           <a:p>
@@ -20222,11 +20423,11 @@
               </a:spcBef>
             </a:pPr>
             <a:r>
-              <a:rPr lang="en-US" sz="1800" dirty="0" smtClean="0"/>
+              <a:rPr lang="en-US" sz="1800" dirty="0"/>
               <a:t># </a:t>
             </a:r>
             <a:r>
-              <a:rPr lang="en-US" sz="1800" dirty="0" err="1" smtClean="0"/>
+              <a:rPr lang="en-US" sz="1800" dirty="0" err="1"/>
               <a:t>MatrixEntries</a:t>
             </a:r>
             <a:r>
@@ -20266,12 +20467,8 @@
               </a:spcBef>
             </a:pPr>
             <a:r>
-              <a:rPr lang="en-US" sz="1800" dirty="0" smtClean="0"/>
-              <a:t># </a:t>
-            </a:r>
-            <a:r>
               <a:rPr lang="en-US" sz="1800" dirty="0"/>
-              <a:t>Get its size.</a:t>
+              <a:t># Get its size.</a:t>
             </a:r>
           </a:p>
           <a:p>
@@ -20328,12 +20525,8 @@
               </a:spcBef>
             </a:pPr>
             <a:r>
-              <a:rPr lang="en-US" sz="1800" dirty="0" smtClean="0"/>
-              <a:t># </a:t>
-            </a:r>
-            <a:r>
               <a:rPr lang="en-US" sz="1800" dirty="0"/>
-              <a:t>Get the entries as an RDD of </a:t>
+              <a:t># Get the entries as an RDD of </a:t>
             </a:r>
             <a:r>
               <a:rPr lang="en-US" sz="1800" dirty="0" err="1"/>
@@ -20382,75 +20575,7 @@
 </p:sld>
 </file>
 
-<file path=ppt/slides/slide32.xml><?xml version="1.0" encoding="utf-8"?>
-<p:sld xmlns:a="http://schemas.openxmlformats.org/drawingml/2006/main" xmlns:r="http://schemas.openxmlformats.org/officeDocument/2006/relationships" xmlns:p="http://schemas.openxmlformats.org/presentationml/2006/main">
-  <p:cSld>
-    <p:spTree>
-      <p:nvGrpSpPr>
-        <p:cNvPr id="1" name=""/>
-        <p:cNvGrpSpPr/>
-        <p:nvPr/>
-      </p:nvGrpSpPr>
-      <p:grpSpPr>
-        <a:xfrm>
-          <a:off x="0" y="0"/>
-          <a:ext cx="0" cy="0"/>
-          <a:chOff x="0" y="0"/>
-          <a:chExt cx="0" cy="0"/>
-        </a:xfrm>
-      </p:grpSpPr>
-      <p:sp>
-        <p:nvSpPr>
-          <p:cNvPr id="5" name="Title 4"/>
-          <p:cNvSpPr>
-            <a:spLocks noGrp="1"/>
-          </p:cNvSpPr>
-          <p:nvPr>
-            <p:ph type="title"/>
-          </p:nvPr>
-        </p:nvSpPr>
-        <p:spPr/>
-        <p:txBody>
-          <a:bodyPr/>
-          <a:lstStyle/>
-          <a:p>
-            <a:endParaRPr lang="en-US"/>
-          </a:p>
-        </p:txBody>
-      </p:sp>
-      <p:sp>
-        <p:nvSpPr>
-          <p:cNvPr id="6" name="Content Placeholder 5"/>
-          <p:cNvSpPr>
-            <a:spLocks noGrp="1"/>
-          </p:cNvSpPr>
-          <p:nvPr>
-            <p:ph idx="1"/>
-          </p:nvPr>
-        </p:nvSpPr>
-        <p:spPr/>
-        <p:txBody>
-          <a:bodyPr/>
-          <a:lstStyle/>
-          <a:p>
-            <a:endParaRPr lang="en-US"/>
-          </a:p>
-        </p:txBody>
-      </p:sp>
-    </p:spTree>
-    <p:extLst>
-      <p:ext uri="{BB962C8B-B14F-4D97-AF65-F5344CB8AC3E}">
-        <p14:creationId xmlns:p14="http://schemas.microsoft.com/office/powerpoint/2010/main" val="224688053"/>
-      </p:ext>
-    </p:extLst>
-  </p:cSld>
-  <p:clrMapOvr>
-    <a:masterClrMapping/>
-  </p:clrMapOvr>
-</p:sld>
-</file>
-
-<file path=ppt/slides/slide33.xml><?xml version="1.0" encoding="utf-8"?>
+<file path=ppt/slides/slide31.xml><?xml version="1.0" encoding="utf-8"?>
 <p:sld xmlns:a="http://schemas.openxmlformats.org/drawingml/2006/main" xmlns:r="http://schemas.openxmlformats.org/officeDocument/2006/relationships" xmlns:p="http://schemas.openxmlformats.org/presentationml/2006/main">
   <p:cSld>
     <p:spTree>
@@ -20543,7 +20668,7 @@
               <a:buChar char="§"/>
             </a:pPr>
             <a:r>
-              <a:rPr lang="en-US" sz="2800" dirty="0" smtClean="0"/>
+              <a:rPr lang="en-US" sz="2800" dirty="0"/>
               <a:t>The fundamentals of Spark</a:t>
             </a:r>
           </a:p>
@@ -20553,12 +20678,8 @@
               <a:buChar char="§"/>
             </a:pPr>
             <a:r>
-              <a:rPr lang="en-US" sz="2800" dirty="0" smtClean="0"/>
-              <a:t>Major </a:t>
-            </a:r>
-            <a:r>
-              <a:rPr lang="en-US" sz="2800" dirty="0" smtClean="0"/>
-              <a:t>components of Spark programming</a:t>
+              <a:rPr lang="en-US" sz="2800" dirty="0"/>
+              <a:t>Major components of Spark programming</a:t>
             </a:r>
           </a:p>
           <a:p>
@@ -20567,15 +20688,15 @@
               <a:buChar char="§"/>
             </a:pPr>
             <a:r>
-              <a:rPr lang="en-US" sz="2800" dirty="0" smtClean="0"/>
+              <a:rPr lang="en-US" sz="2800" dirty="0"/>
               <a:t>How Spark Machine learning library (</a:t>
             </a:r>
             <a:r>
-              <a:rPr lang="en-US" sz="2800" dirty="0" err="1" smtClean="0"/>
+              <a:rPr lang="en-US" sz="2800" dirty="0" err="1"/>
               <a:t>MLlib</a:t>
             </a:r>
             <a:r>
-              <a:rPr lang="en-US" sz="2800" dirty="0" smtClean="0"/>
+              <a:rPr lang="en-US" sz="2800" dirty="0"/>
               <a:t>) works</a:t>
             </a:r>
           </a:p>
@@ -20585,7 +20706,7 @@
               <a:buChar char="§"/>
             </a:pPr>
             <a:r>
-              <a:rPr lang="en-US" sz="2800" dirty="0" smtClean="0"/>
+              <a:rPr lang="en-US" sz="2800" dirty="0"/>
               <a:t>Spark data types</a:t>
             </a:r>
             <a:endParaRPr lang="en-US" altLang="es-MX" dirty="0"/>
@@ -21732,12 +21853,8 @@
               <a:buChar char="§"/>
             </a:pPr>
             <a:r>
-              <a:rPr lang="en-US" sz="2800" dirty="0" smtClean="0"/>
-              <a:t>From </a:t>
-            </a:r>
-            <a:r>
               <a:rPr lang="en-US" sz="2800" dirty="0"/>
-              <a:t>Amazon EC2 with scripts</a:t>
+              <a:t>From Amazon EC2 with scripts</a:t>
             </a:r>
           </a:p>
           <a:p>
@@ -21746,12 +21863,8 @@
               <a:buChar char="§"/>
             </a:pPr>
             <a:r>
-              <a:rPr lang="en-US" sz="2800" dirty="0" smtClean="0"/>
-              <a:t>Standalone </a:t>
-            </a:r>
-            <a:r>
               <a:rPr lang="en-US" sz="2800" dirty="0"/>
-              <a:t>Cluster</a:t>
+              <a:t>Standalone Cluster</a:t>
             </a:r>
           </a:p>
           <a:p>
@@ -21760,12 +21873,8 @@
               <a:buChar char="§"/>
             </a:pPr>
             <a:r>
-              <a:rPr lang="en-US" sz="2800" dirty="0" smtClean="0"/>
-              <a:t>As </a:t>
-            </a:r>
-            <a:r>
               <a:rPr lang="en-US" sz="2800" dirty="0"/>
-              <a:t>a private cluster using Apache </a:t>
+              <a:t>As a private cluster using Apache </a:t>
             </a:r>
             <a:r>
               <a:rPr lang="en-US" sz="2800" dirty="0" err="1"/>
@@ -21779,12 +21888,8 @@
               <a:buChar char="§"/>
             </a:pPr>
             <a:r>
-              <a:rPr lang="en-US" sz="2800" dirty="0" smtClean="0"/>
-              <a:t>From </a:t>
-            </a:r>
-            <a:r>
               <a:rPr lang="en-US" sz="2800" dirty="0"/>
-              <a:t>YARN (Yet Another Resource Negotiator) in a </a:t>
+              <a:t>From YARN (Yet Another Resource Negotiator) in a </a:t>
             </a:r>
             <a:r>
               <a:rPr lang="en-US" sz="2800" dirty="0" err="1"/>
@@ -21792,11 +21897,7 @@
             </a:r>
             <a:r>
               <a:rPr lang="en-US" sz="2800" dirty="0"/>
-              <a:t> </a:t>
-            </a:r>
-            <a:r>
-              <a:rPr lang="en-US" sz="2800" dirty="0" smtClean="0"/>
-              <a:t>cluster</a:t>
+              <a:t> cluster</a:t>
             </a:r>
             <a:endParaRPr lang="en-US" sz="900" dirty="0"/>
           </a:p>
@@ -21810,7 +21911,7 @@
               <a:t>As a Cloud Service from </a:t>
             </a:r>
             <a:r>
-              <a:rPr lang="en-US" dirty="0" err="1" smtClean="0"/>
+              <a:rPr lang="en-US" dirty="0" err="1"/>
               <a:t>Databricks</a:t>
             </a:r>
             <a:endParaRPr lang="en-US" sz="900" dirty="0"/>
@@ -22896,8 +22997,8 @@
           </p:nvSpPr>
           <p:spPr>
             <a:xfrm>
-              <a:off x="8625288" y="4772716"/>
-              <a:ext cx="804672" cy="484632"/>
+              <a:off x="8585055" y="4772716"/>
+              <a:ext cx="885139" cy="484632"/>
             </a:xfrm>
             <a:prstGeom prst="rect">
               <a:avLst/>
@@ -22949,8 +23050,8 @@
           </p:nvSpPr>
           <p:spPr>
             <a:xfrm>
-              <a:off x="9587532" y="4772716"/>
-              <a:ext cx="804672" cy="484632"/>
+              <a:off x="9547299" y="4772716"/>
+              <a:ext cx="885139" cy="484632"/>
             </a:xfrm>
             <a:prstGeom prst="rect">
               <a:avLst/>
@@ -23235,8 +23336,8 @@
           </p:nvSpPr>
           <p:spPr>
             <a:xfrm>
-              <a:off x="8625288" y="4772716"/>
-              <a:ext cx="804672" cy="484632"/>
+              <a:off x="8585055" y="4772716"/>
+              <a:ext cx="885139" cy="484632"/>
             </a:xfrm>
             <a:prstGeom prst="rect">
               <a:avLst/>
@@ -23288,8 +23389,8 @@
           </p:nvSpPr>
           <p:spPr>
             <a:xfrm>
-              <a:off x="9587532" y="4772716"/>
-              <a:ext cx="804672" cy="484632"/>
+              <a:off x="9547299" y="4772716"/>
+              <a:ext cx="885139" cy="484632"/>
             </a:xfrm>
             <a:prstGeom prst="rect">
               <a:avLst/>
@@ -23355,8 +23456,8 @@
             <a:solidFill>
               <a:schemeClr val="tx1"/>
             </a:solidFill>
-            <a:headEnd type="triangle" w="lg" len="med"/>
-            <a:tailEnd type="arrow" w="med" len="med"/>
+            <a:headEnd type="triangle" w="med" len="med"/>
+            <a:tailEnd type="triangle" w="med" len="med"/>
           </a:ln>
         </p:spPr>
         <p:style>
@@ -23403,8 +23504,8 @@
             <a:solidFill>
               <a:schemeClr val="tx1"/>
             </a:solidFill>
-            <a:headEnd type="triangle" w="lg" len="med"/>
-            <a:tailEnd type="arrow" w="med" len="med"/>
+            <a:headEnd type="triangle" w="med" len="med"/>
+            <a:tailEnd type="triangle" w="med" len="med"/>
           </a:ln>
         </p:spPr>
         <p:style>
@@ -23652,8 +23753,8 @@
         </p:nvSpPr>
         <p:spPr>
           <a:xfrm>
-            <a:off x="697170" y="3106855"/>
-            <a:ext cx="10862039" cy="3443032"/>
+            <a:off x="836376" y="3117180"/>
+            <a:ext cx="10702181" cy="3443032"/>
           </a:xfrm>
         </p:spPr>
         <p:txBody>
@@ -23668,21 +23769,8 @@
             </a:pPr>
             <a:r>
               <a:rPr lang="en-US" dirty="0"/>
-              <a:t>Spark breaks up </a:t>
-            </a:r>
-            <a:r>
-              <a:rPr lang="en-US" dirty="0" smtClean="0"/>
-              <a:t>processing </a:t>
-            </a:r>
-            <a:r>
-              <a:rPr lang="en-US" dirty="0"/>
-              <a:t>of RDD operations into </a:t>
-            </a:r>
-            <a:r>
-              <a:rPr lang="en-US" dirty="0" smtClean="0"/>
-              <a:t>tasks</a:t>
-            </a:r>
-            <a:endParaRPr lang="en-US" dirty="0"/>
+              <a:t>Spark breaks up processing of RDD operations into tasks</a:t>
+            </a:r>
           </a:p>
           <a:p>
             <a:pPr>
@@ -23701,13 +23789,8 @@
             </a:pPr>
             <a:r>
               <a:rPr lang="en-US" dirty="0"/>
-              <a:t>Prior to execution, Spark computes the task’s </a:t>
-            </a:r>
-            <a:r>
-              <a:rPr lang="en-US" dirty="0" smtClean="0"/>
-              <a:t>closure</a:t>
-            </a:r>
-            <a:endParaRPr lang="en-US" dirty="0"/>
+              <a:t>Prior to execution, Spark computes the task’s closure</a:t>
+            </a:r>
           </a:p>
         </p:txBody>
       </p:sp>
@@ -23987,13 +24070,6 @@
   <p:clrMapOvr>
     <a:masterClrMapping/>
   </p:clrMapOvr>
-  <p:timing>
-    <p:tnLst>
-      <p:par>
-        <p:cTn xmlns:p14="http://schemas.microsoft.com/office/powerpoint/2010/main" id="1" dur="indefinite" restart="never" nodeType="tmRoot"/>
-      </p:par>
-    </p:tnLst>
-  </p:timing>
 </p:sld>
 </file>
 
@@ -24046,8 +24122,8 @@
         </p:nvSpPr>
         <p:spPr>
           <a:xfrm>
-            <a:off x="0" y="1750432"/>
-            <a:ext cx="12192000" cy="4755876"/>
+            <a:off x="0" y="2756622"/>
+            <a:ext cx="12192000" cy="3396736"/>
           </a:xfrm>
           <a:prstGeom prst="rect">
             <a:avLst/>
@@ -24077,61 +24153,25 @@
           <a:bodyPr rtlCol="0" anchor="ctr"/>
           <a:lstStyle/>
           <a:p>
-            <a:pPr marL="1204913" lvl="1" indent="-342900">
+            <a:pPr marL="1662113" lvl="2" indent="-342900">
               <a:buFont typeface="Wingdings" charset="2"/>
               <a:buChar char="§"/>
             </a:pPr>
+            <a:r>
+              <a:rPr lang="en-US" altLang="ko-KR" sz="2800" dirty="0" smtClean="0">
+                <a:solidFill>
+                  <a:srgbClr val="000000"/>
+                </a:solidFill>
+              </a:rPr>
+              <a:t>Functions </a:t>
+            </a:r>
             <a:r>
               <a:rPr lang="en-US" altLang="ko-KR" sz="2800" dirty="0">
                 <a:solidFill>
                   <a:srgbClr val="000000"/>
                 </a:solidFill>
               </a:rPr>
-              <a:t>Resilient Distributed Datasets (RDD</a:t>
-            </a:r>
-            <a:r>
-              <a:rPr lang="en-US" altLang="ko-KR" sz="2800" dirty="0" smtClean="0">
-                <a:solidFill>
-                  <a:srgbClr val="000000"/>
-                </a:solidFill>
-              </a:rPr>
-              <a:t>)</a:t>
-            </a:r>
-          </a:p>
-          <a:p>
-            <a:pPr marL="1204913" lvl="1" indent="-342900">
-              <a:buFont typeface="Wingdings" charset="2"/>
-              <a:buChar char="§"/>
-            </a:pPr>
-            <a:r>
-              <a:rPr lang="en-US" altLang="ko-KR" sz="2800" dirty="0" smtClean="0">
-                <a:solidFill>
-                  <a:srgbClr val="000000"/>
-                </a:solidFill>
-              </a:rPr>
-              <a:t>Shared Variables:</a:t>
-            </a:r>
-          </a:p>
-          <a:p>
-            <a:pPr marL="1662113" lvl="2" indent="-342900">
-              <a:buFont typeface="Wingdings" charset="2"/>
-              <a:buChar char="§"/>
-            </a:pPr>
-            <a:r>
-              <a:rPr lang="en-US" altLang="ko-KR" sz="2800" dirty="0" smtClean="0">
-                <a:solidFill>
-                  <a:srgbClr val="000000"/>
-                </a:solidFill>
-              </a:rPr>
-              <a:t>Functions run </a:t>
-            </a:r>
-            <a:r>
-              <a:rPr lang="en-US" altLang="ko-KR" sz="2800" dirty="0">
-                <a:solidFill>
-                  <a:srgbClr val="000000"/>
-                </a:solidFill>
-              </a:rPr>
-              <a:t>in parallel as a set of tasks on different nodes</a:t>
+              <a:t>run in parallel as a set of tasks on different nodes</a:t>
             </a:r>
           </a:p>
           <a:p>
@@ -24159,23 +24199,21 @@
                   <a:srgbClr val="000000"/>
                 </a:solidFill>
               </a:rPr>
-              <a:t>Sometimes, a variable needs to be shared across tasks or between tasks </a:t>
-            </a:r>
-            <a:r>
-              <a:rPr lang="en-US" altLang="ko-KR" sz="2800" dirty="0" smtClean="0">
-                <a:solidFill>
-                  <a:srgbClr val="000000"/>
-                </a:solidFill>
-              </a:rPr>
-              <a:t>and </a:t>
-            </a:r>
+              <a:t>Sometimes, a variable needs to be shared across tasks or between tasks and the driver program</a:t>
+            </a:r>
+          </a:p>
+          <a:p>
+            <a:pPr marL="2119313" lvl="3" indent="-342900">
+              <a:buFont typeface="Wingdings" charset="2"/>
+              <a:buChar char="§"/>
+            </a:pPr>
             <a:r>
               <a:rPr lang="en-US" altLang="ko-KR" sz="2800" dirty="0">
                 <a:solidFill>
                   <a:srgbClr val="000000"/>
                 </a:solidFill>
               </a:rPr>
-              <a:t>the driver program</a:t>
+              <a:t>broadcast variables </a:t>
             </a:r>
           </a:p>
           <a:p>
@@ -24183,49 +24221,296 @@
               <a:buFont typeface="Wingdings" charset="2"/>
               <a:buChar char="§"/>
             </a:pPr>
-            <a:r>
-              <a:rPr lang="en-US" altLang="ko-KR" sz="2800" dirty="0" smtClean="0">
-                <a:solidFill>
-                  <a:srgbClr val="000000"/>
-                </a:solidFill>
-              </a:rPr>
-              <a:t>broadcast </a:t>
-            </a:r>
             <a:r>
               <a:rPr lang="en-US" altLang="ko-KR" sz="2800" dirty="0">
                 <a:solidFill>
                   <a:srgbClr val="000000"/>
                 </a:solidFill>
               </a:rPr>
-              <a:t>variables </a:t>
-            </a:r>
-            <a:endParaRPr lang="en-US" altLang="ko-KR" sz="2800" dirty="0" smtClean="0">
-              <a:solidFill>
-                <a:srgbClr val="000000"/>
-              </a:solidFill>
-            </a:endParaRPr>
-          </a:p>
-          <a:p>
-            <a:pPr marL="2119313" lvl="3" indent="-342900">
-              <a:buFont typeface="Wingdings" charset="2"/>
-              <a:buChar char="§"/>
-            </a:pPr>
-            <a:r>
-              <a:rPr lang="en-US" altLang="ko-KR" sz="2800" dirty="0" smtClean="0">
-                <a:solidFill>
-                  <a:srgbClr val="000000"/>
-                </a:solidFill>
-              </a:rPr>
               <a:t>accumulators</a:t>
             </a:r>
-            <a:endParaRPr lang="en-US" altLang="ko-KR" sz="2800" dirty="0">
-              <a:solidFill>
-                <a:srgbClr val="000000"/>
-              </a:solidFill>
-            </a:endParaRPr>
           </a:p>
         </p:txBody>
       </p:sp>
+      <p:grpSp>
+        <p:nvGrpSpPr>
+          <p:cNvPr id="4" name="Group 3"/>
+          <p:cNvGrpSpPr/>
+          <p:nvPr/>
+        </p:nvGrpSpPr>
+        <p:grpSpPr>
+          <a:xfrm>
+            <a:off x="0" y="1559169"/>
+            <a:ext cx="12192000" cy="1192313"/>
+            <a:chOff x="0" y="1918571"/>
+            <a:chExt cx="12192000" cy="832911"/>
+          </a:xfrm>
+        </p:grpSpPr>
+        <p:sp>
+          <p:nvSpPr>
+            <p:cNvPr id="6" name="Rectangle 5"/>
+            <p:cNvSpPr/>
+            <p:nvPr/>
+          </p:nvSpPr>
+          <p:spPr>
+            <a:xfrm>
+              <a:off x="0" y="1918571"/>
+              <a:ext cx="12192000" cy="832911"/>
+            </a:xfrm>
+            <a:prstGeom prst="rect">
+              <a:avLst/>
+            </a:prstGeom>
+            <a:solidFill>
+              <a:srgbClr val="0070C0"/>
+            </a:solidFill>
+            <a:ln w="9525" cap="flat" cmpd="sng" algn="ctr">
+              <a:noFill/>
+              <a:prstDash val="solid"/>
+            </a:ln>
+            <a:effectLst/>
+          </p:spPr>
+          <p:txBody>
+            <a:bodyPr rtlCol="0" anchor="ctr"/>
+            <a:lstStyle/>
+            <a:p>
+              <a:pPr marL="0" marR="0" lvl="0" indent="0" algn="ctr" defTabSz="914400" eaLnBrk="1" fontAlgn="auto" latinLnBrk="0" hangingPunct="1">
+                <a:lnSpc>
+                  <a:spcPct val="100000"/>
+                </a:lnSpc>
+                <a:spcBef>
+                  <a:spcPts val="0"/>
+                </a:spcBef>
+                <a:spcAft>
+                  <a:spcPts val="0"/>
+                </a:spcAft>
+                <a:buClrTx/>
+                <a:buSzTx/>
+                <a:buFont typeface="Arial" panose="020B0604020202020204" pitchFamily="34" charset="0"/>
+                <a:buNone/>
+                <a:tabLst/>
+                <a:defRPr/>
+              </a:pPr>
+              <a:endParaRPr kumimoji="0" lang="en-US" sz="4000" i="1" u="none" strike="noStrike" kern="0" cap="none" spc="0" normalizeH="0" baseline="0" noProof="0" dirty="0">
+                <a:ln>
+                  <a:noFill/>
+                </a:ln>
+                <a:solidFill>
+                  <a:prstClr val="white"/>
+                </a:solidFill>
+                <a:effectLst/>
+                <a:uLnTx/>
+                <a:uFillTx/>
+                <a:latin typeface="+mj-lt"/>
+              </a:endParaRPr>
+            </a:p>
+          </p:txBody>
+        </p:sp>
+        <p:sp>
+          <p:nvSpPr>
+            <p:cNvPr id="7" name="Content Placeholder 2"/>
+            <p:cNvSpPr txBox="1">
+              <a:spLocks/>
+            </p:cNvSpPr>
+            <p:nvPr/>
+          </p:nvSpPr>
+          <p:spPr>
+            <a:xfrm>
+              <a:off x="838200" y="1918571"/>
+              <a:ext cx="10233542" cy="832911"/>
+            </a:xfrm>
+            <a:prstGeom prst="rect">
+              <a:avLst/>
+            </a:prstGeom>
+          </p:spPr>
+          <p:txBody>
+            <a:bodyPr anchor="ctr"/>
+            <a:lstStyle>
+              <a:lvl1pPr marL="0" indent="0" algn="ctr" defTabSz="914400" rtl="0" eaLnBrk="1" latinLnBrk="0" hangingPunct="1">
+                <a:lnSpc>
+                  <a:spcPct val="90000"/>
+                </a:lnSpc>
+                <a:spcBef>
+                  <a:spcPts val="1000"/>
+                </a:spcBef>
+                <a:buFont typeface="Arial" panose="020B0604020202020204" pitchFamily="34" charset="0"/>
+                <a:buNone/>
+                <a:defRPr sz="2800" i="1" kern="1200">
+                  <a:solidFill>
+                    <a:schemeClr val="bg1"/>
+                  </a:solidFill>
+                  <a:latin typeface="+mn-lt"/>
+                  <a:ea typeface="+mn-ea"/>
+                  <a:cs typeface="+mn-cs"/>
+                </a:defRPr>
+              </a:lvl1pPr>
+              <a:lvl2pPr marL="457200" indent="0" algn="ctr" defTabSz="914400" rtl="0" eaLnBrk="1" latinLnBrk="0" hangingPunct="1">
+                <a:lnSpc>
+                  <a:spcPct val="90000"/>
+                </a:lnSpc>
+                <a:spcBef>
+                  <a:spcPts val="500"/>
+                </a:spcBef>
+                <a:buFont typeface="Arial" panose="020B0604020202020204" pitchFamily="34" charset="0"/>
+                <a:buNone/>
+                <a:defRPr sz="2400" i="1" kern="1200">
+                  <a:solidFill>
+                    <a:schemeClr val="bg1"/>
+                  </a:solidFill>
+                  <a:latin typeface="+mn-lt"/>
+                  <a:ea typeface="+mn-ea"/>
+                  <a:cs typeface="+mn-cs"/>
+                </a:defRPr>
+              </a:lvl2pPr>
+              <a:lvl3pPr marL="914400" indent="0" algn="ctr" defTabSz="914400" rtl="0" eaLnBrk="1" latinLnBrk="0" hangingPunct="1">
+                <a:lnSpc>
+                  <a:spcPct val="90000"/>
+                </a:lnSpc>
+                <a:spcBef>
+                  <a:spcPts val="500"/>
+                </a:spcBef>
+                <a:buFont typeface="Arial" panose="020B0604020202020204" pitchFamily="34" charset="0"/>
+                <a:buNone/>
+                <a:defRPr sz="2000" i="1" kern="1200">
+                  <a:solidFill>
+                    <a:schemeClr val="bg1"/>
+                  </a:solidFill>
+                  <a:latin typeface="+mn-lt"/>
+                  <a:ea typeface="+mn-ea"/>
+                  <a:cs typeface="+mn-cs"/>
+                </a:defRPr>
+              </a:lvl3pPr>
+              <a:lvl4pPr marL="1371600" indent="0" algn="ctr" defTabSz="914400" rtl="0" eaLnBrk="1" latinLnBrk="0" hangingPunct="1">
+                <a:lnSpc>
+                  <a:spcPct val="90000"/>
+                </a:lnSpc>
+                <a:spcBef>
+                  <a:spcPts val="500"/>
+                </a:spcBef>
+                <a:buFont typeface="Arial" panose="020B0604020202020204" pitchFamily="34" charset="0"/>
+                <a:buNone/>
+                <a:defRPr sz="1800" i="1" kern="1200">
+                  <a:solidFill>
+                    <a:schemeClr val="bg1"/>
+                  </a:solidFill>
+                  <a:latin typeface="+mn-lt"/>
+                  <a:ea typeface="+mn-ea"/>
+                  <a:cs typeface="+mn-cs"/>
+                </a:defRPr>
+              </a:lvl4pPr>
+              <a:lvl5pPr marL="1828800" indent="0" algn="ctr" defTabSz="914400" rtl="0" eaLnBrk="1" latinLnBrk="0" hangingPunct="1">
+                <a:lnSpc>
+                  <a:spcPct val="90000"/>
+                </a:lnSpc>
+                <a:spcBef>
+                  <a:spcPts val="500"/>
+                </a:spcBef>
+                <a:buFont typeface="Arial" panose="020B0604020202020204" pitchFamily="34" charset="0"/>
+                <a:buNone/>
+                <a:defRPr sz="1800" i="1" kern="1200">
+                  <a:solidFill>
+                    <a:schemeClr val="bg1"/>
+                  </a:solidFill>
+                  <a:latin typeface="+mn-lt"/>
+                  <a:ea typeface="+mn-ea"/>
+                  <a:cs typeface="+mn-cs"/>
+                </a:defRPr>
+              </a:lvl5pPr>
+              <a:lvl6pPr marL="2514600" indent="-228600" algn="l" defTabSz="914400" rtl="0" eaLnBrk="1" latinLnBrk="0" hangingPunct="1">
+                <a:lnSpc>
+                  <a:spcPct val="90000"/>
+                </a:lnSpc>
+                <a:spcBef>
+                  <a:spcPts val="500"/>
+                </a:spcBef>
+                <a:buFont typeface="Arial" panose="020B0604020202020204" pitchFamily="34" charset="0"/>
+                <a:buChar char="•"/>
+                <a:defRPr sz="1800" kern="1200">
+                  <a:solidFill>
+                    <a:schemeClr val="tx1"/>
+                  </a:solidFill>
+                  <a:latin typeface="+mn-lt"/>
+                  <a:ea typeface="+mn-ea"/>
+                  <a:cs typeface="+mn-cs"/>
+                </a:defRPr>
+              </a:lvl6pPr>
+              <a:lvl7pPr marL="2971800" indent="-228600" algn="l" defTabSz="914400" rtl="0" eaLnBrk="1" latinLnBrk="0" hangingPunct="1">
+                <a:lnSpc>
+                  <a:spcPct val="90000"/>
+                </a:lnSpc>
+                <a:spcBef>
+                  <a:spcPts val="500"/>
+                </a:spcBef>
+                <a:buFont typeface="Arial" panose="020B0604020202020204" pitchFamily="34" charset="0"/>
+                <a:buChar char="•"/>
+                <a:defRPr sz="1800" kern="1200">
+                  <a:solidFill>
+                    <a:schemeClr val="tx1"/>
+                  </a:solidFill>
+                  <a:latin typeface="+mn-lt"/>
+                  <a:ea typeface="+mn-ea"/>
+                  <a:cs typeface="+mn-cs"/>
+                </a:defRPr>
+              </a:lvl7pPr>
+              <a:lvl8pPr marL="3429000" indent="-228600" algn="l" defTabSz="914400" rtl="0" eaLnBrk="1" latinLnBrk="0" hangingPunct="1">
+                <a:lnSpc>
+                  <a:spcPct val="90000"/>
+                </a:lnSpc>
+                <a:spcBef>
+                  <a:spcPts val="500"/>
+                </a:spcBef>
+                <a:buFont typeface="Arial" panose="020B0604020202020204" pitchFamily="34" charset="0"/>
+                <a:buChar char="•"/>
+                <a:defRPr sz="1800" kern="1200">
+                  <a:solidFill>
+                    <a:schemeClr val="tx1"/>
+                  </a:solidFill>
+                  <a:latin typeface="+mn-lt"/>
+                  <a:ea typeface="+mn-ea"/>
+                  <a:cs typeface="+mn-cs"/>
+                </a:defRPr>
+              </a:lvl8pPr>
+              <a:lvl9pPr marL="3886200" indent="-228600" algn="l" defTabSz="914400" rtl="0" eaLnBrk="1" latinLnBrk="0" hangingPunct="1">
+                <a:lnSpc>
+                  <a:spcPct val="90000"/>
+                </a:lnSpc>
+                <a:spcBef>
+                  <a:spcPts val="500"/>
+                </a:spcBef>
+                <a:buFont typeface="Arial" panose="020B0604020202020204" pitchFamily="34" charset="0"/>
+                <a:buChar char="•"/>
+                <a:defRPr sz="1800" kern="1200">
+                  <a:solidFill>
+                    <a:schemeClr val="tx1"/>
+                  </a:solidFill>
+                  <a:latin typeface="+mn-lt"/>
+                  <a:ea typeface="+mn-ea"/>
+                  <a:cs typeface="+mn-cs"/>
+                </a:defRPr>
+              </a:lvl9pPr>
+            </a:lstStyle>
+            <a:p>
+              <a:pPr marL="457200" indent="-457200" algn="l">
+                <a:buFont typeface="Wingdings" charset="2"/>
+                <a:buChar char="§"/>
+              </a:pPr>
+              <a:r>
+                <a:rPr lang="en-US" altLang="ko-KR" i="0" dirty="0"/>
+                <a:t>Resilient Distributed Datasets (RDD)</a:t>
+              </a:r>
+            </a:p>
+            <a:p>
+              <a:pPr marL="457200" indent="-457200" algn="l">
+                <a:buFont typeface="Wingdings" charset="2"/>
+                <a:buChar char="§"/>
+              </a:pPr>
+              <a:r>
+                <a:rPr lang="en-US" altLang="ko-KR" i="0" dirty="0"/>
+                <a:t>Shared Variables:</a:t>
+              </a:r>
+            </a:p>
+          </p:txBody>
+        </p:sp>
+      </p:grpSp>
     </p:spTree>
     <p:extLst>
       <p:ext uri="{BB962C8B-B14F-4D97-AF65-F5344CB8AC3E}">
@@ -24236,13 +24521,6 @@
   <p:clrMapOvr>
     <a:masterClrMapping/>
   </p:clrMapOvr>
-  <p:timing>
-    <p:tnLst>
-      <p:par>
-        <p:cTn xmlns:p14="http://schemas.microsoft.com/office/powerpoint/2010/main" id="1" dur="indefinite" restart="never" nodeType="tmRoot"/>
-      </p:par>
-    </p:tnLst>
-  </p:timing>
 </p:sld>
 </file>
 
@@ -24509,7 +24787,7 @@
   <a:extraClrSchemeLst/>
   <a:extLst>
     <a:ext uri="{05A4C25C-085E-4340-85A3-A5531E510DB2}">
-      <thm15:themeFamily xmlns:thm15="http://schemas.microsoft.com/office/thememl/2012/main" xmlns="" name="Office Theme" id="{62F939B6-93AF-4DB8-9C6B-D6C7DFDC589F}" vid="{4A3C46E8-61CC-4603-A589-7422A47A8E4A}"/>
+      <thm15:themeFamily xmlns="" xmlns:thm15="http://schemas.microsoft.com/office/thememl/2012/main" name="Office Theme" id="{62F939B6-93AF-4DB8-9C6B-D6C7DFDC589F}" vid="{4A3C46E8-61CC-4603-A589-7422A47A8E4A}"/>
     </a:ext>
   </a:extLst>
 </a:theme>
@@ -24804,7 +25082,7 @@
   <a:extraClrSchemeLst/>
   <a:extLst>
     <a:ext uri="{05A4C25C-085E-4340-85A3-A5531E510DB2}">
-      <thm15:themeFamily xmlns:thm15="http://schemas.microsoft.com/office/thememl/2012/main" xmlns="" name="Office Theme" id="{62F939B6-93AF-4DB8-9C6B-D6C7DFDC589F}" vid="{4A3C46E8-61CC-4603-A589-7422A47A8E4A}"/>
+      <thm15:themeFamily xmlns="" xmlns:thm15="http://schemas.microsoft.com/office/thememl/2012/main" name="Office Theme" id="{62F939B6-93AF-4DB8-9C6B-D6C7DFDC589F}" vid="{4A3C46E8-61CC-4603-A589-7422A47A8E4A}"/>
     </a:ext>
   </a:extLst>
 </a:theme>
